--- a/gitについて_加藤.pptx
+++ b/gitについて_加藤.pptx
@@ -15,6 +15,12 @@
     <p:sldId id="266" r:id="rId9"/>
     <p:sldId id="267" r:id="rId10"/>
     <p:sldId id="268" r:id="rId11"/>
+    <p:sldId id="269" r:id="rId12"/>
+    <p:sldId id="270" r:id="rId13"/>
+    <p:sldId id="271" r:id="rId14"/>
+    <p:sldId id="272" r:id="rId15"/>
+    <p:sldId id="273" r:id="rId16"/>
+    <p:sldId id="274" r:id="rId17"/>
   </p:sldIdLst>
   <p:sldSz cx="12192000" cy="6858000"/>
   <p:notesSz cx="6858000" cy="9144000"/>
@@ -7211,6 +7217,14 @@
             </a:r>
             <a:r>
               <a:rPr lang="ja-JP" altLang="en-US" sz="5400" cap="none" dirty="0"/>
+              <a:t>と</a:t>
+            </a:r>
+            <a:r>
+              <a:rPr lang="en-US" altLang="ja-JP" sz="5400" cap="none" dirty="0"/>
+              <a:t>Git</a:t>
+            </a:r>
+            <a:r>
+              <a:rPr lang="ja-JP" altLang="en-US" sz="5400" cap="none" dirty="0"/>
               <a:t>を使ってみよう！！</a:t>
             </a:r>
             <a:endParaRPr kumimoji="1" lang="ja-JP" altLang="en-US" dirty="0"/>
@@ -7233,8 +7247,8 @@
         </p:nvSpPr>
         <p:spPr>
           <a:xfrm>
-            <a:off x="1251678" y="1354050"/>
-            <a:ext cx="3260361" cy="520467"/>
+            <a:off x="1251677" y="1354050"/>
+            <a:ext cx="5089161" cy="597977"/>
           </a:xfrm>
           <a:prstGeom prst="rect">
             <a:avLst/>
@@ -7266,9 +7280,217 @@
           <a:p>
             <a:r>
               <a:rPr lang="ja-JP" altLang="en-US" sz="2800" cap="none" dirty="0"/>
-              <a:t>・アカウント作成</a:t>
+              <a:t>・</a:t>
+            </a:r>
+            <a:r>
+              <a:rPr lang="en-US" altLang="ja-JP" sz="2800" cap="none" dirty="0"/>
+              <a:t>GitHub</a:t>
+            </a:r>
+            <a:r>
+              <a:rPr lang="ja-JP" altLang="en-US" sz="2800" cap="none" dirty="0"/>
+              <a:t>のアカウント作成</a:t>
             </a:r>
             <a:endParaRPr lang="ja-JP" altLang="en-US" sz="2800" dirty="0"/>
+          </a:p>
+        </p:txBody>
+      </p:sp>
+      <p:sp>
+        <p:nvSpPr>
+          <p:cNvPr id="3" name="タイトル 1">
+            <a:extLst>
+              <a:ext uri="{FF2B5EF4-FFF2-40B4-BE49-F238E27FC236}">
+                <a16:creationId xmlns:a16="http://schemas.microsoft.com/office/drawing/2014/main" id="{59A0E1F6-79CA-3AB1-4121-269B58F4D70F}"/>
+              </a:ext>
+            </a:extLst>
+          </p:cNvPr>
+          <p:cNvSpPr txBox="1">
+            <a:spLocks/>
+          </p:cNvSpPr>
+          <p:nvPr/>
+        </p:nvSpPr>
+        <p:spPr>
+          <a:xfrm>
+            <a:off x="1494019" y="1874517"/>
+            <a:ext cx="3260361" cy="520467"/>
+          </a:xfrm>
+          <a:prstGeom prst="rect">
+            <a:avLst/>
+          </a:prstGeom>
+        </p:spPr>
+        <p:txBody>
+          <a:bodyPr vert="horz" lIns="91440" tIns="45720" rIns="91440" bIns="45720" rtlCol="0" anchor="t">
+            <a:normAutofit fontScale="77500" lnSpcReduction="20000"/>
+          </a:bodyPr>
+          <a:lstStyle>
+            <a:lvl1pPr algn="l" defTabSz="914400" rtl="0" eaLnBrk="1" latinLnBrk="0" hangingPunct="1">
+              <a:lnSpc>
+                <a:spcPct val="90000"/>
+              </a:lnSpc>
+              <a:spcBef>
+                <a:spcPct val="0"/>
+              </a:spcBef>
+              <a:buNone/>
+              <a:defRPr kumimoji="1" sz="5100" kern="1200" cap="all" spc="200" baseline="0">
+                <a:solidFill>
+                  <a:schemeClr val="tx2"/>
+                </a:solidFill>
+                <a:latin typeface="+mj-lt"/>
+                <a:ea typeface="+mj-ea"/>
+                <a:cs typeface="+mj-cs"/>
+              </a:defRPr>
+            </a:lvl1pPr>
+          </a:lstStyle>
+          <a:p>
+            <a:r>
+              <a:rPr lang="en-US" altLang="ja-JP" sz="2800" cap="none" dirty="0"/>
+              <a:t>https://github.co.jp/</a:t>
+            </a:r>
+            <a:endParaRPr lang="ja-JP" altLang="en-US" sz="2800" dirty="0"/>
+          </a:p>
+        </p:txBody>
+      </p:sp>
+      <p:pic>
+        <p:nvPicPr>
+          <p:cNvPr id="5" name="図 4">
+            <a:extLst>
+              <a:ext uri="{FF2B5EF4-FFF2-40B4-BE49-F238E27FC236}">
+                <a16:creationId xmlns:a16="http://schemas.microsoft.com/office/drawing/2014/main" id="{00000000-0008-0000-0000-000002000000}"/>
+              </a:ext>
+            </a:extLst>
+          </p:cNvPr>
+          <p:cNvPicPr>
+            <a:picLocks noChangeAspect="1"/>
+          </p:cNvPicPr>
+          <p:nvPr/>
+        </p:nvPicPr>
+        <p:blipFill>
+          <a:blip r:embed="rId2"/>
+          <a:stretch>
+            <a:fillRect/>
+          </a:stretch>
+        </p:blipFill>
+        <p:spPr>
+          <a:xfrm>
+            <a:off x="1494021" y="2229121"/>
+            <a:ext cx="7560000" cy="4249239"/>
+          </a:xfrm>
+          <a:prstGeom prst="rect">
+            <a:avLst/>
+          </a:prstGeom>
+          <a:ln>
+            <a:solidFill>
+              <a:schemeClr val="tx1"/>
+            </a:solidFill>
+          </a:ln>
+        </p:spPr>
+      </p:pic>
+      <p:sp>
+        <p:nvSpPr>
+          <p:cNvPr id="6" name="正方形/長方形 5">
+            <a:extLst>
+              <a:ext uri="{FF2B5EF4-FFF2-40B4-BE49-F238E27FC236}">
+                <a16:creationId xmlns:a16="http://schemas.microsoft.com/office/drawing/2014/main" id="{8AA572E0-92FB-87AC-EAFA-CB1A5AB9AA77}"/>
+              </a:ext>
+            </a:extLst>
+          </p:cNvPr>
+          <p:cNvSpPr/>
+          <p:nvPr/>
+        </p:nvSpPr>
+        <p:spPr>
+          <a:xfrm>
+            <a:off x="4557009" y="5183756"/>
+            <a:ext cx="1341620" cy="520467"/>
+          </a:xfrm>
+          <a:prstGeom prst="rect">
+            <a:avLst/>
+          </a:prstGeom>
+          <a:noFill/>
+          <a:ln w="76200">
+            <a:solidFill>
+              <a:srgbClr val="FF0000"/>
+            </a:solidFill>
+          </a:ln>
+        </p:spPr>
+        <p:style>
+          <a:lnRef idx="2">
+            <a:schemeClr val="accent1">
+              <a:shade val="50000"/>
+            </a:schemeClr>
+          </a:lnRef>
+          <a:fillRef idx="1">
+            <a:schemeClr val="accent1"/>
+          </a:fillRef>
+          <a:effectRef idx="0">
+            <a:schemeClr val="accent1"/>
+          </a:effectRef>
+          <a:fontRef idx="minor">
+            <a:schemeClr val="lt1"/>
+          </a:fontRef>
+        </p:style>
+        <p:txBody>
+          <a:bodyPr rtlCol="0" anchor="ctr"/>
+          <a:lstStyle/>
+          <a:p>
+            <a:pPr algn="ctr"/>
+            <a:endParaRPr kumimoji="1" lang="ja-JP" altLang="en-US"/>
+          </a:p>
+        </p:txBody>
+      </p:sp>
+      <p:sp>
+        <p:nvSpPr>
+          <p:cNvPr id="8" name="タイトル 1">
+            <a:extLst>
+              <a:ext uri="{FF2B5EF4-FFF2-40B4-BE49-F238E27FC236}">
+                <a16:creationId xmlns:a16="http://schemas.microsoft.com/office/drawing/2014/main" id="{86A14DFE-606C-E5DB-CFB4-73B380800E7D}"/>
+              </a:ext>
+            </a:extLst>
+          </p:cNvPr>
+          <p:cNvSpPr txBox="1">
+            <a:spLocks/>
+          </p:cNvSpPr>
+          <p:nvPr/>
+        </p:nvSpPr>
+        <p:spPr>
+          <a:xfrm>
+            <a:off x="5898629" y="5261266"/>
+            <a:ext cx="3260361" cy="520467"/>
+          </a:xfrm>
+          <a:prstGeom prst="rect">
+            <a:avLst/>
+          </a:prstGeom>
+        </p:spPr>
+        <p:txBody>
+          <a:bodyPr vert="horz" lIns="91440" tIns="45720" rIns="91440" bIns="45720" rtlCol="0" anchor="t">
+            <a:normAutofit fontScale="85000" lnSpcReduction="10000"/>
+          </a:bodyPr>
+          <a:lstStyle>
+            <a:lvl1pPr algn="l" defTabSz="914400" rtl="0" eaLnBrk="1" latinLnBrk="0" hangingPunct="1">
+              <a:lnSpc>
+                <a:spcPct val="90000"/>
+              </a:lnSpc>
+              <a:spcBef>
+                <a:spcPct val="0"/>
+              </a:spcBef>
+              <a:buNone/>
+              <a:defRPr kumimoji="1" sz="5100" kern="1200" cap="all" spc="200" baseline="0">
+                <a:solidFill>
+                  <a:schemeClr val="tx2"/>
+                </a:solidFill>
+                <a:latin typeface="+mj-lt"/>
+                <a:ea typeface="+mj-ea"/>
+                <a:cs typeface="+mj-cs"/>
+              </a:defRPr>
+            </a:lvl1pPr>
+          </a:lstStyle>
+          <a:p>
+            <a:r>
+              <a:rPr lang="ja-JP" altLang="en-US" sz="3600" b="1" dirty="0">
+                <a:solidFill>
+                  <a:srgbClr val="FF0000"/>
+                </a:solidFill>
+              </a:rPr>
+              <a:t>ここをクリック</a:t>
+            </a:r>
           </a:p>
         </p:txBody>
       </p:sp>
@@ -7276,6 +7498,1473 @@
     <p:extLst>
       <p:ext uri="{BB962C8B-B14F-4D97-AF65-F5344CB8AC3E}">
         <p14:creationId xmlns:p14="http://schemas.microsoft.com/office/powerpoint/2010/main" val="694574937"/>
+      </p:ext>
+    </p:extLst>
+  </p:cSld>
+  <p:clrMapOvr>
+    <a:masterClrMapping/>
+  </p:clrMapOvr>
+</p:sld>
+</file>
+
+<file path=ppt/slides/slide11.xml><?xml version="1.0" encoding="utf-8"?>
+<p:sld xmlns:a="http://schemas.openxmlformats.org/drawingml/2006/main" xmlns:r="http://schemas.openxmlformats.org/officeDocument/2006/relationships" xmlns:p="http://schemas.openxmlformats.org/presentationml/2006/main">
+  <p:cSld>
+    <p:spTree>
+      <p:nvGrpSpPr>
+        <p:cNvPr id="1" name=""/>
+        <p:cNvGrpSpPr/>
+        <p:nvPr/>
+      </p:nvGrpSpPr>
+      <p:grpSpPr>
+        <a:xfrm>
+          <a:off x="0" y="0"/>
+          <a:ext cx="0" cy="0"/>
+          <a:chOff x="0" y="0"/>
+          <a:chExt cx="0" cy="0"/>
+        </a:xfrm>
+      </p:grpSpPr>
+      <p:pic>
+        <p:nvPicPr>
+          <p:cNvPr id="4" name="図 3">
+            <a:extLst>
+              <a:ext uri="{FF2B5EF4-FFF2-40B4-BE49-F238E27FC236}">
+                <a16:creationId xmlns:a16="http://schemas.microsoft.com/office/drawing/2014/main" id="{00000000-0008-0000-0000-000003000000}"/>
+              </a:ext>
+            </a:extLst>
+          </p:cNvPr>
+          <p:cNvPicPr>
+            <a:picLocks noChangeAspect="1"/>
+          </p:cNvPicPr>
+          <p:nvPr/>
+        </p:nvPicPr>
+        <p:blipFill>
+          <a:blip r:embed="rId2"/>
+          <a:stretch>
+            <a:fillRect/>
+          </a:stretch>
+        </p:blipFill>
+        <p:spPr>
+          <a:xfrm>
+            <a:off x="1683581" y="1396362"/>
+            <a:ext cx="9379160" cy="5263811"/>
+          </a:xfrm>
+          <a:prstGeom prst="rect">
+            <a:avLst/>
+          </a:prstGeom>
+          <a:ln>
+            <a:solidFill>
+              <a:schemeClr val="tx1"/>
+            </a:solidFill>
+          </a:ln>
+        </p:spPr>
+      </p:pic>
+      <p:sp>
+        <p:nvSpPr>
+          <p:cNvPr id="5" name="タイトル 1">
+            <a:extLst>
+              <a:ext uri="{FF2B5EF4-FFF2-40B4-BE49-F238E27FC236}">
+                <a16:creationId xmlns:a16="http://schemas.microsoft.com/office/drawing/2014/main" id="{253BC142-2E4F-D945-EC49-3B1E8356EBE7}"/>
+              </a:ext>
+            </a:extLst>
+          </p:cNvPr>
+          <p:cNvSpPr txBox="1">
+            <a:spLocks/>
+          </p:cNvSpPr>
+          <p:nvPr/>
+        </p:nvSpPr>
+        <p:spPr>
+          <a:xfrm>
+            <a:off x="1683581" y="555841"/>
+            <a:ext cx="9034386" cy="520467"/>
+          </a:xfrm>
+          <a:prstGeom prst="rect">
+            <a:avLst/>
+          </a:prstGeom>
+        </p:spPr>
+        <p:txBody>
+          <a:bodyPr vert="horz" lIns="91440" tIns="45720" rIns="91440" bIns="45720" rtlCol="0" anchor="t">
+            <a:normAutofit/>
+          </a:bodyPr>
+          <a:lstStyle>
+            <a:lvl1pPr algn="l" defTabSz="914400" rtl="0" eaLnBrk="1" latinLnBrk="0" hangingPunct="1">
+              <a:lnSpc>
+                <a:spcPct val="90000"/>
+              </a:lnSpc>
+              <a:spcBef>
+                <a:spcPct val="0"/>
+              </a:spcBef>
+              <a:buNone/>
+              <a:defRPr kumimoji="1" sz="5100" kern="1200" cap="all" spc="200" baseline="0">
+                <a:solidFill>
+                  <a:schemeClr val="tx2"/>
+                </a:solidFill>
+                <a:latin typeface="+mj-lt"/>
+                <a:ea typeface="+mj-ea"/>
+                <a:cs typeface="+mj-cs"/>
+              </a:defRPr>
+            </a:lvl1pPr>
+          </a:lstStyle>
+          <a:p>
+            <a:r>
+              <a:rPr lang="ja-JP" altLang="en-US" sz="2800" cap="none" dirty="0"/>
+              <a:t>ユーザー名、メールアドレス、パスワードを入力</a:t>
+            </a:r>
+            <a:endParaRPr lang="ja-JP" altLang="en-US" sz="2800" dirty="0"/>
+          </a:p>
+        </p:txBody>
+      </p:sp>
+      <p:sp>
+        <p:nvSpPr>
+          <p:cNvPr id="6" name="テキスト ボックス 5">
+            <a:extLst>
+              <a:ext uri="{FF2B5EF4-FFF2-40B4-BE49-F238E27FC236}">
+                <a16:creationId xmlns:a16="http://schemas.microsoft.com/office/drawing/2014/main" id="{F69B5B21-AE80-4D8C-FCA3-4805483621BA}"/>
+              </a:ext>
+            </a:extLst>
+          </p:cNvPr>
+          <p:cNvSpPr txBox="1"/>
+          <p:nvPr/>
+        </p:nvSpPr>
+        <p:spPr>
+          <a:xfrm>
+            <a:off x="1683581" y="875896"/>
+            <a:ext cx="9978767" cy="523220"/>
+          </a:xfrm>
+          <a:prstGeom prst="rect">
+            <a:avLst/>
+          </a:prstGeom>
+          <a:noFill/>
+        </p:spPr>
+        <p:txBody>
+          <a:bodyPr wrap="square" rtlCol="0">
+            <a:spAutoFit/>
+          </a:bodyPr>
+          <a:lstStyle/>
+          <a:p>
+            <a:r>
+              <a:rPr kumimoji="1" lang="en-US" altLang="ja-JP" sz="2800" dirty="0"/>
+              <a:t>※</a:t>
+            </a:r>
+            <a:r>
+              <a:rPr kumimoji="1" lang="ja-JP" altLang="en-US" sz="2800" dirty="0"/>
+              <a:t>メールアドレスは</a:t>
+            </a:r>
+            <a:r>
+              <a:rPr kumimoji="1" lang="en-US" altLang="ja-JP" sz="2800" dirty="0"/>
+              <a:t>CL</a:t>
+            </a:r>
+            <a:r>
+              <a:rPr kumimoji="1" lang="ja-JP" altLang="en-US" sz="2800" dirty="0"/>
+              <a:t>のメールアドレスを使用してください</a:t>
+            </a:r>
+          </a:p>
+        </p:txBody>
+      </p:sp>
+      <p:sp>
+        <p:nvSpPr>
+          <p:cNvPr id="7" name="正方形/長方形 6">
+            <a:extLst>
+              <a:ext uri="{FF2B5EF4-FFF2-40B4-BE49-F238E27FC236}">
+                <a16:creationId xmlns:a16="http://schemas.microsoft.com/office/drawing/2014/main" id="{8D6BA935-BC7D-92A0-2051-DC57A8E532AE}"/>
+              </a:ext>
+            </a:extLst>
+          </p:cNvPr>
+          <p:cNvSpPr/>
+          <p:nvPr/>
+        </p:nvSpPr>
+        <p:spPr>
+          <a:xfrm>
+            <a:off x="4017364" y="3802311"/>
+            <a:ext cx="4661941" cy="2088823"/>
+          </a:xfrm>
+          <a:prstGeom prst="rect">
+            <a:avLst/>
+          </a:prstGeom>
+          <a:noFill/>
+          <a:ln w="76200">
+            <a:solidFill>
+              <a:srgbClr val="FF0000"/>
+            </a:solidFill>
+          </a:ln>
+        </p:spPr>
+        <p:style>
+          <a:lnRef idx="2">
+            <a:schemeClr val="accent1">
+              <a:shade val="50000"/>
+            </a:schemeClr>
+          </a:lnRef>
+          <a:fillRef idx="1">
+            <a:schemeClr val="accent1"/>
+          </a:fillRef>
+          <a:effectRef idx="0">
+            <a:schemeClr val="accent1"/>
+          </a:effectRef>
+          <a:fontRef idx="minor">
+            <a:schemeClr val="lt1"/>
+          </a:fontRef>
+        </p:style>
+        <p:txBody>
+          <a:bodyPr rtlCol="0" anchor="ctr"/>
+          <a:lstStyle/>
+          <a:p>
+            <a:pPr algn="ctr"/>
+            <a:endParaRPr kumimoji="1" lang="ja-JP" altLang="en-US"/>
+          </a:p>
+        </p:txBody>
+      </p:sp>
+    </p:spTree>
+    <p:extLst>
+      <p:ext uri="{BB962C8B-B14F-4D97-AF65-F5344CB8AC3E}">
+        <p14:creationId xmlns:p14="http://schemas.microsoft.com/office/powerpoint/2010/main" val="2302690232"/>
+      </p:ext>
+    </p:extLst>
+  </p:cSld>
+  <p:clrMapOvr>
+    <a:masterClrMapping/>
+  </p:clrMapOvr>
+</p:sld>
+</file>
+
+<file path=ppt/slides/slide12.xml><?xml version="1.0" encoding="utf-8"?>
+<p:sld xmlns:a="http://schemas.openxmlformats.org/drawingml/2006/main" xmlns:r="http://schemas.openxmlformats.org/officeDocument/2006/relationships" xmlns:p="http://schemas.openxmlformats.org/presentationml/2006/main">
+  <p:cSld>
+    <p:spTree>
+      <p:nvGrpSpPr>
+        <p:cNvPr id="1" name=""/>
+        <p:cNvGrpSpPr/>
+        <p:nvPr/>
+      </p:nvGrpSpPr>
+      <p:grpSpPr>
+        <a:xfrm>
+          <a:off x="0" y="0"/>
+          <a:ext cx="0" cy="0"/>
+          <a:chOff x="0" y="0"/>
+          <a:chExt cx="0" cy="0"/>
+        </a:xfrm>
+      </p:grpSpPr>
+      <p:pic>
+        <p:nvPicPr>
+          <p:cNvPr id="2" name="図 1">
+            <a:extLst>
+              <a:ext uri="{FF2B5EF4-FFF2-40B4-BE49-F238E27FC236}">
+                <a16:creationId xmlns:a16="http://schemas.microsoft.com/office/drawing/2014/main" id="{00000000-0008-0000-0000-000004000000}"/>
+              </a:ext>
+            </a:extLst>
+          </p:cNvPr>
+          <p:cNvPicPr>
+            <a:picLocks noChangeAspect="1"/>
+          </p:cNvPicPr>
+          <p:nvPr/>
+        </p:nvPicPr>
+        <p:blipFill>
+          <a:blip r:embed="rId2"/>
+          <a:stretch>
+            <a:fillRect/>
+          </a:stretch>
+        </p:blipFill>
+        <p:spPr>
+          <a:xfrm>
+            <a:off x="1683581" y="1343382"/>
+            <a:ext cx="9379160" cy="5271730"/>
+          </a:xfrm>
+          <a:prstGeom prst="rect">
+            <a:avLst/>
+          </a:prstGeom>
+          <a:ln>
+            <a:solidFill>
+              <a:schemeClr val="tx1"/>
+            </a:solidFill>
+          </a:ln>
+        </p:spPr>
+      </p:pic>
+      <p:sp>
+        <p:nvSpPr>
+          <p:cNvPr id="5" name="タイトル 1">
+            <a:extLst>
+              <a:ext uri="{FF2B5EF4-FFF2-40B4-BE49-F238E27FC236}">
+                <a16:creationId xmlns:a16="http://schemas.microsoft.com/office/drawing/2014/main" id="{253BC142-2E4F-D945-EC49-3B1E8356EBE7}"/>
+              </a:ext>
+            </a:extLst>
+          </p:cNvPr>
+          <p:cNvSpPr txBox="1">
+            <a:spLocks/>
+          </p:cNvSpPr>
+          <p:nvPr/>
+        </p:nvSpPr>
+        <p:spPr>
+          <a:xfrm>
+            <a:off x="1683581" y="670030"/>
+            <a:ext cx="9768905" cy="673352"/>
+          </a:xfrm>
+          <a:prstGeom prst="rect">
+            <a:avLst/>
+          </a:prstGeom>
+        </p:spPr>
+        <p:txBody>
+          <a:bodyPr vert="horz" lIns="91440" tIns="45720" rIns="91440" bIns="45720" rtlCol="0" anchor="t">
+            <a:normAutofit/>
+          </a:bodyPr>
+          <a:lstStyle>
+            <a:lvl1pPr algn="l" defTabSz="914400" rtl="0" eaLnBrk="1" latinLnBrk="0" hangingPunct="1">
+              <a:lnSpc>
+                <a:spcPct val="90000"/>
+              </a:lnSpc>
+              <a:spcBef>
+                <a:spcPct val="0"/>
+              </a:spcBef>
+              <a:buNone/>
+              <a:defRPr kumimoji="1" sz="5100" kern="1200" cap="all" spc="200" baseline="0">
+                <a:solidFill>
+                  <a:schemeClr val="tx2"/>
+                </a:solidFill>
+                <a:latin typeface="+mj-lt"/>
+                <a:ea typeface="+mj-ea"/>
+                <a:cs typeface="+mj-cs"/>
+              </a:defRPr>
+            </a:lvl1pPr>
+          </a:lstStyle>
+          <a:p>
+            <a:r>
+              <a:rPr lang="ja-JP" altLang="en-US" sz="2800" cap="none" dirty="0"/>
+              <a:t>ロボットじゃないことを証明して、アカウントを作成</a:t>
+            </a:r>
+            <a:endParaRPr lang="ja-JP" altLang="en-US" sz="2800" dirty="0"/>
+          </a:p>
+        </p:txBody>
+      </p:sp>
+      <p:sp>
+        <p:nvSpPr>
+          <p:cNvPr id="3" name="正方形/長方形 2">
+            <a:extLst>
+              <a:ext uri="{FF2B5EF4-FFF2-40B4-BE49-F238E27FC236}">
+                <a16:creationId xmlns:a16="http://schemas.microsoft.com/office/drawing/2014/main" id="{0973E78D-DF92-BE27-85F5-14CC980CE02E}"/>
+              </a:ext>
+            </a:extLst>
+          </p:cNvPr>
+          <p:cNvSpPr/>
+          <p:nvPr/>
+        </p:nvSpPr>
+        <p:spPr>
+          <a:xfrm>
+            <a:off x="4017364" y="2596727"/>
+            <a:ext cx="4661940" cy="3591243"/>
+          </a:xfrm>
+          <a:prstGeom prst="rect">
+            <a:avLst/>
+          </a:prstGeom>
+          <a:noFill/>
+          <a:ln w="76200">
+            <a:solidFill>
+              <a:srgbClr val="FF0000"/>
+            </a:solidFill>
+          </a:ln>
+        </p:spPr>
+        <p:style>
+          <a:lnRef idx="2">
+            <a:schemeClr val="accent1">
+              <a:shade val="50000"/>
+            </a:schemeClr>
+          </a:lnRef>
+          <a:fillRef idx="1">
+            <a:schemeClr val="accent1"/>
+          </a:fillRef>
+          <a:effectRef idx="0">
+            <a:schemeClr val="accent1"/>
+          </a:effectRef>
+          <a:fontRef idx="minor">
+            <a:schemeClr val="lt1"/>
+          </a:fontRef>
+        </p:style>
+        <p:txBody>
+          <a:bodyPr rtlCol="0" anchor="ctr"/>
+          <a:lstStyle/>
+          <a:p>
+            <a:pPr algn="ctr"/>
+            <a:endParaRPr kumimoji="1" lang="ja-JP" altLang="en-US"/>
+          </a:p>
+        </p:txBody>
+      </p:sp>
+    </p:spTree>
+    <p:extLst>
+      <p:ext uri="{BB962C8B-B14F-4D97-AF65-F5344CB8AC3E}">
+        <p14:creationId xmlns:p14="http://schemas.microsoft.com/office/powerpoint/2010/main" val="3885993115"/>
+      </p:ext>
+    </p:extLst>
+  </p:cSld>
+  <p:clrMapOvr>
+    <a:masterClrMapping/>
+  </p:clrMapOvr>
+</p:sld>
+</file>
+
+<file path=ppt/slides/slide13.xml><?xml version="1.0" encoding="utf-8"?>
+<p:sld xmlns:a="http://schemas.openxmlformats.org/drawingml/2006/main" xmlns:r="http://schemas.openxmlformats.org/officeDocument/2006/relationships" xmlns:p="http://schemas.openxmlformats.org/presentationml/2006/main">
+  <p:cSld>
+    <p:spTree>
+      <p:nvGrpSpPr>
+        <p:cNvPr id="1" name=""/>
+        <p:cNvGrpSpPr/>
+        <p:nvPr/>
+      </p:nvGrpSpPr>
+      <p:grpSpPr>
+        <a:xfrm>
+          <a:off x="0" y="0"/>
+          <a:ext cx="0" cy="0"/>
+          <a:chOff x="0" y="0"/>
+          <a:chExt cx="0" cy="0"/>
+        </a:xfrm>
+      </p:grpSpPr>
+      <p:pic>
+        <p:nvPicPr>
+          <p:cNvPr id="4" name="図 3">
+            <a:extLst>
+              <a:ext uri="{FF2B5EF4-FFF2-40B4-BE49-F238E27FC236}">
+                <a16:creationId xmlns:a16="http://schemas.microsoft.com/office/drawing/2014/main" id="{00000000-0008-0000-0000-000005000000}"/>
+              </a:ext>
+            </a:extLst>
+          </p:cNvPr>
+          <p:cNvPicPr>
+            <a:picLocks noChangeAspect="1"/>
+          </p:cNvPicPr>
+          <p:nvPr/>
+        </p:nvPicPr>
+        <p:blipFill>
+          <a:blip r:embed="rId2"/>
+          <a:stretch>
+            <a:fillRect/>
+          </a:stretch>
+        </p:blipFill>
+        <p:spPr>
+          <a:xfrm>
+            <a:off x="1683581" y="1343382"/>
+            <a:ext cx="9379159" cy="5276678"/>
+          </a:xfrm>
+          <a:prstGeom prst="rect">
+            <a:avLst/>
+          </a:prstGeom>
+          <a:ln>
+            <a:solidFill>
+              <a:schemeClr val="tx1"/>
+            </a:solidFill>
+          </a:ln>
+        </p:spPr>
+      </p:pic>
+      <p:sp>
+        <p:nvSpPr>
+          <p:cNvPr id="5" name="タイトル 1">
+            <a:extLst>
+              <a:ext uri="{FF2B5EF4-FFF2-40B4-BE49-F238E27FC236}">
+                <a16:creationId xmlns:a16="http://schemas.microsoft.com/office/drawing/2014/main" id="{253BC142-2E4F-D945-EC49-3B1E8356EBE7}"/>
+              </a:ext>
+            </a:extLst>
+          </p:cNvPr>
+          <p:cNvSpPr txBox="1">
+            <a:spLocks/>
+          </p:cNvSpPr>
+          <p:nvPr/>
+        </p:nvSpPr>
+        <p:spPr>
+          <a:xfrm>
+            <a:off x="1683581" y="470414"/>
+            <a:ext cx="10157124" cy="1105442"/>
+          </a:xfrm>
+          <a:prstGeom prst="rect">
+            <a:avLst/>
+          </a:prstGeom>
+        </p:spPr>
+        <p:txBody>
+          <a:bodyPr vert="horz" lIns="91440" tIns="45720" rIns="91440" bIns="45720" rtlCol="0" anchor="t">
+            <a:normAutofit/>
+          </a:bodyPr>
+          <a:lstStyle>
+            <a:lvl1pPr algn="l" defTabSz="914400" rtl="0" eaLnBrk="1" latinLnBrk="0" hangingPunct="1">
+              <a:lnSpc>
+                <a:spcPct val="90000"/>
+              </a:lnSpc>
+              <a:spcBef>
+                <a:spcPct val="0"/>
+              </a:spcBef>
+              <a:buNone/>
+              <a:defRPr kumimoji="1" sz="5100" kern="1200" cap="all" spc="200" baseline="0">
+                <a:solidFill>
+                  <a:schemeClr val="tx2"/>
+                </a:solidFill>
+                <a:latin typeface="+mj-lt"/>
+                <a:ea typeface="+mj-ea"/>
+                <a:cs typeface="+mj-cs"/>
+              </a:defRPr>
+            </a:lvl1pPr>
+          </a:lstStyle>
+          <a:p>
+            <a:r>
+              <a:rPr lang="ja-JP" altLang="en-US" sz="2800" cap="none" dirty="0"/>
+              <a:t>登録したメールアドレス宛にメールが届くので</a:t>
+            </a:r>
+            <a:endParaRPr lang="en-US" altLang="ja-JP" sz="2800" cap="none" dirty="0"/>
+          </a:p>
+          <a:p>
+            <a:r>
+              <a:rPr lang="ja-JP" altLang="en-US" sz="2800" cap="none" dirty="0"/>
+              <a:t>届いたメールから</a:t>
+            </a:r>
+            <a:r>
+              <a:rPr lang="en-US" altLang="ja-JP" sz="2800" cap="none" dirty="0"/>
+              <a:t>GitHub</a:t>
+            </a:r>
+            <a:r>
+              <a:rPr lang="ja-JP" altLang="en-US" sz="2800" cap="none" dirty="0"/>
+              <a:t>へアクセス</a:t>
+            </a:r>
+            <a:endParaRPr lang="ja-JP" altLang="en-US" sz="2800" dirty="0"/>
+          </a:p>
+        </p:txBody>
+      </p:sp>
+      <p:sp>
+        <p:nvSpPr>
+          <p:cNvPr id="7" name="正方形/長方形 6">
+            <a:extLst>
+              <a:ext uri="{FF2B5EF4-FFF2-40B4-BE49-F238E27FC236}">
+                <a16:creationId xmlns:a16="http://schemas.microsoft.com/office/drawing/2014/main" id="{8D6BA935-BC7D-92A0-2051-DC57A8E532AE}"/>
+              </a:ext>
+            </a:extLst>
+          </p:cNvPr>
+          <p:cNvSpPr/>
+          <p:nvPr/>
+        </p:nvSpPr>
+        <p:spPr>
+          <a:xfrm>
+            <a:off x="4091553" y="4742481"/>
+            <a:ext cx="2004447" cy="772137"/>
+          </a:xfrm>
+          <a:prstGeom prst="rect">
+            <a:avLst/>
+          </a:prstGeom>
+          <a:noFill/>
+          <a:ln w="76200">
+            <a:solidFill>
+              <a:srgbClr val="FF0000"/>
+            </a:solidFill>
+          </a:ln>
+        </p:spPr>
+        <p:style>
+          <a:lnRef idx="2">
+            <a:schemeClr val="accent1">
+              <a:shade val="50000"/>
+            </a:schemeClr>
+          </a:lnRef>
+          <a:fillRef idx="1">
+            <a:schemeClr val="accent1"/>
+          </a:fillRef>
+          <a:effectRef idx="0">
+            <a:schemeClr val="accent1"/>
+          </a:effectRef>
+          <a:fontRef idx="minor">
+            <a:schemeClr val="lt1"/>
+          </a:fontRef>
+        </p:style>
+        <p:txBody>
+          <a:bodyPr rtlCol="0" anchor="ctr"/>
+          <a:lstStyle/>
+          <a:p>
+            <a:pPr algn="ctr"/>
+            <a:endParaRPr kumimoji="1" lang="ja-JP" altLang="en-US"/>
+          </a:p>
+        </p:txBody>
+      </p:sp>
+      <p:sp>
+        <p:nvSpPr>
+          <p:cNvPr id="6" name="タイトル 1">
+            <a:extLst>
+              <a:ext uri="{FF2B5EF4-FFF2-40B4-BE49-F238E27FC236}">
+                <a16:creationId xmlns:a16="http://schemas.microsoft.com/office/drawing/2014/main" id="{78AABF75-F8AC-120E-7B9A-C1E17468C360}"/>
+              </a:ext>
+            </a:extLst>
+          </p:cNvPr>
+          <p:cNvSpPr txBox="1">
+            <a:spLocks/>
+          </p:cNvSpPr>
+          <p:nvPr/>
+        </p:nvSpPr>
+        <p:spPr>
+          <a:xfrm>
+            <a:off x="6096000" y="4868315"/>
+            <a:ext cx="3260361" cy="520467"/>
+          </a:xfrm>
+          <a:prstGeom prst="rect">
+            <a:avLst/>
+          </a:prstGeom>
+        </p:spPr>
+        <p:txBody>
+          <a:bodyPr vert="horz" lIns="91440" tIns="45720" rIns="91440" bIns="45720" rtlCol="0" anchor="t">
+            <a:normAutofit fontScale="85000" lnSpcReduction="10000"/>
+          </a:bodyPr>
+          <a:lstStyle>
+            <a:lvl1pPr algn="l" defTabSz="914400" rtl="0" eaLnBrk="1" latinLnBrk="0" hangingPunct="1">
+              <a:lnSpc>
+                <a:spcPct val="90000"/>
+              </a:lnSpc>
+              <a:spcBef>
+                <a:spcPct val="0"/>
+              </a:spcBef>
+              <a:buNone/>
+              <a:defRPr kumimoji="1" sz="5100" kern="1200" cap="all" spc="200" baseline="0">
+                <a:solidFill>
+                  <a:schemeClr val="tx2"/>
+                </a:solidFill>
+                <a:latin typeface="+mj-lt"/>
+                <a:ea typeface="+mj-ea"/>
+                <a:cs typeface="+mj-cs"/>
+              </a:defRPr>
+            </a:lvl1pPr>
+          </a:lstStyle>
+          <a:p>
+            <a:r>
+              <a:rPr lang="ja-JP" altLang="en-US" sz="3600" b="1" dirty="0">
+                <a:solidFill>
+                  <a:srgbClr val="FF0000"/>
+                </a:solidFill>
+              </a:rPr>
+              <a:t>ここをクリック</a:t>
+            </a:r>
+          </a:p>
+        </p:txBody>
+      </p:sp>
+    </p:spTree>
+    <p:extLst>
+      <p:ext uri="{BB962C8B-B14F-4D97-AF65-F5344CB8AC3E}">
+        <p14:creationId xmlns:p14="http://schemas.microsoft.com/office/powerpoint/2010/main" val="672271262"/>
+      </p:ext>
+    </p:extLst>
+  </p:cSld>
+  <p:clrMapOvr>
+    <a:masterClrMapping/>
+  </p:clrMapOvr>
+</p:sld>
+</file>
+
+<file path=ppt/slides/slide14.xml><?xml version="1.0" encoding="utf-8"?>
+<p:sld xmlns:a="http://schemas.openxmlformats.org/drawingml/2006/main" xmlns:r="http://schemas.openxmlformats.org/officeDocument/2006/relationships" xmlns:p="http://schemas.openxmlformats.org/presentationml/2006/main">
+  <p:cSld>
+    <p:spTree>
+      <p:nvGrpSpPr>
+        <p:cNvPr id="1" name=""/>
+        <p:cNvGrpSpPr/>
+        <p:nvPr/>
+      </p:nvGrpSpPr>
+      <p:grpSpPr>
+        <a:xfrm>
+          <a:off x="0" y="0"/>
+          <a:ext cx="0" cy="0"/>
+          <a:chOff x="0" y="0"/>
+          <a:chExt cx="0" cy="0"/>
+        </a:xfrm>
+      </p:grpSpPr>
+      <p:pic>
+        <p:nvPicPr>
+          <p:cNvPr id="2" name="図 1">
+            <a:extLst>
+              <a:ext uri="{FF2B5EF4-FFF2-40B4-BE49-F238E27FC236}">
+                <a16:creationId xmlns:a16="http://schemas.microsoft.com/office/drawing/2014/main" id="{00000000-0008-0000-0000-000006000000}"/>
+              </a:ext>
+            </a:extLst>
+          </p:cNvPr>
+          <p:cNvPicPr>
+            <a:picLocks noChangeAspect="1"/>
+          </p:cNvPicPr>
+          <p:nvPr/>
+        </p:nvPicPr>
+        <p:blipFill>
+          <a:blip r:embed="rId2"/>
+          <a:stretch>
+            <a:fillRect/>
+          </a:stretch>
+        </p:blipFill>
+        <p:spPr>
+          <a:xfrm>
+            <a:off x="1683581" y="1343382"/>
+            <a:ext cx="9406786" cy="5276678"/>
+          </a:xfrm>
+          <a:prstGeom prst="rect">
+            <a:avLst/>
+          </a:prstGeom>
+          <a:ln>
+            <a:solidFill>
+              <a:schemeClr val="tx1"/>
+            </a:solidFill>
+          </a:ln>
+        </p:spPr>
+      </p:pic>
+      <p:sp>
+        <p:nvSpPr>
+          <p:cNvPr id="5" name="タイトル 1">
+            <a:extLst>
+              <a:ext uri="{FF2B5EF4-FFF2-40B4-BE49-F238E27FC236}">
+                <a16:creationId xmlns:a16="http://schemas.microsoft.com/office/drawing/2014/main" id="{253BC142-2E4F-D945-EC49-3B1E8356EBE7}"/>
+              </a:ext>
+            </a:extLst>
+          </p:cNvPr>
+          <p:cNvSpPr txBox="1">
+            <a:spLocks/>
+          </p:cNvSpPr>
+          <p:nvPr/>
+        </p:nvSpPr>
+        <p:spPr>
+          <a:xfrm>
+            <a:off x="1413758" y="730782"/>
+            <a:ext cx="10157124" cy="1105442"/>
+          </a:xfrm>
+          <a:prstGeom prst="rect">
+            <a:avLst/>
+          </a:prstGeom>
+        </p:spPr>
+        <p:txBody>
+          <a:bodyPr vert="horz" lIns="91440" tIns="45720" rIns="91440" bIns="45720" rtlCol="0" anchor="t">
+            <a:normAutofit/>
+          </a:bodyPr>
+          <a:lstStyle>
+            <a:lvl1pPr algn="l" defTabSz="914400" rtl="0" eaLnBrk="1" latinLnBrk="0" hangingPunct="1">
+              <a:lnSpc>
+                <a:spcPct val="90000"/>
+              </a:lnSpc>
+              <a:spcBef>
+                <a:spcPct val="0"/>
+              </a:spcBef>
+              <a:buNone/>
+              <a:defRPr kumimoji="1" sz="5100" kern="1200" cap="all" spc="200" baseline="0">
+                <a:solidFill>
+                  <a:schemeClr val="tx2"/>
+                </a:solidFill>
+                <a:latin typeface="+mj-lt"/>
+                <a:ea typeface="+mj-ea"/>
+                <a:cs typeface="+mj-cs"/>
+              </a:defRPr>
+            </a:lvl1pPr>
+          </a:lstStyle>
+          <a:p>
+            <a:r>
+              <a:rPr lang="ja-JP" altLang="en-US" sz="2800" cap="none" dirty="0"/>
+              <a:t>「</a:t>
+            </a:r>
+            <a:r>
+              <a:rPr lang="en-US" altLang="ja-JP" sz="2800" cap="none" dirty="0"/>
+              <a:t>Your email was verified.</a:t>
+            </a:r>
+            <a:r>
+              <a:rPr lang="ja-JP" altLang="en-US" sz="2800" cap="none" dirty="0"/>
+              <a:t>」が表示されれば</a:t>
+            </a:r>
+            <a:r>
+              <a:rPr lang="en-US" altLang="ja-JP" sz="2800" cap="none" dirty="0"/>
+              <a:t>OK</a:t>
+            </a:r>
+            <a:endParaRPr lang="ja-JP" altLang="en-US" sz="2800" dirty="0"/>
+          </a:p>
+        </p:txBody>
+      </p:sp>
+      <p:sp>
+        <p:nvSpPr>
+          <p:cNvPr id="7" name="正方形/長方形 6">
+            <a:extLst>
+              <a:ext uri="{FF2B5EF4-FFF2-40B4-BE49-F238E27FC236}">
+                <a16:creationId xmlns:a16="http://schemas.microsoft.com/office/drawing/2014/main" id="{8D6BA935-BC7D-92A0-2051-DC57A8E532AE}"/>
+              </a:ext>
+            </a:extLst>
+          </p:cNvPr>
+          <p:cNvSpPr/>
+          <p:nvPr/>
+        </p:nvSpPr>
+        <p:spPr>
+          <a:xfrm>
+            <a:off x="2322714" y="2329065"/>
+            <a:ext cx="1439818" cy="459105"/>
+          </a:xfrm>
+          <a:prstGeom prst="rect">
+            <a:avLst/>
+          </a:prstGeom>
+          <a:noFill/>
+          <a:ln w="76200">
+            <a:solidFill>
+              <a:srgbClr val="FF0000"/>
+            </a:solidFill>
+          </a:ln>
+        </p:spPr>
+        <p:style>
+          <a:lnRef idx="2">
+            <a:schemeClr val="accent1">
+              <a:shade val="50000"/>
+            </a:schemeClr>
+          </a:lnRef>
+          <a:fillRef idx="1">
+            <a:schemeClr val="accent1"/>
+          </a:fillRef>
+          <a:effectRef idx="0">
+            <a:schemeClr val="accent1"/>
+          </a:effectRef>
+          <a:fontRef idx="minor">
+            <a:schemeClr val="lt1"/>
+          </a:fontRef>
+        </p:style>
+        <p:txBody>
+          <a:bodyPr rtlCol="0" anchor="ctr"/>
+          <a:lstStyle/>
+          <a:p>
+            <a:pPr algn="ctr"/>
+            <a:endParaRPr kumimoji="1" lang="ja-JP" altLang="en-US"/>
+          </a:p>
+        </p:txBody>
+      </p:sp>
+      <p:sp>
+        <p:nvSpPr>
+          <p:cNvPr id="6" name="タイトル 1">
+            <a:extLst>
+              <a:ext uri="{FF2B5EF4-FFF2-40B4-BE49-F238E27FC236}">
+                <a16:creationId xmlns:a16="http://schemas.microsoft.com/office/drawing/2014/main" id="{78AABF75-F8AC-120E-7B9A-C1E17468C360}"/>
+              </a:ext>
+            </a:extLst>
+          </p:cNvPr>
+          <p:cNvSpPr txBox="1">
+            <a:spLocks/>
+          </p:cNvSpPr>
+          <p:nvPr/>
+        </p:nvSpPr>
+        <p:spPr>
+          <a:xfrm>
+            <a:off x="3762532" y="2329065"/>
+            <a:ext cx="3260361" cy="520467"/>
+          </a:xfrm>
+          <a:prstGeom prst="rect">
+            <a:avLst/>
+          </a:prstGeom>
+        </p:spPr>
+        <p:txBody>
+          <a:bodyPr vert="horz" lIns="91440" tIns="45720" rIns="91440" bIns="45720" rtlCol="0" anchor="t">
+            <a:normAutofit fontScale="92500" lnSpcReduction="10000"/>
+          </a:bodyPr>
+          <a:lstStyle>
+            <a:lvl1pPr algn="l" defTabSz="914400" rtl="0" eaLnBrk="1" latinLnBrk="0" hangingPunct="1">
+              <a:lnSpc>
+                <a:spcPct val="90000"/>
+              </a:lnSpc>
+              <a:spcBef>
+                <a:spcPct val="0"/>
+              </a:spcBef>
+              <a:buNone/>
+              <a:defRPr kumimoji="1" sz="5100" kern="1200" cap="all" spc="200" baseline="0">
+                <a:solidFill>
+                  <a:schemeClr val="tx2"/>
+                </a:solidFill>
+                <a:latin typeface="+mj-lt"/>
+                <a:ea typeface="+mj-ea"/>
+                <a:cs typeface="+mj-cs"/>
+              </a:defRPr>
+            </a:lvl1pPr>
+          </a:lstStyle>
+          <a:p>
+            <a:r>
+              <a:rPr lang="ja-JP" altLang="en-US" sz="3600" b="1" dirty="0">
+                <a:solidFill>
+                  <a:srgbClr val="FF0000"/>
+                </a:solidFill>
+              </a:rPr>
+              <a:t>ここを確認</a:t>
+            </a:r>
+          </a:p>
+        </p:txBody>
+      </p:sp>
+    </p:spTree>
+    <p:extLst>
+      <p:ext uri="{BB962C8B-B14F-4D97-AF65-F5344CB8AC3E}">
+        <p14:creationId xmlns:p14="http://schemas.microsoft.com/office/powerpoint/2010/main" val="3311102742"/>
+      </p:ext>
+    </p:extLst>
+  </p:cSld>
+  <p:clrMapOvr>
+    <a:masterClrMapping/>
+  </p:clrMapOvr>
+</p:sld>
+</file>
+
+<file path=ppt/slides/slide15.xml><?xml version="1.0" encoding="utf-8"?>
+<p:sld xmlns:a="http://schemas.openxmlformats.org/drawingml/2006/main" xmlns:r="http://schemas.openxmlformats.org/officeDocument/2006/relationships" xmlns:p="http://schemas.openxmlformats.org/presentationml/2006/main">
+  <p:cSld>
+    <p:spTree>
+      <p:nvGrpSpPr>
+        <p:cNvPr id="1" name=""/>
+        <p:cNvGrpSpPr/>
+        <p:nvPr/>
+      </p:nvGrpSpPr>
+      <p:grpSpPr>
+        <a:xfrm>
+          <a:off x="0" y="0"/>
+          <a:ext cx="0" cy="0"/>
+          <a:chOff x="0" y="0"/>
+          <a:chExt cx="0" cy="0"/>
+        </a:xfrm>
+      </p:grpSpPr>
+      <p:pic>
+        <p:nvPicPr>
+          <p:cNvPr id="3" name="図 2">
+            <a:extLst>
+              <a:ext uri="{FF2B5EF4-FFF2-40B4-BE49-F238E27FC236}">
+                <a16:creationId xmlns:a16="http://schemas.microsoft.com/office/drawing/2014/main" id="{00000000-0008-0000-0000-000011000000}"/>
+              </a:ext>
+            </a:extLst>
+          </p:cNvPr>
+          <p:cNvPicPr>
+            <a:picLocks noChangeAspect="1"/>
+          </p:cNvPicPr>
+          <p:nvPr/>
+        </p:nvPicPr>
+        <p:blipFill>
+          <a:blip r:embed="rId2"/>
+          <a:stretch>
+            <a:fillRect/>
+          </a:stretch>
+        </p:blipFill>
+        <p:spPr>
+          <a:xfrm>
+            <a:off x="1683581" y="1343383"/>
+            <a:ext cx="9406786" cy="5287258"/>
+          </a:xfrm>
+          <a:prstGeom prst="rect">
+            <a:avLst/>
+          </a:prstGeom>
+          <a:ln>
+            <a:solidFill>
+              <a:schemeClr val="tx1"/>
+            </a:solidFill>
+          </a:ln>
+        </p:spPr>
+      </p:pic>
+      <p:sp>
+        <p:nvSpPr>
+          <p:cNvPr id="5" name="タイトル 1">
+            <a:extLst>
+              <a:ext uri="{FF2B5EF4-FFF2-40B4-BE49-F238E27FC236}">
+                <a16:creationId xmlns:a16="http://schemas.microsoft.com/office/drawing/2014/main" id="{253BC142-2E4F-D945-EC49-3B1E8356EBE7}"/>
+              </a:ext>
+            </a:extLst>
+          </p:cNvPr>
+          <p:cNvSpPr txBox="1">
+            <a:spLocks/>
+          </p:cNvSpPr>
+          <p:nvPr/>
+        </p:nvSpPr>
+        <p:spPr>
+          <a:xfrm>
+            <a:off x="1683581" y="895673"/>
+            <a:ext cx="10157124" cy="1105442"/>
+          </a:xfrm>
+          <a:prstGeom prst="rect">
+            <a:avLst/>
+          </a:prstGeom>
+        </p:spPr>
+        <p:txBody>
+          <a:bodyPr vert="horz" lIns="91440" tIns="45720" rIns="91440" bIns="45720" rtlCol="0" anchor="t">
+            <a:normAutofit/>
+          </a:bodyPr>
+          <a:lstStyle>
+            <a:lvl1pPr algn="l" defTabSz="914400" rtl="0" eaLnBrk="1" latinLnBrk="0" hangingPunct="1">
+              <a:lnSpc>
+                <a:spcPct val="90000"/>
+              </a:lnSpc>
+              <a:spcBef>
+                <a:spcPct val="0"/>
+              </a:spcBef>
+              <a:buNone/>
+              <a:defRPr kumimoji="1" sz="5100" kern="1200" cap="all" spc="200" baseline="0">
+                <a:solidFill>
+                  <a:schemeClr val="tx2"/>
+                </a:solidFill>
+                <a:latin typeface="+mj-lt"/>
+                <a:ea typeface="+mj-ea"/>
+                <a:cs typeface="+mj-cs"/>
+              </a:defRPr>
+            </a:lvl1pPr>
+          </a:lstStyle>
+          <a:p>
+            <a:r>
+              <a:rPr lang="en-US" altLang="ja-JP" sz="2800" cap="none" dirty="0"/>
+              <a:t>https://gitforwindows.org/</a:t>
+            </a:r>
+            <a:endParaRPr lang="ja-JP" altLang="en-US" sz="2800" dirty="0"/>
+          </a:p>
+        </p:txBody>
+      </p:sp>
+      <p:sp>
+        <p:nvSpPr>
+          <p:cNvPr id="7" name="正方形/長方形 6">
+            <a:extLst>
+              <a:ext uri="{FF2B5EF4-FFF2-40B4-BE49-F238E27FC236}">
+                <a16:creationId xmlns:a16="http://schemas.microsoft.com/office/drawing/2014/main" id="{8D6BA935-BC7D-92A0-2051-DC57A8E532AE}"/>
+              </a:ext>
+            </a:extLst>
+          </p:cNvPr>
+          <p:cNvSpPr/>
+          <p:nvPr/>
+        </p:nvSpPr>
+        <p:spPr>
+          <a:xfrm>
+            <a:off x="6317974" y="4390614"/>
+            <a:ext cx="1581842" cy="520467"/>
+          </a:xfrm>
+          <a:prstGeom prst="rect">
+            <a:avLst/>
+          </a:prstGeom>
+          <a:noFill/>
+          <a:ln w="76200">
+            <a:solidFill>
+              <a:srgbClr val="FF0000"/>
+            </a:solidFill>
+          </a:ln>
+        </p:spPr>
+        <p:style>
+          <a:lnRef idx="2">
+            <a:schemeClr val="accent1">
+              <a:shade val="50000"/>
+            </a:schemeClr>
+          </a:lnRef>
+          <a:fillRef idx="1">
+            <a:schemeClr val="accent1"/>
+          </a:fillRef>
+          <a:effectRef idx="0">
+            <a:schemeClr val="accent1"/>
+          </a:effectRef>
+          <a:fontRef idx="minor">
+            <a:schemeClr val="lt1"/>
+          </a:fontRef>
+        </p:style>
+        <p:txBody>
+          <a:bodyPr rtlCol="0" anchor="ctr"/>
+          <a:lstStyle/>
+          <a:p>
+            <a:pPr algn="ctr"/>
+            <a:endParaRPr kumimoji="1" lang="ja-JP" altLang="en-US"/>
+          </a:p>
+        </p:txBody>
+      </p:sp>
+      <p:sp>
+        <p:nvSpPr>
+          <p:cNvPr id="6" name="タイトル 1">
+            <a:extLst>
+              <a:ext uri="{FF2B5EF4-FFF2-40B4-BE49-F238E27FC236}">
+                <a16:creationId xmlns:a16="http://schemas.microsoft.com/office/drawing/2014/main" id="{78AABF75-F8AC-120E-7B9A-C1E17468C360}"/>
+              </a:ext>
+            </a:extLst>
+          </p:cNvPr>
+          <p:cNvSpPr txBox="1">
+            <a:spLocks/>
+          </p:cNvSpPr>
+          <p:nvPr/>
+        </p:nvSpPr>
+        <p:spPr>
+          <a:xfrm>
+            <a:off x="7864911" y="4262797"/>
+            <a:ext cx="3260361" cy="520467"/>
+          </a:xfrm>
+          <a:prstGeom prst="rect">
+            <a:avLst/>
+          </a:prstGeom>
+        </p:spPr>
+        <p:txBody>
+          <a:bodyPr vert="horz" lIns="91440" tIns="45720" rIns="91440" bIns="45720" rtlCol="0" anchor="t">
+            <a:normAutofit fontScale="85000" lnSpcReduction="10000"/>
+          </a:bodyPr>
+          <a:lstStyle>
+            <a:lvl1pPr algn="l" defTabSz="914400" rtl="0" eaLnBrk="1" latinLnBrk="0" hangingPunct="1">
+              <a:lnSpc>
+                <a:spcPct val="90000"/>
+              </a:lnSpc>
+              <a:spcBef>
+                <a:spcPct val="0"/>
+              </a:spcBef>
+              <a:buNone/>
+              <a:defRPr kumimoji="1" sz="5100" kern="1200" cap="all" spc="200" baseline="0">
+                <a:solidFill>
+                  <a:schemeClr val="tx2"/>
+                </a:solidFill>
+                <a:latin typeface="+mj-lt"/>
+                <a:ea typeface="+mj-ea"/>
+                <a:cs typeface="+mj-cs"/>
+              </a:defRPr>
+            </a:lvl1pPr>
+          </a:lstStyle>
+          <a:p>
+            <a:r>
+              <a:rPr lang="ja-JP" altLang="en-US" sz="3600" b="1" dirty="0">
+                <a:solidFill>
+                  <a:srgbClr val="FF0000"/>
+                </a:solidFill>
+              </a:rPr>
+              <a:t>ここをクリック</a:t>
+            </a:r>
+          </a:p>
+        </p:txBody>
+      </p:sp>
+      <p:sp>
+        <p:nvSpPr>
+          <p:cNvPr id="4" name="タイトル 1">
+            <a:extLst>
+              <a:ext uri="{FF2B5EF4-FFF2-40B4-BE49-F238E27FC236}">
+                <a16:creationId xmlns:a16="http://schemas.microsoft.com/office/drawing/2014/main" id="{7FEF1422-6CB3-7A47-001A-5C4CE0A690B1}"/>
+              </a:ext>
+            </a:extLst>
+          </p:cNvPr>
+          <p:cNvSpPr txBox="1">
+            <a:spLocks/>
+          </p:cNvSpPr>
+          <p:nvPr/>
+        </p:nvSpPr>
+        <p:spPr>
+          <a:xfrm>
+            <a:off x="1648676" y="490369"/>
+            <a:ext cx="8431969" cy="810607"/>
+          </a:xfrm>
+          <a:prstGeom prst="rect">
+            <a:avLst/>
+          </a:prstGeom>
+        </p:spPr>
+        <p:txBody>
+          <a:bodyPr vert="horz" lIns="91440" tIns="45720" rIns="91440" bIns="45720" rtlCol="0" anchor="t">
+            <a:normAutofit/>
+          </a:bodyPr>
+          <a:lstStyle>
+            <a:lvl1pPr algn="l" defTabSz="914400" rtl="0" eaLnBrk="1" latinLnBrk="0" hangingPunct="1">
+              <a:lnSpc>
+                <a:spcPct val="90000"/>
+              </a:lnSpc>
+              <a:spcBef>
+                <a:spcPct val="0"/>
+              </a:spcBef>
+              <a:buNone/>
+              <a:defRPr kumimoji="1" sz="5100" kern="1200" cap="all" spc="200" baseline="0">
+                <a:solidFill>
+                  <a:schemeClr val="tx2"/>
+                </a:solidFill>
+                <a:latin typeface="+mj-lt"/>
+                <a:ea typeface="+mj-ea"/>
+                <a:cs typeface="+mj-cs"/>
+              </a:defRPr>
+            </a:lvl1pPr>
+          </a:lstStyle>
+          <a:p>
+            <a:r>
+              <a:rPr lang="ja-JP" altLang="en-US" sz="2800" cap="none" dirty="0"/>
+              <a:t>・</a:t>
+            </a:r>
+            <a:r>
+              <a:rPr lang="en-US" altLang="ja-JP" sz="2800" cap="none" dirty="0"/>
+              <a:t>Git</a:t>
+            </a:r>
+            <a:r>
+              <a:rPr lang="ja-JP" altLang="en-US" sz="2800" cap="none" dirty="0"/>
+              <a:t>のダウンロード</a:t>
+            </a:r>
+            <a:endParaRPr lang="ja-JP" altLang="en-US" sz="2800" dirty="0"/>
+          </a:p>
+        </p:txBody>
+      </p:sp>
+    </p:spTree>
+    <p:extLst>
+      <p:ext uri="{BB962C8B-B14F-4D97-AF65-F5344CB8AC3E}">
+        <p14:creationId xmlns:p14="http://schemas.microsoft.com/office/powerpoint/2010/main" val="1285183368"/>
+      </p:ext>
+    </p:extLst>
+  </p:cSld>
+  <p:clrMapOvr>
+    <a:masterClrMapping/>
+  </p:clrMapOvr>
+</p:sld>
+</file>
+
+<file path=ppt/slides/slide16.xml><?xml version="1.0" encoding="utf-8"?>
+<p:sld xmlns:a="http://schemas.openxmlformats.org/drawingml/2006/main" xmlns:r="http://schemas.openxmlformats.org/officeDocument/2006/relationships" xmlns:p="http://schemas.openxmlformats.org/presentationml/2006/main">
+  <p:cSld>
+    <p:spTree>
+      <p:nvGrpSpPr>
+        <p:cNvPr id="1" name=""/>
+        <p:cNvGrpSpPr/>
+        <p:nvPr/>
+      </p:nvGrpSpPr>
+      <p:grpSpPr>
+        <a:xfrm>
+          <a:off x="0" y="0"/>
+          <a:ext cx="0" cy="0"/>
+          <a:chOff x="0" y="0"/>
+          <a:chExt cx="0" cy="0"/>
+        </a:xfrm>
+      </p:grpSpPr>
+      <p:pic>
+        <p:nvPicPr>
+          <p:cNvPr id="2" name="図 1">
+            <a:extLst>
+              <a:ext uri="{FF2B5EF4-FFF2-40B4-BE49-F238E27FC236}">
+                <a16:creationId xmlns:a16="http://schemas.microsoft.com/office/drawing/2014/main" id="{00000000-0008-0000-0000-000013000000}"/>
+              </a:ext>
+            </a:extLst>
+          </p:cNvPr>
+          <p:cNvPicPr>
+            <a:picLocks noChangeAspect="1"/>
+          </p:cNvPicPr>
+          <p:nvPr/>
+        </p:nvPicPr>
+        <p:blipFill>
+          <a:blip r:embed="rId2"/>
+          <a:stretch>
+            <a:fillRect/>
+          </a:stretch>
+        </p:blipFill>
+        <p:spPr>
+          <a:xfrm>
+            <a:off x="1683581" y="1368360"/>
+            <a:ext cx="7355488" cy="5326967"/>
+          </a:xfrm>
+          <a:prstGeom prst="rect">
+            <a:avLst/>
+          </a:prstGeom>
+          <a:ln>
+            <a:solidFill>
+              <a:schemeClr val="tx1"/>
+            </a:solidFill>
+          </a:ln>
+        </p:spPr>
+      </p:pic>
+      <p:sp>
+        <p:nvSpPr>
+          <p:cNvPr id="5" name="タイトル 1">
+            <a:extLst>
+              <a:ext uri="{FF2B5EF4-FFF2-40B4-BE49-F238E27FC236}">
+                <a16:creationId xmlns:a16="http://schemas.microsoft.com/office/drawing/2014/main" id="{253BC142-2E4F-D945-EC49-3B1E8356EBE7}"/>
+              </a:ext>
+            </a:extLst>
+          </p:cNvPr>
+          <p:cNvSpPr txBox="1">
+            <a:spLocks/>
+          </p:cNvSpPr>
+          <p:nvPr/>
+        </p:nvSpPr>
+        <p:spPr>
+          <a:xfrm>
+            <a:off x="1683581" y="895673"/>
+            <a:ext cx="10157124" cy="1105442"/>
+          </a:xfrm>
+          <a:prstGeom prst="rect">
+            <a:avLst/>
+          </a:prstGeom>
+        </p:spPr>
+        <p:txBody>
+          <a:bodyPr vert="horz" lIns="91440" tIns="45720" rIns="91440" bIns="45720" rtlCol="0" anchor="t">
+            <a:normAutofit/>
+          </a:bodyPr>
+          <a:lstStyle>
+            <a:lvl1pPr algn="l" defTabSz="914400" rtl="0" eaLnBrk="1" latinLnBrk="0" hangingPunct="1">
+              <a:lnSpc>
+                <a:spcPct val="90000"/>
+              </a:lnSpc>
+              <a:spcBef>
+                <a:spcPct val="0"/>
+              </a:spcBef>
+              <a:buNone/>
+              <a:defRPr kumimoji="1" sz="5100" kern="1200" cap="all" spc="200" baseline="0">
+                <a:solidFill>
+                  <a:schemeClr val="tx2"/>
+                </a:solidFill>
+                <a:latin typeface="+mj-lt"/>
+                <a:ea typeface="+mj-ea"/>
+                <a:cs typeface="+mj-cs"/>
+              </a:defRPr>
+            </a:lvl1pPr>
+          </a:lstStyle>
+          <a:p>
+            <a:r>
+              <a:rPr lang="ja-JP" altLang="en-US" sz="2800" dirty="0"/>
+              <a:t>すべて</a:t>
+            </a:r>
+            <a:r>
+              <a:rPr lang="en-US" altLang="ja-JP" sz="2800" dirty="0"/>
+              <a:t>[next]</a:t>
+            </a:r>
+            <a:r>
+              <a:rPr lang="ja-JP" altLang="en-US" sz="2800" dirty="0"/>
+              <a:t>をクリックで</a:t>
+            </a:r>
+            <a:r>
+              <a:rPr lang="en-US" altLang="ja-JP" sz="2800" dirty="0"/>
+              <a:t>ok</a:t>
+            </a:r>
+            <a:endParaRPr lang="ja-JP" altLang="en-US" sz="2800" dirty="0"/>
+          </a:p>
+        </p:txBody>
+      </p:sp>
+      <p:sp>
+        <p:nvSpPr>
+          <p:cNvPr id="7" name="正方形/長方形 6">
+            <a:extLst>
+              <a:ext uri="{FF2B5EF4-FFF2-40B4-BE49-F238E27FC236}">
+                <a16:creationId xmlns:a16="http://schemas.microsoft.com/office/drawing/2014/main" id="{8D6BA935-BC7D-92A0-2051-DC57A8E532AE}"/>
+              </a:ext>
+            </a:extLst>
+          </p:cNvPr>
+          <p:cNvSpPr/>
+          <p:nvPr/>
+        </p:nvSpPr>
+        <p:spPr>
+          <a:xfrm>
+            <a:off x="6347954" y="6062427"/>
+            <a:ext cx="1327010" cy="520467"/>
+          </a:xfrm>
+          <a:prstGeom prst="rect">
+            <a:avLst/>
+          </a:prstGeom>
+          <a:noFill/>
+          <a:ln w="76200">
+            <a:solidFill>
+              <a:srgbClr val="FF0000"/>
+            </a:solidFill>
+          </a:ln>
+        </p:spPr>
+        <p:style>
+          <a:lnRef idx="2">
+            <a:schemeClr val="accent1">
+              <a:shade val="50000"/>
+            </a:schemeClr>
+          </a:lnRef>
+          <a:fillRef idx="1">
+            <a:schemeClr val="accent1"/>
+          </a:fillRef>
+          <a:effectRef idx="0">
+            <a:schemeClr val="accent1"/>
+          </a:effectRef>
+          <a:fontRef idx="minor">
+            <a:schemeClr val="lt1"/>
+          </a:fontRef>
+        </p:style>
+        <p:txBody>
+          <a:bodyPr rtlCol="0" anchor="ctr"/>
+          <a:lstStyle/>
+          <a:p>
+            <a:pPr algn="ctr"/>
+            <a:endParaRPr kumimoji="1" lang="ja-JP" altLang="en-US"/>
+          </a:p>
+        </p:txBody>
+      </p:sp>
+      <p:sp>
+        <p:nvSpPr>
+          <p:cNvPr id="6" name="タイトル 1">
+            <a:extLst>
+              <a:ext uri="{FF2B5EF4-FFF2-40B4-BE49-F238E27FC236}">
+                <a16:creationId xmlns:a16="http://schemas.microsoft.com/office/drawing/2014/main" id="{78AABF75-F8AC-120E-7B9A-C1E17468C360}"/>
+              </a:ext>
+            </a:extLst>
+          </p:cNvPr>
+          <p:cNvSpPr txBox="1">
+            <a:spLocks/>
+          </p:cNvSpPr>
+          <p:nvPr/>
+        </p:nvSpPr>
+        <p:spPr>
+          <a:xfrm>
+            <a:off x="7674964" y="5858410"/>
+            <a:ext cx="3260361" cy="520467"/>
+          </a:xfrm>
+          <a:prstGeom prst="rect">
+            <a:avLst/>
+          </a:prstGeom>
+        </p:spPr>
+        <p:txBody>
+          <a:bodyPr vert="horz" lIns="91440" tIns="45720" rIns="91440" bIns="45720" rtlCol="0" anchor="t">
+            <a:normAutofit fontScale="85000" lnSpcReduction="10000"/>
+          </a:bodyPr>
+          <a:lstStyle>
+            <a:lvl1pPr algn="l" defTabSz="914400" rtl="0" eaLnBrk="1" latinLnBrk="0" hangingPunct="1">
+              <a:lnSpc>
+                <a:spcPct val="90000"/>
+              </a:lnSpc>
+              <a:spcBef>
+                <a:spcPct val="0"/>
+              </a:spcBef>
+              <a:buNone/>
+              <a:defRPr kumimoji="1" sz="5100" kern="1200" cap="all" spc="200" baseline="0">
+                <a:solidFill>
+                  <a:schemeClr val="tx2"/>
+                </a:solidFill>
+                <a:latin typeface="+mj-lt"/>
+                <a:ea typeface="+mj-ea"/>
+                <a:cs typeface="+mj-cs"/>
+              </a:defRPr>
+            </a:lvl1pPr>
+          </a:lstStyle>
+          <a:p>
+            <a:r>
+              <a:rPr lang="ja-JP" altLang="en-US" sz="3600" b="1" dirty="0">
+                <a:solidFill>
+                  <a:srgbClr val="FF0000"/>
+                </a:solidFill>
+              </a:rPr>
+              <a:t>ここをクリック</a:t>
+            </a:r>
+          </a:p>
+        </p:txBody>
+      </p:sp>
+      <p:sp>
+        <p:nvSpPr>
+          <p:cNvPr id="4" name="タイトル 1">
+            <a:extLst>
+              <a:ext uri="{FF2B5EF4-FFF2-40B4-BE49-F238E27FC236}">
+                <a16:creationId xmlns:a16="http://schemas.microsoft.com/office/drawing/2014/main" id="{7FEF1422-6CB3-7A47-001A-5C4CE0A690B1}"/>
+              </a:ext>
+            </a:extLst>
+          </p:cNvPr>
+          <p:cNvSpPr txBox="1">
+            <a:spLocks/>
+          </p:cNvSpPr>
+          <p:nvPr/>
+        </p:nvSpPr>
+        <p:spPr>
+          <a:xfrm>
+            <a:off x="1648676" y="490369"/>
+            <a:ext cx="8431969" cy="810607"/>
+          </a:xfrm>
+          <a:prstGeom prst="rect">
+            <a:avLst/>
+          </a:prstGeom>
+        </p:spPr>
+        <p:txBody>
+          <a:bodyPr vert="horz" lIns="91440" tIns="45720" rIns="91440" bIns="45720" rtlCol="0" anchor="t">
+            <a:normAutofit/>
+          </a:bodyPr>
+          <a:lstStyle>
+            <a:lvl1pPr algn="l" defTabSz="914400" rtl="0" eaLnBrk="1" latinLnBrk="0" hangingPunct="1">
+              <a:lnSpc>
+                <a:spcPct val="90000"/>
+              </a:lnSpc>
+              <a:spcBef>
+                <a:spcPct val="0"/>
+              </a:spcBef>
+              <a:buNone/>
+              <a:defRPr kumimoji="1" sz="5100" kern="1200" cap="all" spc="200" baseline="0">
+                <a:solidFill>
+                  <a:schemeClr val="tx2"/>
+                </a:solidFill>
+                <a:latin typeface="+mj-lt"/>
+                <a:ea typeface="+mj-ea"/>
+                <a:cs typeface="+mj-cs"/>
+              </a:defRPr>
+            </a:lvl1pPr>
+          </a:lstStyle>
+          <a:p>
+            <a:r>
+              <a:rPr lang="ja-JP" altLang="en-US" sz="2800" dirty="0"/>
+              <a:t>ダウンロードしたインストーラを開き</a:t>
+            </a:r>
+          </a:p>
+        </p:txBody>
+      </p:sp>
+    </p:spTree>
+    <p:extLst>
+      <p:ext uri="{BB962C8B-B14F-4D97-AF65-F5344CB8AC3E}">
+        <p14:creationId xmlns:p14="http://schemas.microsoft.com/office/powerpoint/2010/main" val="1798400782"/>
       </p:ext>
     </p:extLst>
   </p:cSld>

--- a/gitについて_加藤.pptx
+++ b/gitについて_加藤.pptx
@@ -4,6 +4,9 @@
   <p:sldMasterIdLst>
     <p:sldMasterId id="2147483660" r:id="rId1"/>
   </p:sldMasterIdLst>
+  <p:notesMasterIdLst>
+    <p:notesMasterId r:id="rId33"/>
+  </p:notesMasterIdLst>
   <p:sldIdLst>
     <p:sldId id="256" r:id="rId2"/>
     <p:sldId id="258" r:id="rId3"/>
@@ -19,8 +22,23 @@
     <p:sldId id="270" r:id="rId13"/>
     <p:sldId id="271" r:id="rId14"/>
     <p:sldId id="272" r:id="rId15"/>
-    <p:sldId id="273" r:id="rId16"/>
-    <p:sldId id="274" r:id="rId17"/>
+    <p:sldId id="288" r:id="rId16"/>
+    <p:sldId id="290" r:id="rId17"/>
+    <p:sldId id="273" r:id="rId18"/>
+    <p:sldId id="274" r:id="rId19"/>
+    <p:sldId id="276" r:id="rId20"/>
+    <p:sldId id="277" r:id="rId21"/>
+    <p:sldId id="282" r:id="rId22"/>
+    <p:sldId id="283" r:id="rId23"/>
+    <p:sldId id="278" r:id="rId24"/>
+    <p:sldId id="279" r:id="rId25"/>
+    <p:sldId id="285" r:id="rId26"/>
+    <p:sldId id="280" r:id="rId27"/>
+    <p:sldId id="286" r:id="rId28"/>
+    <p:sldId id="291" r:id="rId29"/>
+    <p:sldId id="292" r:id="rId30"/>
+    <p:sldId id="293" r:id="rId31"/>
+    <p:sldId id="294" r:id="rId32"/>
   </p:sldIdLst>
   <p:sldSz cx="12192000" cy="6858000"/>
   <p:notesSz cx="6858000" cy="9144000"/>
@@ -125,6 +143,471 @@
     </p:ext>
   </p:extLst>
 </p:presentation>
+</file>
+
+<file path=ppt/notesMasters/notesMaster1.xml><?xml version="1.0" encoding="utf-8"?>
+<p:notesMaster xmlns:a="http://schemas.openxmlformats.org/drawingml/2006/main" xmlns:r="http://schemas.openxmlformats.org/officeDocument/2006/relationships" xmlns:p="http://schemas.openxmlformats.org/presentationml/2006/main">
+  <p:cSld>
+    <p:bg>
+      <p:bgRef idx="1001">
+        <a:schemeClr val="bg1"/>
+      </p:bgRef>
+    </p:bg>
+    <p:spTree>
+      <p:nvGrpSpPr>
+        <p:cNvPr id="1" name=""/>
+        <p:cNvGrpSpPr/>
+        <p:nvPr/>
+      </p:nvGrpSpPr>
+      <p:grpSpPr>
+        <a:xfrm>
+          <a:off x="0" y="0"/>
+          <a:ext cx="0" cy="0"/>
+          <a:chOff x="0" y="0"/>
+          <a:chExt cx="0" cy="0"/>
+        </a:xfrm>
+      </p:grpSpPr>
+      <p:sp>
+        <p:nvSpPr>
+          <p:cNvPr id="2" name="ヘッダー プレースホルダー 1"/>
+          <p:cNvSpPr>
+            <a:spLocks noGrp="1"/>
+          </p:cNvSpPr>
+          <p:nvPr>
+            <p:ph type="hdr" sz="quarter"/>
+          </p:nvPr>
+        </p:nvSpPr>
+        <p:spPr>
+          <a:xfrm>
+            <a:off x="0" y="0"/>
+            <a:ext cx="2971800" cy="458788"/>
+          </a:xfrm>
+          <a:prstGeom prst="rect">
+            <a:avLst/>
+          </a:prstGeom>
+        </p:spPr>
+        <p:txBody>
+          <a:bodyPr vert="horz" lIns="91440" tIns="45720" rIns="91440" bIns="45720" rtlCol="0"/>
+          <a:lstStyle>
+            <a:lvl1pPr algn="l">
+              <a:defRPr sz="1200"/>
+            </a:lvl1pPr>
+          </a:lstStyle>
+          <a:p>
+            <a:endParaRPr kumimoji="1" lang="ja-JP" altLang="en-US"/>
+          </a:p>
+        </p:txBody>
+      </p:sp>
+      <p:sp>
+        <p:nvSpPr>
+          <p:cNvPr id="3" name="日付プレースホルダー 2"/>
+          <p:cNvSpPr>
+            <a:spLocks noGrp="1"/>
+          </p:cNvSpPr>
+          <p:nvPr>
+            <p:ph type="dt" idx="1"/>
+          </p:nvPr>
+        </p:nvSpPr>
+        <p:spPr>
+          <a:xfrm>
+            <a:off x="3884613" y="0"/>
+            <a:ext cx="2971800" cy="458788"/>
+          </a:xfrm>
+          <a:prstGeom prst="rect">
+            <a:avLst/>
+          </a:prstGeom>
+        </p:spPr>
+        <p:txBody>
+          <a:bodyPr vert="horz" lIns="91440" tIns="45720" rIns="91440" bIns="45720" rtlCol="0"/>
+          <a:lstStyle>
+            <a:lvl1pPr algn="r">
+              <a:defRPr sz="1200"/>
+            </a:lvl1pPr>
+          </a:lstStyle>
+          <a:p>
+            <a:fld id="{A07B9829-CF0C-4D70-B342-ED909B7626DC}" type="datetimeFigureOut">
+              <a:rPr kumimoji="1" lang="ja-JP" altLang="en-US" smtClean="0"/>
+              <a:t>2023/7/3</a:t>
+            </a:fld>
+            <a:endParaRPr kumimoji="1" lang="ja-JP" altLang="en-US"/>
+          </a:p>
+        </p:txBody>
+      </p:sp>
+      <p:sp>
+        <p:nvSpPr>
+          <p:cNvPr id="4" name="スライド イメージ プレースホルダー 3"/>
+          <p:cNvSpPr>
+            <a:spLocks noGrp="1" noRot="1" noChangeAspect="1"/>
+          </p:cNvSpPr>
+          <p:nvPr>
+            <p:ph type="sldImg" idx="2"/>
+          </p:nvPr>
+        </p:nvSpPr>
+        <p:spPr>
+          <a:xfrm>
+            <a:off x="685800" y="1143000"/>
+            <a:ext cx="5486400" cy="3086100"/>
+          </a:xfrm>
+          <a:prstGeom prst="rect">
+            <a:avLst/>
+          </a:prstGeom>
+          <a:noFill/>
+          <a:ln w="12700">
+            <a:solidFill>
+              <a:prstClr val="black"/>
+            </a:solidFill>
+          </a:ln>
+        </p:spPr>
+        <p:txBody>
+          <a:bodyPr vert="horz" lIns="91440" tIns="45720" rIns="91440" bIns="45720" rtlCol="0" anchor="ctr"/>
+          <a:lstStyle/>
+          <a:p>
+            <a:endParaRPr lang="ja-JP" altLang="en-US"/>
+          </a:p>
+        </p:txBody>
+      </p:sp>
+      <p:sp>
+        <p:nvSpPr>
+          <p:cNvPr id="5" name="ノート プレースホルダー 4"/>
+          <p:cNvSpPr>
+            <a:spLocks noGrp="1"/>
+          </p:cNvSpPr>
+          <p:nvPr>
+            <p:ph type="body" sz="quarter" idx="3"/>
+          </p:nvPr>
+        </p:nvSpPr>
+        <p:spPr>
+          <a:xfrm>
+            <a:off x="685800" y="4400550"/>
+            <a:ext cx="5486400" cy="3600450"/>
+          </a:xfrm>
+          <a:prstGeom prst="rect">
+            <a:avLst/>
+          </a:prstGeom>
+        </p:spPr>
+        <p:txBody>
+          <a:bodyPr vert="horz" lIns="91440" tIns="45720" rIns="91440" bIns="45720" rtlCol="0"/>
+          <a:lstStyle/>
+          <a:p>
+            <a:pPr lvl="0"/>
+            <a:r>
+              <a:rPr kumimoji="1" lang="ja-JP" altLang="en-US"/>
+              <a:t>マスター テキストの書式設定</a:t>
+            </a:r>
+          </a:p>
+          <a:p>
+            <a:pPr lvl="1"/>
+            <a:r>
+              <a:rPr kumimoji="1" lang="ja-JP" altLang="en-US"/>
+              <a:t>第 </a:t>
+            </a:r>
+            <a:r>
+              <a:rPr kumimoji="1" lang="en-US" altLang="ja-JP"/>
+              <a:t>2 </a:t>
+            </a:r>
+            <a:r>
+              <a:rPr kumimoji="1" lang="ja-JP" altLang="en-US"/>
+              <a:t>レベル</a:t>
+            </a:r>
+          </a:p>
+          <a:p>
+            <a:pPr lvl="2"/>
+            <a:r>
+              <a:rPr kumimoji="1" lang="ja-JP" altLang="en-US"/>
+              <a:t>第 </a:t>
+            </a:r>
+            <a:r>
+              <a:rPr kumimoji="1" lang="en-US" altLang="ja-JP"/>
+              <a:t>3 </a:t>
+            </a:r>
+            <a:r>
+              <a:rPr kumimoji="1" lang="ja-JP" altLang="en-US"/>
+              <a:t>レベル</a:t>
+            </a:r>
+          </a:p>
+          <a:p>
+            <a:pPr lvl="3"/>
+            <a:r>
+              <a:rPr kumimoji="1" lang="ja-JP" altLang="en-US"/>
+              <a:t>第 </a:t>
+            </a:r>
+            <a:r>
+              <a:rPr kumimoji="1" lang="en-US" altLang="ja-JP"/>
+              <a:t>4 </a:t>
+            </a:r>
+            <a:r>
+              <a:rPr kumimoji="1" lang="ja-JP" altLang="en-US"/>
+              <a:t>レベル</a:t>
+            </a:r>
+          </a:p>
+          <a:p>
+            <a:pPr lvl="4"/>
+            <a:r>
+              <a:rPr kumimoji="1" lang="ja-JP" altLang="en-US"/>
+              <a:t>第 </a:t>
+            </a:r>
+            <a:r>
+              <a:rPr kumimoji="1" lang="en-US" altLang="ja-JP"/>
+              <a:t>5 </a:t>
+            </a:r>
+            <a:r>
+              <a:rPr kumimoji="1" lang="ja-JP" altLang="en-US"/>
+              <a:t>レベル</a:t>
+            </a:r>
+          </a:p>
+        </p:txBody>
+      </p:sp>
+      <p:sp>
+        <p:nvSpPr>
+          <p:cNvPr id="6" name="フッター プレースホルダー 5"/>
+          <p:cNvSpPr>
+            <a:spLocks noGrp="1"/>
+          </p:cNvSpPr>
+          <p:nvPr>
+            <p:ph type="ftr" sz="quarter" idx="4"/>
+          </p:nvPr>
+        </p:nvSpPr>
+        <p:spPr>
+          <a:xfrm>
+            <a:off x="0" y="8685213"/>
+            <a:ext cx="2971800" cy="458787"/>
+          </a:xfrm>
+          <a:prstGeom prst="rect">
+            <a:avLst/>
+          </a:prstGeom>
+        </p:spPr>
+        <p:txBody>
+          <a:bodyPr vert="horz" lIns="91440" tIns="45720" rIns="91440" bIns="45720" rtlCol="0" anchor="b"/>
+          <a:lstStyle>
+            <a:lvl1pPr algn="l">
+              <a:defRPr sz="1200"/>
+            </a:lvl1pPr>
+          </a:lstStyle>
+          <a:p>
+            <a:endParaRPr kumimoji="1" lang="ja-JP" altLang="en-US"/>
+          </a:p>
+        </p:txBody>
+      </p:sp>
+      <p:sp>
+        <p:nvSpPr>
+          <p:cNvPr id="7" name="スライド番号プレースホルダー 6"/>
+          <p:cNvSpPr>
+            <a:spLocks noGrp="1"/>
+          </p:cNvSpPr>
+          <p:nvPr>
+            <p:ph type="sldNum" sz="quarter" idx="5"/>
+          </p:nvPr>
+        </p:nvSpPr>
+        <p:spPr>
+          <a:xfrm>
+            <a:off x="3884613" y="8685213"/>
+            <a:ext cx="2971800" cy="458787"/>
+          </a:xfrm>
+          <a:prstGeom prst="rect">
+            <a:avLst/>
+          </a:prstGeom>
+        </p:spPr>
+        <p:txBody>
+          <a:bodyPr vert="horz" lIns="91440" tIns="45720" rIns="91440" bIns="45720" rtlCol="0" anchor="b"/>
+          <a:lstStyle>
+            <a:lvl1pPr algn="r">
+              <a:defRPr sz="1200"/>
+            </a:lvl1pPr>
+          </a:lstStyle>
+          <a:p>
+            <a:fld id="{62919CAC-265D-488C-97C6-0292DBACD7D9}" type="slidenum">
+              <a:rPr kumimoji="1" lang="ja-JP" altLang="en-US" smtClean="0"/>
+              <a:t>‹#›</a:t>
+            </a:fld>
+            <a:endParaRPr kumimoji="1" lang="ja-JP" altLang="en-US"/>
+          </a:p>
+        </p:txBody>
+      </p:sp>
+    </p:spTree>
+    <p:extLst>
+      <p:ext uri="{BB962C8B-B14F-4D97-AF65-F5344CB8AC3E}">
+        <p14:creationId xmlns:p14="http://schemas.microsoft.com/office/powerpoint/2010/main" val="1055922803"/>
+      </p:ext>
+    </p:extLst>
+  </p:cSld>
+  <p:clrMap bg1="lt1" tx1="dk1" bg2="lt2" tx2="dk2" accent1="accent1" accent2="accent2" accent3="accent3" accent4="accent4" accent5="accent5" accent6="accent6" hlink="hlink" folHlink="folHlink"/>
+  <p:notesStyle>
+    <a:lvl1pPr marL="0" algn="l" defTabSz="914400" rtl="0" eaLnBrk="1" latinLnBrk="0" hangingPunct="1">
+      <a:defRPr kumimoji="1" sz="1200" kern="1200">
+        <a:solidFill>
+          <a:schemeClr val="tx1"/>
+        </a:solidFill>
+        <a:latin typeface="+mn-lt"/>
+        <a:ea typeface="+mn-ea"/>
+        <a:cs typeface="+mn-cs"/>
+      </a:defRPr>
+    </a:lvl1pPr>
+    <a:lvl2pPr marL="457200" algn="l" defTabSz="914400" rtl="0" eaLnBrk="1" latinLnBrk="0" hangingPunct="1">
+      <a:defRPr kumimoji="1" sz="1200" kern="1200">
+        <a:solidFill>
+          <a:schemeClr val="tx1"/>
+        </a:solidFill>
+        <a:latin typeface="+mn-lt"/>
+        <a:ea typeface="+mn-ea"/>
+        <a:cs typeface="+mn-cs"/>
+      </a:defRPr>
+    </a:lvl2pPr>
+    <a:lvl3pPr marL="914400" algn="l" defTabSz="914400" rtl="0" eaLnBrk="1" latinLnBrk="0" hangingPunct="1">
+      <a:defRPr kumimoji="1" sz="1200" kern="1200">
+        <a:solidFill>
+          <a:schemeClr val="tx1"/>
+        </a:solidFill>
+        <a:latin typeface="+mn-lt"/>
+        <a:ea typeface="+mn-ea"/>
+        <a:cs typeface="+mn-cs"/>
+      </a:defRPr>
+    </a:lvl3pPr>
+    <a:lvl4pPr marL="1371600" algn="l" defTabSz="914400" rtl="0" eaLnBrk="1" latinLnBrk="0" hangingPunct="1">
+      <a:defRPr kumimoji="1" sz="1200" kern="1200">
+        <a:solidFill>
+          <a:schemeClr val="tx1"/>
+        </a:solidFill>
+        <a:latin typeface="+mn-lt"/>
+        <a:ea typeface="+mn-ea"/>
+        <a:cs typeface="+mn-cs"/>
+      </a:defRPr>
+    </a:lvl4pPr>
+    <a:lvl5pPr marL="1828800" algn="l" defTabSz="914400" rtl="0" eaLnBrk="1" latinLnBrk="0" hangingPunct="1">
+      <a:defRPr kumimoji="1" sz="1200" kern="1200">
+        <a:solidFill>
+          <a:schemeClr val="tx1"/>
+        </a:solidFill>
+        <a:latin typeface="+mn-lt"/>
+        <a:ea typeface="+mn-ea"/>
+        <a:cs typeface="+mn-cs"/>
+      </a:defRPr>
+    </a:lvl5pPr>
+    <a:lvl6pPr marL="2286000" algn="l" defTabSz="914400" rtl="0" eaLnBrk="1" latinLnBrk="0" hangingPunct="1">
+      <a:defRPr kumimoji="1" sz="1200" kern="1200">
+        <a:solidFill>
+          <a:schemeClr val="tx1"/>
+        </a:solidFill>
+        <a:latin typeface="+mn-lt"/>
+        <a:ea typeface="+mn-ea"/>
+        <a:cs typeface="+mn-cs"/>
+      </a:defRPr>
+    </a:lvl6pPr>
+    <a:lvl7pPr marL="2743200" algn="l" defTabSz="914400" rtl="0" eaLnBrk="1" latinLnBrk="0" hangingPunct="1">
+      <a:defRPr kumimoji="1" sz="1200" kern="1200">
+        <a:solidFill>
+          <a:schemeClr val="tx1"/>
+        </a:solidFill>
+        <a:latin typeface="+mn-lt"/>
+        <a:ea typeface="+mn-ea"/>
+        <a:cs typeface="+mn-cs"/>
+      </a:defRPr>
+    </a:lvl7pPr>
+    <a:lvl8pPr marL="3200400" algn="l" defTabSz="914400" rtl="0" eaLnBrk="1" latinLnBrk="0" hangingPunct="1">
+      <a:defRPr kumimoji="1" sz="1200" kern="1200">
+        <a:solidFill>
+          <a:schemeClr val="tx1"/>
+        </a:solidFill>
+        <a:latin typeface="+mn-lt"/>
+        <a:ea typeface="+mn-ea"/>
+        <a:cs typeface="+mn-cs"/>
+      </a:defRPr>
+    </a:lvl8pPr>
+    <a:lvl9pPr marL="3657600" algn="l" defTabSz="914400" rtl="0" eaLnBrk="1" latinLnBrk="0" hangingPunct="1">
+      <a:defRPr kumimoji="1" sz="1200" kern="1200">
+        <a:solidFill>
+          <a:schemeClr val="tx1"/>
+        </a:solidFill>
+        <a:latin typeface="+mn-lt"/>
+        <a:ea typeface="+mn-ea"/>
+        <a:cs typeface="+mn-cs"/>
+      </a:defRPr>
+    </a:lvl9pPr>
+  </p:notesStyle>
+</p:notesMaster>
+</file>
+
+<file path=ppt/notesSlides/notesSlide1.xml><?xml version="1.0" encoding="utf-8"?>
+<p:notes xmlns:a="http://schemas.openxmlformats.org/drawingml/2006/main" xmlns:r="http://schemas.openxmlformats.org/officeDocument/2006/relationships" xmlns:p="http://schemas.openxmlformats.org/presentationml/2006/main">
+  <p:cSld>
+    <p:spTree>
+      <p:nvGrpSpPr>
+        <p:cNvPr id="1" name=""/>
+        <p:cNvGrpSpPr/>
+        <p:nvPr/>
+      </p:nvGrpSpPr>
+      <p:grpSpPr>
+        <a:xfrm>
+          <a:off x="0" y="0"/>
+          <a:ext cx="0" cy="0"/>
+          <a:chOff x="0" y="0"/>
+          <a:chExt cx="0" cy="0"/>
+        </a:xfrm>
+      </p:grpSpPr>
+      <p:sp>
+        <p:nvSpPr>
+          <p:cNvPr id="2" name="スライド イメージ プレースホルダー 1"/>
+          <p:cNvSpPr>
+            <a:spLocks noGrp="1" noRot="1" noChangeAspect="1"/>
+          </p:cNvSpPr>
+          <p:nvPr>
+            <p:ph type="sldImg"/>
+          </p:nvPr>
+        </p:nvSpPr>
+        <p:spPr/>
+      </p:sp>
+      <p:sp>
+        <p:nvSpPr>
+          <p:cNvPr id="3" name="ノート プレースホルダー 2"/>
+          <p:cNvSpPr>
+            <a:spLocks noGrp="1"/>
+          </p:cNvSpPr>
+          <p:nvPr>
+            <p:ph type="body" idx="1"/>
+          </p:nvPr>
+        </p:nvSpPr>
+        <p:spPr/>
+        <p:txBody>
+          <a:bodyPr/>
+          <a:lstStyle/>
+          <a:p>
+            <a:endParaRPr kumimoji="1" lang="ja-JP" altLang="en-US" dirty="0"/>
+          </a:p>
+        </p:txBody>
+      </p:sp>
+      <p:sp>
+        <p:nvSpPr>
+          <p:cNvPr id="4" name="スライド番号プレースホルダー 3"/>
+          <p:cNvSpPr>
+            <a:spLocks noGrp="1"/>
+          </p:cNvSpPr>
+          <p:nvPr>
+            <p:ph type="sldNum" sz="quarter" idx="5"/>
+          </p:nvPr>
+        </p:nvSpPr>
+        <p:spPr/>
+        <p:txBody>
+          <a:bodyPr/>
+          <a:lstStyle/>
+          <a:p>
+            <a:fld id="{62919CAC-265D-488C-97C6-0292DBACD7D9}" type="slidenum">
+              <a:rPr kumimoji="1" lang="ja-JP" altLang="en-US" smtClean="0"/>
+              <a:t>22</a:t>
+            </a:fld>
+            <a:endParaRPr kumimoji="1" lang="ja-JP" altLang="en-US"/>
+          </a:p>
+        </p:txBody>
+      </p:sp>
+    </p:spTree>
+    <p:extLst>
+      <p:ext uri="{BB962C8B-B14F-4D97-AF65-F5344CB8AC3E}">
+        <p14:creationId xmlns:p14="http://schemas.microsoft.com/office/powerpoint/2010/main" val="2664663923"/>
+      </p:ext>
+    </p:extLst>
+  </p:cSld>
+  <p:clrMapOvr>
+    <a:masterClrMapping/>
+  </p:clrMapOvr>
+</p:notes>
 </file>
 
 <file path=ppt/slideLayouts/slideLayout1.xml><?xml version="1.0" encoding="utf-8"?>
@@ -7225,7 +7708,11 @@
             </a:r>
             <a:r>
               <a:rPr lang="ja-JP" altLang="en-US" sz="5400" cap="none" dirty="0"/>
-              <a:t>を使ってみよう！！</a:t>
+              <a:t>を使ってみよう</a:t>
+            </a:r>
+            <a:r>
+              <a:rPr lang="en-US" altLang="ja-JP" sz="5400" cap="none" dirty="0"/>
+              <a:t>!!</a:t>
             </a:r>
             <a:endParaRPr kumimoji="1" lang="ja-JP" altLang="en-US" dirty="0"/>
           </a:p>
@@ -8404,10 +8891,10 @@
       </p:grpSpPr>
       <p:pic>
         <p:nvPicPr>
-          <p:cNvPr id="3" name="図 2">
+          <p:cNvPr id="10" name="図 9" descr="コンピューターの画面のスクリーンショット&#10;&#10;自動的に生成された説明">
             <a:extLst>
               <a:ext uri="{FF2B5EF4-FFF2-40B4-BE49-F238E27FC236}">
-                <a16:creationId xmlns:a16="http://schemas.microsoft.com/office/drawing/2014/main" id="{00000000-0008-0000-0000-000011000000}"/>
+                <a16:creationId xmlns:a16="http://schemas.microsoft.com/office/drawing/2014/main" id="{1029A68F-F186-52CC-03F5-F3920880FD84}"/>
               </a:ext>
             </a:extLst>
           </p:cNvPr>
@@ -8416,33 +8903,115 @@
           </p:cNvPicPr>
           <p:nvPr/>
         </p:nvPicPr>
-        <p:blipFill>
-          <a:blip r:embed="rId2"/>
-          <a:stretch>
-            <a:fillRect/>
-          </a:stretch>
+        <p:blipFill rotWithShape="1">
+          <a:blip r:embed="rId2">
+            <a:extLst>
+              <a:ext uri="{28A0092B-C50C-407E-A947-70E740481C1C}">
+                <a14:useLocalDpi xmlns:a14="http://schemas.microsoft.com/office/drawing/2010/main" val="0"/>
+              </a:ext>
+            </a:extLst>
+          </a:blip>
+          <a:srcRect t="8912" r="5573" b="7014"/>
+          <a:stretch/>
         </p:blipFill>
         <p:spPr>
           <a:xfrm>
-            <a:off x="1683581" y="1343383"/>
-            <a:ext cx="9406786" cy="5287258"/>
+            <a:off x="1683581" y="1328692"/>
+            <a:ext cx="9441691" cy="4726390"/>
           </a:xfrm>
           <a:prstGeom prst="rect">
             <a:avLst/>
           </a:prstGeom>
-          <a:ln>
+          <a:solidFill>
+            <a:srgbClr val="FFFFFF">
+              <a:shade val="85000"/>
+            </a:srgbClr>
+          </a:solidFill>
+          <a:ln w="88900" cap="sq">
             <a:solidFill>
-              <a:schemeClr val="tx1"/>
+              <a:srgbClr val="FFFFFF"/>
+            </a:solidFill>
+            <a:miter lim="800000"/>
+          </a:ln>
+          <a:effectLst>
+            <a:outerShdw blurRad="55000" dist="18000" dir="5400000" algn="tl" rotWithShape="0">
+              <a:srgbClr val="000000">
+                <a:alpha val="40000"/>
+              </a:srgbClr>
+            </a:outerShdw>
+          </a:effectLst>
+          <a:scene3d>
+            <a:camera prst="orthographicFront"/>
+            <a:lightRig rig="twoPt" dir="t">
+              <a:rot lat="0" lon="0" rev="7200000"/>
+            </a:lightRig>
+          </a:scene3d>
+          <a:sp3d>
+            <a:bevelT w="25400" h="19050"/>
+            <a:contourClr>
+              <a:srgbClr val="FFFFFF"/>
+            </a:contourClr>
+          </a:sp3d>
+        </p:spPr>
+      </p:pic>
+      <p:sp>
+        <p:nvSpPr>
+          <p:cNvPr id="7" name="正方形/長方形 6">
+            <a:extLst>
+              <a:ext uri="{FF2B5EF4-FFF2-40B4-BE49-F238E27FC236}">
+                <a16:creationId xmlns:a16="http://schemas.microsoft.com/office/drawing/2014/main" id="{8D6BA935-BC7D-92A0-2051-DC57A8E532AE}"/>
+              </a:ext>
+            </a:extLst>
+          </p:cNvPr>
+          <p:cNvSpPr/>
+          <p:nvPr/>
+        </p:nvSpPr>
+        <p:spPr>
+          <a:xfrm>
+            <a:off x="5108644" y="4157866"/>
+            <a:ext cx="2596300" cy="520467"/>
+          </a:xfrm>
+          <a:prstGeom prst="rect">
+            <a:avLst/>
+          </a:prstGeom>
+          <a:noFill/>
+          <a:ln w="76200">
+            <a:solidFill>
+              <a:srgbClr val="FF0000"/>
             </a:solidFill>
           </a:ln>
         </p:spPr>
-      </p:pic>
-      <p:sp>
-        <p:nvSpPr>
-          <p:cNvPr id="5" name="タイトル 1">
+        <p:style>
+          <a:lnRef idx="2">
+            <a:schemeClr val="accent1">
+              <a:shade val="50000"/>
+            </a:schemeClr>
+          </a:lnRef>
+          <a:fillRef idx="1">
+            <a:schemeClr val="accent1"/>
+          </a:fillRef>
+          <a:effectRef idx="0">
+            <a:schemeClr val="accent1"/>
+          </a:effectRef>
+          <a:fontRef idx="minor">
+            <a:schemeClr val="lt1"/>
+          </a:fontRef>
+        </p:style>
+        <p:txBody>
+          <a:bodyPr rtlCol="0" anchor="ctr"/>
+          <a:lstStyle/>
+          <a:p>
+            <a:pPr algn="ctr"/>
+            <a:endParaRPr kumimoji="1" lang="ja-JP" altLang="en-US"/>
+          </a:p>
+        </p:txBody>
+      </p:sp>
+      <p:sp>
+        <p:nvSpPr>
+          <p:cNvPr id="6" name="タイトル 1">
             <a:extLst>
               <a:ext uri="{FF2B5EF4-FFF2-40B4-BE49-F238E27FC236}">
-                <a16:creationId xmlns:a16="http://schemas.microsoft.com/office/drawing/2014/main" id="{253BC142-2E4F-D945-EC49-3B1E8356EBE7}"/>
+                <a16:creationId xmlns:a16="http://schemas.microsoft.com/office/drawing/2014/main" id="{78AABF75-F8AC-120E-7B9A-C1E17468C360}"/>
               </a:ext>
             </a:extLst>
           </p:cNvPr>
@@ -8453,8 +9022,66 @@
         </p:nvSpPr>
         <p:spPr>
           <a:xfrm>
-            <a:off x="1683581" y="895673"/>
-            <a:ext cx="10157124" cy="1105442"/>
+            <a:off x="7704944" y="4157865"/>
+            <a:ext cx="3260361" cy="520467"/>
+          </a:xfrm>
+          <a:prstGeom prst="rect">
+            <a:avLst/>
+          </a:prstGeom>
+        </p:spPr>
+        <p:txBody>
+          <a:bodyPr vert="horz" lIns="91440" tIns="45720" rIns="91440" bIns="45720" rtlCol="0" anchor="t">
+            <a:normAutofit fontScale="85000" lnSpcReduction="10000"/>
+          </a:bodyPr>
+          <a:lstStyle>
+            <a:lvl1pPr algn="l" defTabSz="914400" rtl="0" eaLnBrk="1" latinLnBrk="0" hangingPunct="1">
+              <a:lnSpc>
+                <a:spcPct val="90000"/>
+              </a:lnSpc>
+              <a:spcBef>
+                <a:spcPct val="0"/>
+              </a:spcBef>
+              <a:buNone/>
+              <a:defRPr kumimoji="1" sz="5100" kern="1200" cap="all" spc="200" baseline="0">
+                <a:solidFill>
+                  <a:schemeClr val="tx2"/>
+                </a:solidFill>
+                <a:latin typeface="+mj-lt"/>
+                <a:ea typeface="+mj-ea"/>
+                <a:cs typeface="+mj-cs"/>
+              </a:defRPr>
+            </a:lvl1pPr>
+          </a:lstStyle>
+          <a:p>
+            <a:r>
+              <a:rPr lang="ja-JP" altLang="en-US" sz="3600" b="1" dirty="0">
+                <a:solidFill>
+                  <a:srgbClr val="FF0000"/>
+                </a:solidFill>
+              </a:rPr>
+              <a:t>ここをクリック</a:t>
+            </a:r>
+          </a:p>
+        </p:txBody>
+      </p:sp>
+      <p:sp>
+        <p:nvSpPr>
+          <p:cNvPr id="4" name="タイトル 1">
+            <a:extLst>
+              <a:ext uri="{FF2B5EF4-FFF2-40B4-BE49-F238E27FC236}">
+                <a16:creationId xmlns:a16="http://schemas.microsoft.com/office/drawing/2014/main" id="{7FEF1422-6CB3-7A47-001A-5C4CE0A690B1}"/>
+              </a:ext>
+            </a:extLst>
+          </p:cNvPr>
+          <p:cNvSpPr txBox="1">
+            <a:spLocks/>
+          </p:cNvSpPr>
+          <p:nvPr/>
+        </p:nvSpPr>
+        <p:spPr>
+          <a:xfrm>
+            <a:off x="1683581" y="447664"/>
+            <a:ext cx="8431969" cy="810607"/>
           </a:xfrm>
           <a:prstGeom prst="rect">
             <a:avLst/>
@@ -8485,8 +9112,16 @@
           </a:lstStyle>
           <a:p>
             <a:r>
+              <a:rPr lang="ja-JP" altLang="en-US" sz="2800" cap="none" dirty="0"/>
+              <a:t>・</a:t>
+            </a:r>
+            <a:r>
               <a:rPr lang="en-US" altLang="ja-JP" sz="2800" cap="none" dirty="0"/>
-              <a:t>https://gitforwindows.org/</a:t>
+              <a:t>Git Hub</a:t>
+            </a:r>
+            <a:r>
+              <a:rPr lang="ja-JP" altLang="en-US" sz="2800" cap="none" dirty="0"/>
+              <a:t>のダウンロード</a:t>
             </a:r>
             <a:endParaRPr lang="ja-JP" altLang="en-US" sz="2800" dirty="0"/>
           </a:p>
@@ -8494,62 +9129,10 @@
       </p:sp>
       <p:sp>
         <p:nvSpPr>
-          <p:cNvPr id="7" name="正方形/長方形 6">
+          <p:cNvPr id="8" name="タイトル 1">
             <a:extLst>
               <a:ext uri="{FF2B5EF4-FFF2-40B4-BE49-F238E27FC236}">
-                <a16:creationId xmlns:a16="http://schemas.microsoft.com/office/drawing/2014/main" id="{8D6BA935-BC7D-92A0-2051-DC57A8E532AE}"/>
-              </a:ext>
-            </a:extLst>
-          </p:cNvPr>
-          <p:cNvSpPr/>
-          <p:nvPr/>
-        </p:nvSpPr>
-        <p:spPr>
-          <a:xfrm>
-            <a:off x="6317974" y="4390614"/>
-            <a:ext cx="1581842" cy="520467"/>
-          </a:xfrm>
-          <a:prstGeom prst="rect">
-            <a:avLst/>
-          </a:prstGeom>
-          <a:noFill/>
-          <a:ln w="76200">
-            <a:solidFill>
-              <a:srgbClr val="FF0000"/>
-            </a:solidFill>
-          </a:ln>
-        </p:spPr>
-        <p:style>
-          <a:lnRef idx="2">
-            <a:schemeClr val="accent1">
-              <a:shade val="50000"/>
-            </a:schemeClr>
-          </a:lnRef>
-          <a:fillRef idx="1">
-            <a:schemeClr val="accent1"/>
-          </a:fillRef>
-          <a:effectRef idx="0">
-            <a:schemeClr val="accent1"/>
-          </a:effectRef>
-          <a:fontRef idx="minor">
-            <a:schemeClr val="lt1"/>
-          </a:fontRef>
-        </p:style>
-        <p:txBody>
-          <a:bodyPr rtlCol="0" anchor="ctr"/>
-          <a:lstStyle/>
-          <a:p>
-            <a:pPr algn="ctr"/>
-            <a:endParaRPr kumimoji="1" lang="ja-JP" altLang="en-US"/>
-          </a:p>
-        </p:txBody>
-      </p:sp>
-      <p:sp>
-        <p:nvSpPr>
-          <p:cNvPr id="6" name="タイトル 1">
-            <a:extLst>
-              <a:ext uri="{FF2B5EF4-FFF2-40B4-BE49-F238E27FC236}">
-                <a16:creationId xmlns:a16="http://schemas.microsoft.com/office/drawing/2014/main" id="{78AABF75-F8AC-120E-7B9A-C1E17468C360}"/>
+                <a16:creationId xmlns:a16="http://schemas.microsoft.com/office/drawing/2014/main" id="{8D430E37-4ADD-DCF3-0653-965D60E9556B}"/>
               </a:ext>
             </a:extLst>
           </p:cNvPr>
@@ -8560,66 +9143,8 @@
         </p:nvSpPr>
         <p:spPr>
           <a:xfrm>
-            <a:off x="7864911" y="4262797"/>
-            <a:ext cx="3260361" cy="520467"/>
-          </a:xfrm>
-          <a:prstGeom prst="rect">
-            <a:avLst/>
-          </a:prstGeom>
-        </p:spPr>
-        <p:txBody>
-          <a:bodyPr vert="horz" lIns="91440" tIns="45720" rIns="91440" bIns="45720" rtlCol="0" anchor="t">
-            <a:normAutofit fontScale="85000" lnSpcReduction="10000"/>
-          </a:bodyPr>
-          <a:lstStyle>
-            <a:lvl1pPr algn="l" defTabSz="914400" rtl="0" eaLnBrk="1" latinLnBrk="0" hangingPunct="1">
-              <a:lnSpc>
-                <a:spcPct val="90000"/>
-              </a:lnSpc>
-              <a:spcBef>
-                <a:spcPct val="0"/>
-              </a:spcBef>
-              <a:buNone/>
-              <a:defRPr kumimoji="1" sz="5100" kern="1200" cap="all" spc="200" baseline="0">
-                <a:solidFill>
-                  <a:schemeClr val="tx2"/>
-                </a:solidFill>
-                <a:latin typeface="+mj-lt"/>
-                <a:ea typeface="+mj-ea"/>
-                <a:cs typeface="+mj-cs"/>
-              </a:defRPr>
-            </a:lvl1pPr>
-          </a:lstStyle>
-          <a:p>
-            <a:r>
-              <a:rPr lang="ja-JP" altLang="en-US" sz="3600" b="1" dirty="0">
-                <a:solidFill>
-                  <a:srgbClr val="FF0000"/>
-                </a:solidFill>
-              </a:rPr>
-              <a:t>ここをクリック</a:t>
-            </a:r>
-          </a:p>
-        </p:txBody>
-      </p:sp>
-      <p:sp>
-        <p:nvSpPr>
-          <p:cNvPr id="4" name="タイトル 1">
-            <a:extLst>
-              <a:ext uri="{FF2B5EF4-FFF2-40B4-BE49-F238E27FC236}">
-                <a16:creationId xmlns:a16="http://schemas.microsoft.com/office/drawing/2014/main" id="{7FEF1422-6CB3-7A47-001A-5C4CE0A690B1}"/>
-              </a:ext>
-            </a:extLst>
-          </p:cNvPr>
-          <p:cNvSpPr txBox="1">
-            <a:spLocks/>
-          </p:cNvSpPr>
-          <p:nvPr/>
-        </p:nvSpPr>
-        <p:spPr>
-          <a:xfrm>
-            <a:off x="1648676" y="490369"/>
-            <a:ext cx="8431969" cy="810607"/>
+            <a:off x="1683581" y="852967"/>
+            <a:ext cx="5421757" cy="475725"/>
           </a:xfrm>
           <a:prstGeom prst="rect">
             <a:avLst/>
@@ -8655,12 +9180,19 @@
             </a:r>
             <a:r>
               <a:rPr lang="en-US" altLang="ja-JP" sz="2800" cap="none" dirty="0"/>
-              <a:t>Git</a:t>
-            </a:r>
-            <a:r>
-              <a:rPr lang="ja-JP" altLang="en-US" sz="2800" cap="none" dirty="0"/>
-              <a:t>のダウンロード</a:t>
-            </a:r>
+              <a:t>https</a:t>
+            </a:r>
+            <a:r>
+              <a:rPr kumimoji="1" lang="en-US" altLang="ja-JP" sz="2800" dirty="0"/>
+              <a:t>:</a:t>
+            </a:r>
+            <a:r>
+              <a:rPr lang="en-US" altLang="ja-JP" sz="2800" cap="none" dirty="0"/>
+              <a:t>//desktop.github.com</a:t>
+            </a:r>
+            <a:endParaRPr kumimoji="1" lang="ja-JP" altLang="en-US" sz="1000" dirty="0"/>
+          </a:p>
+          <a:p>
             <a:endParaRPr lang="ja-JP" altLang="en-US" sz="2800" dirty="0"/>
           </a:p>
         </p:txBody>
@@ -8668,7 +9200,7 @@
     </p:spTree>
     <p:extLst>
       <p:ext uri="{BB962C8B-B14F-4D97-AF65-F5344CB8AC3E}">
-        <p14:creationId xmlns:p14="http://schemas.microsoft.com/office/powerpoint/2010/main" val="1285183368"/>
+        <p14:creationId xmlns:p14="http://schemas.microsoft.com/office/powerpoint/2010/main" val="3825915657"/>
       </p:ext>
     </p:extLst>
   </p:cSld>
@@ -8964,7 +9496,933 @@
     </p:spTree>
     <p:extLst>
       <p:ext uri="{BB962C8B-B14F-4D97-AF65-F5344CB8AC3E}">
+        <p14:creationId xmlns:p14="http://schemas.microsoft.com/office/powerpoint/2010/main" val="1143853053"/>
+      </p:ext>
+    </p:extLst>
+  </p:cSld>
+  <p:clrMapOvr>
+    <a:masterClrMapping/>
+  </p:clrMapOvr>
+</p:sld>
+</file>
+
+<file path=ppt/slides/slide17.xml><?xml version="1.0" encoding="utf-8"?>
+<p:sld xmlns:a="http://schemas.openxmlformats.org/drawingml/2006/main" xmlns:r="http://schemas.openxmlformats.org/officeDocument/2006/relationships" xmlns:p="http://schemas.openxmlformats.org/presentationml/2006/main">
+  <p:cSld>
+    <p:spTree>
+      <p:nvGrpSpPr>
+        <p:cNvPr id="1" name=""/>
+        <p:cNvGrpSpPr/>
+        <p:nvPr/>
+      </p:nvGrpSpPr>
+      <p:grpSpPr>
+        <a:xfrm>
+          <a:off x="0" y="0"/>
+          <a:ext cx="0" cy="0"/>
+          <a:chOff x="0" y="0"/>
+          <a:chExt cx="0" cy="0"/>
+        </a:xfrm>
+      </p:grpSpPr>
+      <p:pic>
+        <p:nvPicPr>
+          <p:cNvPr id="3" name="図 2">
+            <a:extLst>
+              <a:ext uri="{FF2B5EF4-FFF2-40B4-BE49-F238E27FC236}">
+                <a16:creationId xmlns:a16="http://schemas.microsoft.com/office/drawing/2014/main" id="{00000000-0008-0000-0000-000011000000}"/>
+              </a:ext>
+            </a:extLst>
+          </p:cNvPr>
+          <p:cNvPicPr>
+            <a:picLocks noChangeAspect="1"/>
+          </p:cNvPicPr>
+          <p:nvPr/>
+        </p:nvPicPr>
+        <p:blipFill>
+          <a:blip r:embed="rId2"/>
+          <a:stretch>
+            <a:fillRect/>
+          </a:stretch>
+        </p:blipFill>
+        <p:spPr>
+          <a:xfrm>
+            <a:off x="1683581" y="1343383"/>
+            <a:ext cx="9406786" cy="5287258"/>
+          </a:xfrm>
+          <a:prstGeom prst="rect">
+            <a:avLst/>
+          </a:prstGeom>
+          <a:ln>
+            <a:solidFill>
+              <a:schemeClr val="tx1"/>
+            </a:solidFill>
+          </a:ln>
+        </p:spPr>
+      </p:pic>
+      <p:sp>
+        <p:nvSpPr>
+          <p:cNvPr id="5" name="タイトル 1">
+            <a:extLst>
+              <a:ext uri="{FF2B5EF4-FFF2-40B4-BE49-F238E27FC236}">
+                <a16:creationId xmlns:a16="http://schemas.microsoft.com/office/drawing/2014/main" id="{253BC142-2E4F-D945-EC49-3B1E8356EBE7}"/>
+              </a:ext>
+            </a:extLst>
+          </p:cNvPr>
+          <p:cNvSpPr txBox="1">
+            <a:spLocks/>
+          </p:cNvSpPr>
+          <p:nvPr/>
+        </p:nvSpPr>
+        <p:spPr>
+          <a:xfrm>
+            <a:off x="1683581" y="895673"/>
+            <a:ext cx="10157124" cy="1105442"/>
+          </a:xfrm>
+          <a:prstGeom prst="rect">
+            <a:avLst/>
+          </a:prstGeom>
+        </p:spPr>
+        <p:txBody>
+          <a:bodyPr vert="horz" lIns="91440" tIns="45720" rIns="91440" bIns="45720" rtlCol="0" anchor="t">
+            <a:normAutofit/>
+          </a:bodyPr>
+          <a:lstStyle>
+            <a:lvl1pPr algn="l" defTabSz="914400" rtl="0" eaLnBrk="1" latinLnBrk="0" hangingPunct="1">
+              <a:lnSpc>
+                <a:spcPct val="90000"/>
+              </a:lnSpc>
+              <a:spcBef>
+                <a:spcPct val="0"/>
+              </a:spcBef>
+              <a:buNone/>
+              <a:defRPr kumimoji="1" sz="5100" kern="1200" cap="all" spc="200" baseline="0">
+                <a:solidFill>
+                  <a:schemeClr val="tx2"/>
+                </a:solidFill>
+                <a:latin typeface="+mj-lt"/>
+                <a:ea typeface="+mj-ea"/>
+                <a:cs typeface="+mj-cs"/>
+              </a:defRPr>
+            </a:lvl1pPr>
+          </a:lstStyle>
+          <a:p>
+            <a:r>
+              <a:rPr lang="en-US" altLang="ja-JP" sz="2800" cap="none" dirty="0"/>
+              <a:t>https://gitforwindows.org/</a:t>
+            </a:r>
+            <a:endParaRPr lang="ja-JP" altLang="en-US" sz="2800" dirty="0"/>
+          </a:p>
+        </p:txBody>
+      </p:sp>
+      <p:sp>
+        <p:nvSpPr>
+          <p:cNvPr id="7" name="正方形/長方形 6">
+            <a:extLst>
+              <a:ext uri="{FF2B5EF4-FFF2-40B4-BE49-F238E27FC236}">
+                <a16:creationId xmlns:a16="http://schemas.microsoft.com/office/drawing/2014/main" id="{8D6BA935-BC7D-92A0-2051-DC57A8E532AE}"/>
+              </a:ext>
+            </a:extLst>
+          </p:cNvPr>
+          <p:cNvSpPr/>
+          <p:nvPr/>
+        </p:nvSpPr>
+        <p:spPr>
+          <a:xfrm>
+            <a:off x="6317974" y="4390614"/>
+            <a:ext cx="1581842" cy="520467"/>
+          </a:xfrm>
+          <a:prstGeom prst="rect">
+            <a:avLst/>
+          </a:prstGeom>
+          <a:noFill/>
+          <a:ln w="76200">
+            <a:solidFill>
+              <a:srgbClr val="FF0000"/>
+            </a:solidFill>
+          </a:ln>
+        </p:spPr>
+        <p:style>
+          <a:lnRef idx="2">
+            <a:schemeClr val="accent1">
+              <a:shade val="50000"/>
+            </a:schemeClr>
+          </a:lnRef>
+          <a:fillRef idx="1">
+            <a:schemeClr val="accent1"/>
+          </a:fillRef>
+          <a:effectRef idx="0">
+            <a:schemeClr val="accent1"/>
+          </a:effectRef>
+          <a:fontRef idx="minor">
+            <a:schemeClr val="lt1"/>
+          </a:fontRef>
+        </p:style>
+        <p:txBody>
+          <a:bodyPr rtlCol="0" anchor="ctr"/>
+          <a:lstStyle/>
+          <a:p>
+            <a:pPr algn="ctr"/>
+            <a:endParaRPr kumimoji="1" lang="ja-JP" altLang="en-US"/>
+          </a:p>
+        </p:txBody>
+      </p:sp>
+      <p:sp>
+        <p:nvSpPr>
+          <p:cNvPr id="6" name="タイトル 1">
+            <a:extLst>
+              <a:ext uri="{FF2B5EF4-FFF2-40B4-BE49-F238E27FC236}">
+                <a16:creationId xmlns:a16="http://schemas.microsoft.com/office/drawing/2014/main" id="{78AABF75-F8AC-120E-7B9A-C1E17468C360}"/>
+              </a:ext>
+            </a:extLst>
+          </p:cNvPr>
+          <p:cNvSpPr txBox="1">
+            <a:spLocks/>
+          </p:cNvSpPr>
+          <p:nvPr/>
+        </p:nvSpPr>
+        <p:spPr>
+          <a:xfrm>
+            <a:off x="7864911" y="4262797"/>
+            <a:ext cx="3260361" cy="520467"/>
+          </a:xfrm>
+          <a:prstGeom prst="rect">
+            <a:avLst/>
+          </a:prstGeom>
+        </p:spPr>
+        <p:txBody>
+          <a:bodyPr vert="horz" lIns="91440" tIns="45720" rIns="91440" bIns="45720" rtlCol="0" anchor="t">
+            <a:normAutofit fontScale="85000" lnSpcReduction="10000"/>
+          </a:bodyPr>
+          <a:lstStyle>
+            <a:lvl1pPr algn="l" defTabSz="914400" rtl="0" eaLnBrk="1" latinLnBrk="0" hangingPunct="1">
+              <a:lnSpc>
+                <a:spcPct val="90000"/>
+              </a:lnSpc>
+              <a:spcBef>
+                <a:spcPct val="0"/>
+              </a:spcBef>
+              <a:buNone/>
+              <a:defRPr kumimoji="1" sz="5100" kern="1200" cap="all" spc="200" baseline="0">
+                <a:solidFill>
+                  <a:schemeClr val="tx2"/>
+                </a:solidFill>
+                <a:latin typeface="+mj-lt"/>
+                <a:ea typeface="+mj-ea"/>
+                <a:cs typeface="+mj-cs"/>
+              </a:defRPr>
+            </a:lvl1pPr>
+          </a:lstStyle>
+          <a:p>
+            <a:r>
+              <a:rPr lang="ja-JP" altLang="en-US" sz="3600" b="1" dirty="0">
+                <a:solidFill>
+                  <a:srgbClr val="FF0000"/>
+                </a:solidFill>
+              </a:rPr>
+              <a:t>ここをクリック</a:t>
+            </a:r>
+          </a:p>
+        </p:txBody>
+      </p:sp>
+      <p:sp>
+        <p:nvSpPr>
+          <p:cNvPr id="4" name="タイトル 1">
+            <a:extLst>
+              <a:ext uri="{FF2B5EF4-FFF2-40B4-BE49-F238E27FC236}">
+                <a16:creationId xmlns:a16="http://schemas.microsoft.com/office/drawing/2014/main" id="{7FEF1422-6CB3-7A47-001A-5C4CE0A690B1}"/>
+              </a:ext>
+            </a:extLst>
+          </p:cNvPr>
+          <p:cNvSpPr txBox="1">
+            <a:spLocks/>
+          </p:cNvSpPr>
+          <p:nvPr/>
+        </p:nvSpPr>
+        <p:spPr>
+          <a:xfrm>
+            <a:off x="1648676" y="490369"/>
+            <a:ext cx="8431969" cy="810607"/>
+          </a:xfrm>
+          <a:prstGeom prst="rect">
+            <a:avLst/>
+          </a:prstGeom>
+        </p:spPr>
+        <p:txBody>
+          <a:bodyPr vert="horz" lIns="91440" tIns="45720" rIns="91440" bIns="45720" rtlCol="0" anchor="t">
+            <a:normAutofit/>
+          </a:bodyPr>
+          <a:lstStyle>
+            <a:lvl1pPr algn="l" defTabSz="914400" rtl="0" eaLnBrk="1" latinLnBrk="0" hangingPunct="1">
+              <a:lnSpc>
+                <a:spcPct val="90000"/>
+              </a:lnSpc>
+              <a:spcBef>
+                <a:spcPct val="0"/>
+              </a:spcBef>
+              <a:buNone/>
+              <a:defRPr kumimoji="1" sz="5100" kern="1200" cap="all" spc="200" baseline="0">
+                <a:solidFill>
+                  <a:schemeClr val="tx2"/>
+                </a:solidFill>
+                <a:latin typeface="+mj-lt"/>
+                <a:ea typeface="+mj-ea"/>
+                <a:cs typeface="+mj-cs"/>
+              </a:defRPr>
+            </a:lvl1pPr>
+          </a:lstStyle>
+          <a:p>
+            <a:r>
+              <a:rPr lang="ja-JP" altLang="en-US" sz="2800" cap="none" dirty="0"/>
+              <a:t>・</a:t>
+            </a:r>
+            <a:r>
+              <a:rPr lang="en-US" altLang="ja-JP" sz="2800" cap="none" dirty="0"/>
+              <a:t>Git</a:t>
+            </a:r>
+            <a:r>
+              <a:rPr lang="ja-JP" altLang="en-US" sz="2800" cap="none" dirty="0"/>
+              <a:t>のダウンロード</a:t>
+            </a:r>
+            <a:endParaRPr lang="ja-JP" altLang="en-US" sz="2800" dirty="0"/>
+          </a:p>
+        </p:txBody>
+      </p:sp>
+    </p:spTree>
+    <p:extLst>
+      <p:ext uri="{BB962C8B-B14F-4D97-AF65-F5344CB8AC3E}">
+        <p14:creationId xmlns:p14="http://schemas.microsoft.com/office/powerpoint/2010/main" val="1285183368"/>
+      </p:ext>
+    </p:extLst>
+  </p:cSld>
+  <p:clrMapOvr>
+    <a:masterClrMapping/>
+  </p:clrMapOvr>
+</p:sld>
+</file>
+
+<file path=ppt/slides/slide18.xml><?xml version="1.0" encoding="utf-8"?>
+<p:sld xmlns:a="http://schemas.openxmlformats.org/drawingml/2006/main" xmlns:r="http://schemas.openxmlformats.org/officeDocument/2006/relationships" xmlns:p="http://schemas.openxmlformats.org/presentationml/2006/main">
+  <p:cSld>
+    <p:spTree>
+      <p:nvGrpSpPr>
+        <p:cNvPr id="1" name=""/>
+        <p:cNvGrpSpPr/>
+        <p:nvPr/>
+      </p:nvGrpSpPr>
+      <p:grpSpPr>
+        <a:xfrm>
+          <a:off x="0" y="0"/>
+          <a:ext cx="0" cy="0"/>
+          <a:chOff x="0" y="0"/>
+          <a:chExt cx="0" cy="0"/>
+        </a:xfrm>
+      </p:grpSpPr>
+      <p:pic>
+        <p:nvPicPr>
+          <p:cNvPr id="2" name="図 1">
+            <a:extLst>
+              <a:ext uri="{FF2B5EF4-FFF2-40B4-BE49-F238E27FC236}">
+                <a16:creationId xmlns:a16="http://schemas.microsoft.com/office/drawing/2014/main" id="{00000000-0008-0000-0000-000013000000}"/>
+              </a:ext>
+            </a:extLst>
+          </p:cNvPr>
+          <p:cNvPicPr>
+            <a:picLocks noChangeAspect="1"/>
+          </p:cNvPicPr>
+          <p:nvPr/>
+        </p:nvPicPr>
+        <p:blipFill>
+          <a:blip r:embed="rId2"/>
+          <a:stretch>
+            <a:fillRect/>
+          </a:stretch>
+        </p:blipFill>
+        <p:spPr>
+          <a:xfrm>
+            <a:off x="1683581" y="1368360"/>
+            <a:ext cx="7355488" cy="5326967"/>
+          </a:xfrm>
+          <a:prstGeom prst="rect">
+            <a:avLst/>
+          </a:prstGeom>
+          <a:ln>
+            <a:solidFill>
+              <a:schemeClr val="tx1"/>
+            </a:solidFill>
+          </a:ln>
+        </p:spPr>
+      </p:pic>
+      <p:sp>
+        <p:nvSpPr>
+          <p:cNvPr id="5" name="タイトル 1">
+            <a:extLst>
+              <a:ext uri="{FF2B5EF4-FFF2-40B4-BE49-F238E27FC236}">
+                <a16:creationId xmlns:a16="http://schemas.microsoft.com/office/drawing/2014/main" id="{253BC142-2E4F-D945-EC49-3B1E8356EBE7}"/>
+              </a:ext>
+            </a:extLst>
+          </p:cNvPr>
+          <p:cNvSpPr txBox="1">
+            <a:spLocks/>
+          </p:cNvSpPr>
+          <p:nvPr/>
+        </p:nvSpPr>
+        <p:spPr>
+          <a:xfrm>
+            <a:off x="1683581" y="895673"/>
+            <a:ext cx="10157124" cy="1105442"/>
+          </a:xfrm>
+          <a:prstGeom prst="rect">
+            <a:avLst/>
+          </a:prstGeom>
+        </p:spPr>
+        <p:txBody>
+          <a:bodyPr vert="horz" lIns="91440" tIns="45720" rIns="91440" bIns="45720" rtlCol="0" anchor="t">
+            <a:normAutofit/>
+          </a:bodyPr>
+          <a:lstStyle>
+            <a:lvl1pPr algn="l" defTabSz="914400" rtl="0" eaLnBrk="1" latinLnBrk="0" hangingPunct="1">
+              <a:lnSpc>
+                <a:spcPct val="90000"/>
+              </a:lnSpc>
+              <a:spcBef>
+                <a:spcPct val="0"/>
+              </a:spcBef>
+              <a:buNone/>
+              <a:defRPr kumimoji="1" sz="5100" kern="1200" cap="all" spc="200" baseline="0">
+                <a:solidFill>
+                  <a:schemeClr val="tx2"/>
+                </a:solidFill>
+                <a:latin typeface="+mj-lt"/>
+                <a:ea typeface="+mj-ea"/>
+                <a:cs typeface="+mj-cs"/>
+              </a:defRPr>
+            </a:lvl1pPr>
+          </a:lstStyle>
+          <a:p>
+            <a:r>
+              <a:rPr lang="ja-JP" altLang="en-US" sz="2800" dirty="0"/>
+              <a:t>すべて</a:t>
+            </a:r>
+            <a:r>
+              <a:rPr lang="en-US" altLang="ja-JP" sz="2800" dirty="0"/>
+              <a:t>[next]</a:t>
+            </a:r>
+            <a:r>
+              <a:rPr lang="ja-JP" altLang="en-US" sz="2800" dirty="0"/>
+              <a:t>をクリックで</a:t>
+            </a:r>
+            <a:r>
+              <a:rPr lang="en-US" altLang="ja-JP" sz="2800" dirty="0"/>
+              <a:t>ok</a:t>
+            </a:r>
+            <a:endParaRPr lang="ja-JP" altLang="en-US" sz="2800" dirty="0"/>
+          </a:p>
+        </p:txBody>
+      </p:sp>
+      <p:sp>
+        <p:nvSpPr>
+          <p:cNvPr id="7" name="正方形/長方形 6">
+            <a:extLst>
+              <a:ext uri="{FF2B5EF4-FFF2-40B4-BE49-F238E27FC236}">
+                <a16:creationId xmlns:a16="http://schemas.microsoft.com/office/drawing/2014/main" id="{8D6BA935-BC7D-92A0-2051-DC57A8E532AE}"/>
+              </a:ext>
+            </a:extLst>
+          </p:cNvPr>
+          <p:cNvSpPr/>
+          <p:nvPr/>
+        </p:nvSpPr>
+        <p:spPr>
+          <a:xfrm>
+            <a:off x="6347954" y="6062427"/>
+            <a:ext cx="1327010" cy="520467"/>
+          </a:xfrm>
+          <a:prstGeom prst="rect">
+            <a:avLst/>
+          </a:prstGeom>
+          <a:noFill/>
+          <a:ln w="76200">
+            <a:solidFill>
+              <a:srgbClr val="FF0000"/>
+            </a:solidFill>
+          </a:ln>
+        </p:spPr>
+        <p:style>
+          <a:lnRef idx="2">
+            <a:schemeClr val="accent1">
+              <a:shade val="50000"/>
+            </a:schemeClr>
+          </a:lnRef>
+          <a:fillRef idx="1">
+            <a:schemeClr val="accent1"/>
+          </a:fillRef>
+          <a:effectRef idx="0">
+            <a:schemeClr val="accent1"/>
+          </a:effectRef>
+          <a:fontRef idx="minor">
+            <a:schemeClr val="lt1"/>
+          </a:fontRef>
+        </p:style>
+        <p:txBody>
+          <a:bodyPr rtlCol="0" anchor="ctr"/>
+          <a:lstStyle/>
+          <a:p>
+            <a:pPr algn="ctr"/>
+            <a:endParaRPr kumimoji="1" lang="ja-JP" altLang="en-US"/>
+          </a:p>
+        </p:txBody>
+      </p:sp>
+      <p:sp>
+        <p:nvSpPr>
+          <p:cNvPr id="6" name="タイトル 1">
+            <a:extLst>
+              <a:ext uri="{FF2B5EF4-FFF2-40B4-BE49-F238E27FC236}">
+                <a16:creationId xmlns:a16="http://schemas.microsoft.com/office/drawing/2014/main" id="{78AABF75-F8AC-120E-7B9A-C1E17468C360}"/>
+              </a:ext>
+            </a:extLst>
+          </p:cNvPr>
+          <p:cNvSpPr txBox="1">
+            <a:spLocks/>
+          </p:cNvSpPr>
+          <p:nvPr/>
+        </p:nvSpPr>
+        <p:spPr>
+          <a:xfrm>
+            <a:off x="7674964" y="5858410"/>
+            <a:ext cx="3260361" cy="520467"/>
+          </a:xfrm>
+          <a:prstGeom prst="rect">
+            <a:avLst/>
+          </a:prstGeom>
+        </p:spPr>
+        <p:txBody>
+          <a:bodyPr vert="horz" lIns="91440" tIns="45720" rIns="91440" bIns="45720" rtlCol="0" anchor="t">
+            <a:normAutofit fontScale="85000" lnSpcReduction="10000"/>
+          </a:bodyPr>
+          <a:lstStyle>
+            <a:lvl1pPr algn="l" defTabSz="914400" rtl="0" eaLnBrk="1" latinLnBrk="0" hangingPunct="1">
+              <a:lnSpc>
+                <a:spcPct val="90000"/>
+              </a:lnSpc>
+              <a:spcBef>
+                <a:spcPct val="0"/>
+              </a:spcBef>
+              <a:buNone/>
+              <a:defRPr kumimoji="1" sz="5100" kern="1200" cap="all" spc="200" baseline="0">
+                <a:solidFill>
+                  <a:schemeClr val="tx2"/>
+                </a:solidFill>
+                <a:latin typeface="+mj-lt"/>
+                <a:ea typeface="+mj-ea"/>
+                <a:cs typeface="+mj-cs"/>
+              </a:defRPr>
+            </a:lvl1pPr>
+          </a:lstStyle>
+          <a:p>
+            <a:r>
+              <a:rPr lang="ja-JP" altLang="en-US" sz="3600" b="1" dirty="0">
+                <a:solidFill>
+                  <a:srgbClr val="FF0000"/>
+                </a:solidFill>
+              </a:rPr>
+              <a:t>ここをクリック</a:t>
+            </a:r>
+          </a:p>
+        </p:txBody>
+      </p:sp>
+      <p:sp>
+        <p:nvSpPr>
+          <p:cNvPr id="4" name="タイトル 1">
+            <a:extLst>
+              <a:ext uri="{FF2B5EF4-FFF2-40B4-BE49-F238E27FC236}">
+                <a16:creationId xmlns:a16="http://schemas.microsoft.com/office/drawing/2014/main" id="{7FEF1422-6CB3-7A47-001A-5C4CE0A690B1}"/>
+              </a:ext>
+            </a:extLst>
+          </p:cNvPr>
+          <p:cNvSpPr txBox="1">
+            <a:spLocks/>
+          </p:cNvSpPr>
+          <p:nvPr/>
+        </p:nvSpPr>
+        <p:spPr>
+          <a:xfrm>
+            <a:off x="1648676" y="490369"/>
+            <a:ext cx="8431969" cy="810607"/>
+          </a:xfrm>
+          <a:prstGeom prst="rect">
+            <a:avLst/>
+          </a:prstGeom>
+        </p:spPr>
+        <p:txBody>
+          <a:bodyPr vert="horz" lIns="91440" tIns="45720" rIns="91440" bIns="45720" rtlCol="0" anchor="t">
+            <a:normAutofit/>
+          </a:bodyPr>
+          <a:lstStyle>
+            <a:lvl1pPr algn="l" defTabSz="914400" rtl="0" eaLnBrk="1" latinLnBrk="0" hangingPunct="1">
+              <a:lnSpc>
+                <a:spcPct val="90000"/>
+              </a:lnSpc>
+              <a:spcBef>
+                <a:spcPct val="0"/>
+              </a:spcBef>
+              <a:buNone/>
+              <a:defRPr kumimoji="1" sz="5100" kern="1200" cap="all" spc="200" baseline="0">
+                <a:solidFill>
+                  <a:schemeClr val="tx2"/>
+                </a:solidFill>
+                <a:latin typeface="+mj-lt"/>
+                <a:ea typeface="+mj-ea"/>
+                <a:cs typeface="+mj-cs"/>
+              </a:defRPr>
+            </a:lvl1pPr>
+          </a:lstStyle>
+          <a:p>
+            <a:r>
+              <a:rPr lang="ja-JP" altLang="en-US" sz="2800" dirty="0"/>
+              <a:t>ダウンロードしたインストーラを開き</a:t>
+            </a:r>
+          </a:p>
+        </p:txBody>
+      </p:sp>
+    </p:spTree>
+    <p:extLst>
+      <p:ext uri="{BB962C8B-B14F-4D97-AF65-F5344CB8AC3E}">
         <p14:creationId xmlns:p14="http://schemas.microsoft.com/office/powerpoint/2010/main" val="1798400782"/>
+      </p:ext>
+    </p:extLst>
+  </p:cSld>
+  <p:clrMapOvr>
+    <a:masterClrMapping/>
+  </p:clrMapOvr>
+</p:sld>
+</file>
+
+<file path=ppt/slides/slide19.xml><?xml version="1.0" encoding="utf-8"?>
+<p:sld xmlns:a="http://schemas.openxmlformats.org/drawingml/2006/main" xmlns:r="http://schemas.openxmlformats.org/officeDocument/2006/relationships" xmlns:p="http://schemas.openxmlformats.org/presentationml/2006/main">
+  <p:cSld>
+    <p:spTree>
+      <p:nvGrpSpPr>
+        <p:cNvPr id="1" name=""/>
+        <p:cNvGrpSpPr/>
+        <p:nvPr/>
+      </p:nvGrpSpPr>
+      <p:grpSpPr>
+        <a:xfrm>
+          <a:off x="0" y="0"/>
+          <a:ext cx="0" cy="0"/>
+          <a:chOff x="0" y="0"/>
+          <a:chExt cx="0" cy="0"/>
+        </a:xfrm>
+      </p:grpSpPr>
+      <p:pic>
+        <p:nvPicPr>
+          <p:cNvPr id="2" name="図 1" descr="グラフィカル ユーザー インターフェイス, テキスト, アプリケーション&#10;&#10;自動的に生成された説明">
+            <a:extLst>
+              <a:ext uri="{FF2B5EF4-FFF2-40B4-BE49-F238E27FC236}">
+                <a16:creationId xmlns:a16="http://schemas.microsoft.com/office/drawing/2014/main" id="{CC07F02D-C28C-3BA6-9AA0-401AF063DAC1}"/>
+              </a:ext>
+            </a:extLst>
+          </p:cNvPr>
+          <p:cNvPicPr>
+            <a:picLocks noChangeAspect="1"/>
+          </p:cNvPicPr>
+          <p:nvPr/>
+        </p:nvPicPr>
+        <p:blipFill rotWithShape="1">
+          <a:blip r:embed="rId2">
+            <a:extLst>
+              <a:ext uri="{28A0092B-C50C-407E-A947-70E740481C1C}">
+                <a14:useLocalDpi xmlns:a14="http://schemas.microsoft.com/office/drawing/2010/main" val="0"/>
+              </a:ext>
+            </a:extLst>
+          </a:blip>
+          <a:srcRect r="66984" b="58080"/>
+          <a:stretch/>
+        </p:blipFill>
+        <p:spPr>
+          <a:xfrm>
+            <a:off x="1683581" y="1670553"/>
+            <a:ext cx="7340498" cy="4940320"/>
+          </a:xfrm>
+          <a:prstGeom prst="rect">
+            <a:avLst/>
+          </a:prstGeom>
+          <a:solidFill>
+            <a:srgbClr val="FFFFFF">
+              <a:shade val="85000"/>
+            </a:srgbClr>
+          </a:solidFill>
+          <a:ln w="88900" cap="sq">
+            <a:solidFill>
+              <a:srgbClr val="FFFFFF"/>
+            </a:solidFill>
+            <a:miter lim="800000"/>
+          </a:ln>
+          <a:effectLst>
+            <a:outerShdw blurRad="55000" dist="18000" dir="5400000" algn="tl" rotWithShape="0">
+              <a:srgbClr val="000000">
+                <a:alpha val="40000"/>
+              </a:srgbClr>
+            </a:outerShdw>
+          </a:effectLst>
+          <a:scene3d>
+            <a:camera prst="orthographicFront"/>
+            <a:lightRig rig="twoPt" dir="t">
+              <a:rot lat="0" lon="0" rev="7200000"/>
+            </a:lightRig>
+          </a:scene3d>
+          <a:sp3d>
+            <a:bevelT w="25400" h="19050"/>
+            <a:contourClr>
+              <a:srgbClr val="FFFFFF"/>
+            </a:contourClr>
+          </a:sp3d>
+        </p:spPr>
+      </p:pic>
+      <p:sp>
+        <p:nvSpPr>
+          <p:cNvPr id="7" name="正方形/長方形 6">
+            <a:extLst>
+              <a:ext uri="{FF2B5EF4-FFF2-40B4-BE49-F238E27FC236}">
+                <a16:creationId xmlns:a16="http://schemas.microsoft.com/office/drawing/2014/main" id="{8D6BA935-BC7D-92A0-2051-DC57A8E532AE}"/>
+              </a:ext>
+            </a:extLst>
+          </p:cNvPr>
+          <p:cNvSpPr/>
+          <p:nvPr/>
+        </p:nvSpPr>
+        <p:spPr>
+          <a:xfrm>
+            <a:off x="2071440" y="1515670"/>
+            <a:ext cx="3669794" cy="3880790"/>
+          </a:xfrm>
+          <a:prstGeom prst="rect">
+            <a:avLst/>
+          </a:prstGeom>
+          <a:noFill/>
+          <a:ln w="76200">
+            <a:solidFill>
+              <a:srgbClr val="FF0000"/>
+            </a:solidFill>
+          </a:ln>
+        </p:spPr>
+        <p:style>
+          <a:lnRef idx="2">
+            <a:schemeClr val="accent1">
+              <a:shade val="50000"/>
+            </a:schemeClr>
+          </a:lnRef>
+          <a:fillRef idx="1">
+            <a:schemeClr val="accent1"/>
+          </a:fillRef>
+          <a:effectRef idx="0">
+            <a:schemeClr val="accent1"/>
+          </a:effectRef>
+          <a:fontRef idx="minor">
+            <a:schemeClr val="lt1"/>
+          </a:fontRef>
+        </p:style>
+        <p:txBody>
+          <a:bodyPr rtlCol="0" anchor="ctr"/>
+          <a:lstStyle/>
+          <a:p>
+            <a:pPr algn="ctr"/>
+            <a:endParaRPr kumimoji="1" lang="ja-JP" altLang="en-US"/>
+          </a:p>
+        </p:txBody>
+      </p:sp>
+      <p:sp>
+        <p:nvSpPr>
+          <p:cNvPr id="8" name="タイトル 1">
+            <a:extLst>
+              <a:ext uri="{FF2B5EF4-FFF2-40B4-BE49-F238E27FC236}">
+                <a16:creationId xmlns:a16="http://schemas.microsoft.com/office/drawing/2014/main" id="{C01ADB40-1DFC-D78A-602D-1BD66F47183E}"/>
+              </a:ext>
+            </a:extLst>
+          </p:cNvPr>
+          <p:cNvSpPr>
+            <a:spLocks noGrp="1"/>
+          </p:cNvSpPr>
+          <p:nvPr>
+            <p:ph type="title"/>
+          </p:nvPr>
+        </p:nvSpPr>
+        <p:spPr>
+          <a:xfrm>
+            <a:off x="1683581" y="178421"/>
+            <a:ext cx="10178322" cy="1492132"/>
+          </a:xfrm>
+        </p:spPr>
+        <p:txBody>
+          <a:bodyPr>
+            <a:normAutofit/>
+          </a:bodyPr>
+          <a:lstStyle/>
+          <a:p>
+            <a:r>
+              <a:rPr lang="ja-JP" altLang="en-US" sz="4000" cap="none" dirty="0"/>
+              <a:t>ローカルリポジトリを作ってみよう</a:t>
+            </a:r>
+            <a:r>
+              <a:rPr lang="en-US" altLang="ja-JP" sz="4000" cap="none" dirty="0"/>
+              <a:t>!!</a:t>
+            </a:r>
+            <a:endParaRPr kumimoji="1" lang="ja-JP" altLang="en-US" sz="4000" dirty="0"/>
+          </a:p>
+        </p:txBody>
+      </p:sp>
+      <p:sp>
+        <p:nvSpPr>
+          <p:cNvPr id="9" name="タイトル 1">
+            <a:extLst>
+              <a:ext uri="{FF2B5EF4-FFF2-40B4-BE49-F238E27FC236}">
+                <a16:creationId xmlns:a16="http://schemas.microsoft.com/office/drawing/2014/main" id="{91925098-B33A-2011-B887-8DD3748672B2}"/>
+              </a:ext>
+            </a:extLst>
+          </p:cNvPr>
+          <p:cNvSpPr txBox="1">
+            <a:spLocks/>
+          </p:cNvSpPr>
+          <p:nvPr/>
+        </p:nvSpPr>
+        <p:spPr>
+          <a:xfrm>
+            <a:off x="1668591" y="713680"/>
+            <a:ext cx="10178322" cy="1492132"/>
+          </a:xfrm>
+          <a:prstGeom prst="rect">
+            <a:avLst/>
+          </a:prstGeom>
+        </p:spPr>
+        <p:txBody>
+          <a:bodyPr vert="horz" lIns="91440" tIns="45720" rIns="91440" bIns="45720" rtlCol="0" anchor="t">
+            <a:normAutofit/>
+          </a:bodyPr>
+          <a:lstStyle>
+            <a:lvl1pPr algn="l" defTabSz="914400" rtl="0" eaLnBrk="1" latinLnBrk="0" hangingPunct="1">
+              <a:lnSpc>
+                <a:spcPct val="90000"/>
+              </a:lnSpc>
+              <a:spcBef>
+                <a:spcPct val="0"/>
+              </a:spcBef>
+              <a:buNone/>
+              <a:defRPr kumimoji="1" sz="5100" kern="1200" cap="all" spc="200" baseline="0">
+                <a:solidFill>
+                  <a:schemeClr val="tx2"/>
+                </a:solidFill>
+                <a:latin typeface="+mj-lt"/>
+                <a:ea typeface="+mj-ea"/>
+                <a:cs typeface="+mj-cs"/>
+              </a:defRPr>
+            </a:lvl1pPr>
+          </a:lstStyle>
+          <a:p>
+            <a:r>
+              <a:rPr lang="ja-JP" altLang="en-US" sz="2800" cap="none" dirty="0"/>
+              <a:t>先ほどインストールした</a:t>
+            </a:r>
+            <a:r>
+              <a:rPr lang="en-US" altLang="ja-JP" sz="2800" cap="none" dirty="0"/>
+              <a:t>Git</a:t>
+            </a:r>
+            <a:r>
+              <a:rPr lang="ja-JP" altLang="en-US" sz="2800" cap="none" dirty="0"/>
+              <a:t>を開く</a:t>
+            </a:r>
+            <a:endParaRPr lang="en-US" altLang="ja-JP" sz="2800" cap="none" dirty="0"/>
+          </a:p>
+          <a:p>
+            <a:r>
+              <a:rPr lang="en-US" altLang="ja-JP" sz="2800" cap="none" dirty="0"/>
+              <a:t>[File]</a:t>
+            </a:r>
+            <a:r>
+              <a:rPr lang="ja-JP" altLang="en-US" sz="2800" cap="none" dirty="0"/>
+              <a:t>➡</a:t>
+            </a:r>
+            <a:r>
+              <a:rPr lang="en-US" altLang="ja-JP" sz="2800" cap="none" dirty="0"/>
+              <a:t>[New repository]</a:t>
+            </a:r>
+            <a:r>
+              <a:rPr lang="ja-JP" altLang="en-US" sz="2800" cap="none" dirty="0"/>
+              <a:t>の順にクリック</a:t>
+            </a:r>
+            <a:endParaRPr lang="en-US" altLang="ja-JP" sz="2800" cap="none" dirty="0"/>
+          </a:p>
+        </p:txBody>
+      </p:sp>
+      <p:sp>
+        <p:nvSpPr>
+          <p:cNvPr id="10" name="テキスト ボックス 9">
+            <a:extLst>
+              <a:ext uri="{FF2B5EF4-FFF2-40B4-BE49-F238E27FC236}">
+                <a16:creationId xmlns:a16="http://schemas.microsoft.com/office/drawing/2014/main" id="{EE8B1D0F-A5CE-EE22-EB7B-5D65AD0B0BA3}"/>
+              </a:ext>
+            </a:extLst>
+          </p:cNvPr>
+          <p:cNvSpPr txBox="1"/>
+          <p:nvPr/>
+        </p:nvSpPr>
+        <p:spPr>
+          <a:xfrm>
+            <a:off x="7425128" y="745124"/>
+            <a:ext cx="4706912" cy="369332"/>
+          </a:xfrm>
+          <a:prstGeom prst="rect">
+            <a:avLst/>
+          </a:prstGeom>
+          <a:noFill/>
+        </p:spPr>
+        <p:txBody>
+          <a:bodyPr wrap="square" rtlCol="0">
+            <a:spAutoFit/>
+          </a:bodyPr>
+          <a:lstStyle/>
+          <a:p>
+            <a:r>
+              <a:rPr kumimoji="1" lang="en-US" altLang="ja-JP" dirty="0">
+                <a:solidFill>
+                  <a:srgbClr val="FF0000"/>
+                </a:solidFill>
+              </a:rPr>
+              <a:t>※Web</a:t>
+            </a:r>
+            <a:r>
+              <a:rPr kumimoji="1" lang="ja-JP" altLang="en-US" dirty="0">
+                <a:solidFill>
+                  <a:srgbClr val="FF0000"/>
+                </a:solidFill>
+              </a:rPr>
+              <a:t>サイトにある</a:t>
+            </a:r>
+            <a:r>
+              <a:rPr kumimoji="1" lang="en-US" altLang="ja-JP" dirty="0">
+                <a:solidFill>
+                  <a:srgbClr val="FF0000"/>
+                </a:solidFill>
+              </a:rPr>
+              <a:t>GitHub</a:t>
+            </a:r>
+            <a:r>
+              <a:rPr kumimoji="1" lang="ja-JP" altLang="en-US" dirty="0">
+                <a:solidFill>
+                  <a:srgbClr val="FF0000"/>
+                </a:solidFill>
+              </a:rPr>
+              <a:t>ではありません</a:t>
+            </a:r>
+            <a:endParaRPr kumimoji="1" lang="en-US" altLang="ja-JP" dirty="0">
+              <a:solidFill>
+                <a:srgbClr val="FF0000"/>
+              </a:solidFill>
+            </a:endParaRPr>
+          </a:p>
+        </p:txBody>
+      </p:sp>
+    </p:spTree>
+    <p:extLst>
+      <p:ext uri="{BB962C8B-B14F-4D97-AF65-F5344CB8AC3E}">
+        <p14:creationId xmlns:p14="http://schemas.microsoft.com/office/powerpoint/2010/main" val="2341713830"/>
       </p:ext>
     </p:extLst>
   </p:cSld>
@@ -9157,6 +10615,3858 @@
 </p:sld>
 </file>
 
+<file path=ppt/slides/slide20.xml><?xml version="1.0" encoding="utf-8"?>
+<p:sld xmlns:a="http://schemas.openxmlformats.org/drawingml/2006/main" xmlns:r="http://schemas.openxmlformats.org/officeDocument/2006/relationships" xmlns:p="http://schemas.openxmlformats.org/presentationml/2006/main">
+  <p:cSld>
+    <p:spTree>
+      <p:nvGrpSpPr>
+        <p:cNvPr id="1" name=""/>
+        <p:cNvGrpSpPr/>
+        <p:nvPr/>
+      </p:nvGrpSpPr>
+      <p:grpSpPr>
+        <a:xfrm>
+          <a:off x="0" y="0"/>
+          <a:ext cx="0" cy="0"/>
+          <a:chOff x="0" y="0"/>
+          <a:chExt cx="0" cy="0"/>
+        </a:xfrm>
+      </p:grpSpPr>
+      <p:pic>
+        <p:nvPicPr>
+          <p:cNvPr id="23" name="図 22" descr="グラフィカル ユーザー インターフェイス, テキスト, アプリケーション, メール&#10;&#10;自動的に生成された説明">
+            <a:extLst>
+              <a:ext uri="{FF2B5EF4-FFF2-40B4-BE49-F238E27FC236}">
+                <a16:creationId xmlns:a16="http://schemas.microsoft.com/office/drawing/2014/main" id="{0420F236-32D3-3922-0F71-A7B1BBCEC4DB}"/>
+              </a:ext>
+            </a:extLst>
+          </p:cNvPr>
+          <p:cNvPicPr>
+            <a:picLocks noChangeAspect="1"/>
+          </p:cNvPicPr>
+          <p:nvPr/>
+        </p:nvPicPr>
+        <p:blipFill>
+          <a:blip r:embed="rId2">
+            <a:extLst>
+              <a:ext uri="{28A0092B-C50C-407E-A947-70E740481C1C}">
+                <a14:useLocalDpi xmlns:a14="http://schemas.microsoft.com/office/drawing/2010/main" val="0"/>
+              </a:ext>
+            </a:extLst>
+          </a:blip>
+          <a:stretch>
+            <a:fillRect/>
+          </a:stretch>
+        </p:blipFill>
+        <p:spPr>
+          <a:xfrm>
+            <a:off x="118861" y="144275"/>
+            <a:ext cx="5767286" cy="6573010"/>
+          </a:xfrm>
+          <a:prstGeom prst="rect">
+            <a:avLst/>
+          </a:prstGeom>
+          <a:solidFill>
+            <a:srgbClr val="FFFFFF">
+              <a:shade val="85000"/>
+            </a:srgbClr>
+          </a:solidFill>
+          <a:ln w="190500" cap="rnd">
+            <a:solidFill>
+              <a:srgbClr val="FFFFFF"/>
+            </a:solidFill>
+          </a:ln>
+          <a:effectLst>
+            <a:outerShdw blurRad="50000" algn="tl" rotWithShape="0">
+              <a:srgbClr val="000000">
+                <a:alpha val="41000"/>
+              </a:srgbClr>
+            </a:outerShdw>
+          </a:effectLst>
+          <a:scene3d>
+            <a:camera prst="orthographicFront"/>
+            <a:lightRig rig="twoPt" dir="t">
+              <a:rot lat="0" lon="0" rev="7800000"/>
+            </a:lightRig>
+          </a:scene3d>
+          <a:sp3d contourW="6350">
+            <a:bevelT w="50800" h="16510"/>
+            <a:contourClr>
+              <a:srgbClr val="C0C0C0"/>
+            </a:contourClr>
+          </a:sp3d>
+        </p:spPr>
+      </p:pic>
+      <p:sp>
+        <p:nvSpPr>
+          <p:cNvPr id="13" name="テキスト ボックス 12">
+            <a:extLst>
+              <a:ext uri="{FF2B5EF4-FFF2-40B4-BE49-F238E27FC236}">
+                <a16:creationId xmlns:a16="http://schemas.microsoft.com/office/drawing/2014/main" id="{D3DE3A61-F11F-B295-EDA4-F821E9CDE5F5}"/>
+              </a:ext>
+            </a:extLst>
+          </p:cNvPr>
+          <p:cNvSpPr txBox="1"/>
+          <p:nvPr/>
+        </p:nvSpPr>
+        <p:spPr>
+          <a:xfrm>
+            <a:off x="5991070" y="949563"/>
+            <a:ext cx="4906781" cy="400110"/>
+          </a:xfrm>
+          <a:prstGeom prst="rect">
+            <a:avLst/>
+          </a:prstGeom>
+          <a:noFill/>
+        </p:spPr>
+        <p:txBody>
+          <a:bodyPr wrap="square" rtlCol="0">
+            <a:spAutoFit/>
+          </a:bodyPr>
+          <a:lstStyle/>
+          <a:p>
+            <a:r>
+              <a:rPr kumimoji="1" lang="ja-JP" altLang="en-US" sz="2000" dirty="0"/>
+              <a:t>・</a:t>
+            </a:r>
+            <a:r>
+              <a:rPr kumimoji="1" lang="en-US" altLang="ja-JP" sz="2000" dirty="0"/>
+              <a:t>Name</a:t>
+            </a:r>
+            <a:r>
+              <a:rPr kumimoji="1" lang="ja-JP" altLang="en-US" sz="2000" dirty="0"/>
+              <a:t>にリポジトリの名前を入力</a:t>
+            </a:r>
+          </a:p>
+        </p:txBody>
+      </p:sp>
+      <p:sp>
+        <p:nvSpPr>
+          <p:cNvPr id="14" name="正方形/長方形 13">
+            <a:extLst>
+              <a:ext uri="{FF2B5EF4-FFF2-40B4-BE49-F238E27FC236}">
+                <a16:creationId xmlns:a16="http://schemas.microsoft.com/office/drawing/2014/main" id="{A6BA9D1A-96EE-E164-1859-F5DDBB5F2B04}"/>
+              </a:ext>
+            </a:extLst>
+          </p:cNvPr>
+          <p:cNvSpPr/>
+          <p:nvPr/>
+        </p:nvSpPr>
+        <p:spPr>
+          <a:xfrm>
+            <a:off x="332581" y="949563"/>
+            <a:ext cx="5363682" cy="5556168"/>
+          </a:xfrm>
+          <a:prstGeom prst="rect">
+            <a:avLst/>
+          </a:prstGeom>
+          <a:noFill/>
+          <a:ln w="76200">
+            <a:solidFill>
+              <a:srgbClr val="FF0000"/>
+            </a:solidFill>
+          </a:ln>
+        </p:spPr>
+        <p:style>
+          <a:lnRef idx="2">
+            <a:schemeClr val="accent1">
+              <a:shade val="50000"/>
+            </a:schemeClr>
+          </a:lnRef>
+          <a:fillRef idx="1">
+            <a:schemeClr val="accent1"/>
+          </a:fillRef>
+          <a:effectRef idx="0">
+            <a:schemeClr val="accent1"/>
+          </a:effectRef>
+          <a:fontRef idx="minor">
+            <a:schemeClr val="lt1"/>
+          </a:fontRef>
+        </p:style>
+        <p:txBody>
+          <a:bodyPr rtlCol="0" anchor="ctr"/>
+          <a:lstStyle/>
+          <a:p>
+            <a:pPr algn="ctr"/>
+            <a:endParaRPr kumimoji="1" lang="ja-JP" altLang="en-US"/>
+          </a:p>
+        </p:txBody>
+      </p:sp>
+      <p:sp>
+        <p:nvSpPr>
+          <p:cNvPr id="15" name="テキスト ボックス 14">
+            <a:extLst>
+              <a:ext uri="{FF2B5EF4-FFF2-40B4-BE49-F238E27FC236}">
+                <a16:creationId xmlns:a16="http://schemas.microsoft.com/office/drawing/2014/main" id="{6101502D-F921-8F7F-E15D-4A0C1507EA8B}"/>
+              </a:ext>
+            </a:extLst>
+          </p:cNvPr>
+          <p:cNvSpPr txBox="1"/>
+          <p:nvPr/>
+        </p:nvSpPr>
+        <p:spPr>
+          <a:xfrm>
+            <a:off x="6096000" y="241677"/>
+            <a:ext cx="4288353" cy="707886"/>
+          </a:xfrm>
+          <a:prstGeom prst="rect">
+            <a:avLst/>
+          </a:prstGeom>
+          <a:noFill/>
+        </p:spPr>
+        <p:txBody>
+          <a:bodyPr wrap="none" rtlCol="0">
+            <a:spAutoFit/>
+          </a:bodyPr>
+          <a:lstStyle/>
+          <a:p>
+            <a:r>
+              <a:rPr kumimoji="1" lang="ja-JP" altLang="en-US" sz="4000" dirty="0"/>
+              <a:t>リポジトリの設定</a:t>
+            </a:r>
+          </a:p>
+        </p:txBody>
+      </p:sp>
+      <p:sp>
+        <p:nvSpPr>
+          <p:cNvPr id="16" name="テキスト ボックス 15">
+            <a:extLst>
+              <a:ext uri="{FF2B5EF4-FFF2-40B4-BE49-F238E27FC236}">
+                <a16:creationId xmlns:a16="http://schemas.microsoft.com/office/drawing/2014/main" id="{76F68883-2E6E-1774-7788-DFB0D012F5EA}"/>
+              </a:ext>
+            </a:extLst>
+          </p:cNvPr>
+          <p:cNvSpPr txBox="1"/>
+          <p:nvPr/>
+        </p:nvSpPr>
+        <p:spPr>
+          <a:xfrm>
+            <a:off x="5991070" y="2595092"/>
+            <a:ext cx="6200930" cy="707886"/>
+          </a:xfrm>
+          <a:prstGeom prst="rect">
+            <a:avLst/>
+          </a:prstGeom>
+          <a:noFill/>
+        </p:spPr>
+        <p:txBody>
+          <a:bodyPr wrap="square" rtlCol="0">
+            <a:spAutoFit/>
+          </a:bodyPr>
+          <a:lstStyle/>
+          <a:p>
+            <a:r>
+              <a:rPr kumimoji="1" lang="ja-JP" altLang="en-US" sz="2000" dirty="0"/>
+              <a:t>・</a:t>
+            </a:r>
+            <a:r>
+              <a:rPr kumimoji="1" lang="en-US" altLang="ja-JP" sz="2000" dirty="0"/>
+              <a:t>[</a:t>
+            </a:r>
+            <a:r>
+              <a:rPr kumimoji="1" lang="en-US" altLang="ja-JP" sz="2000" dirty="0" err="1"/>
+              <a:t>Lnitialize</a:t>
+            </a:r>
+            <a:r>
+              <a:rPr kumimoji="1" lang="en-US" altLang="ja-JP" sz="2000" dirty="0"/>
+              <a:t> this repository with a README]</a:t>
+            </a:r>
+            <a:r>
+              <a:rPr kumimoji="1" lang="ja-JP" altLang="en-US" sz="2000" dirty="0"/>
+              <a:t>をクリック</a:t>
+            </a:r>
+            <a:endParaRPr kumimoji="1" lang="en-US" altLang="ja-JP" sz="2000" dirty="0"/>
+          </a:p>
+          <a:p>
+            <a:r>
+              <a:rPr kumimoji="1" lang="ja-JP" altLang="en-US" sz="2000" dirty="0"/>
+              <a:t>　（リポジトリの説明をつけるかどうかの設定）</a:t>
+            </a:r>
+            <a:endParaRPr kumimoji="1" lang="en-US" altLang="ja-JP" sz="2000" dirty="0"/>
+          </a:p>
+        </p:txBody>
+      </p:sp>
+      <p:sp>
+        <p:nvSpPr>
+          <p:cNvPr id="17" name="テキスト ボックス 16">
+            <a:extLst>
+              <a:ext uri="{FF2B5EF4-FFF2-40B4-BE49-F238E27FC236}">
+                <a16:creationId xmlns:a16="http://schemas.microsoft.com/office/drawing/2014/main" id="{42ABAE53-8815-11D3-739B-001604CA5132}"/>
+              </a:ext>
+            </a:extLst>
+          </p:cNvPr>
+          <p:cNvSpPr txBox="1"/>
+          <p:nvPr/>
+        </p:nvSpPr>
+        <p:spPr>
+          <a:xfrm>
+            <a:off x="5986071" y="1491868"/>
+            <a:ext cx="6420787" cy="400110"/>
+          </a:xfrm>
+          <a:prstGeom prst="rect">
+            <a:avLst/>
+          </a:prstGeom>
+          <a:noFill/>
+        </p:spPr>
+        <p:txBody>
+          <a:bodyPr wrap="square" rtlCol="0">
+            <a:spAutoFit/>
+          </a:bodyPr>
+          <a:lstStyle/>
+          <a:p>
+            <a:r>
+              <a:rPr kumimoji="1" lang="ja-JP" altLang="en-US" sz="2000" dirty="0"/>
+              <a:t>・</a:t>
+            </a:r>
+            <a:r>
+              <a:rPr kumimoji="1" lang="en-US" altLang="ja-JP" sz="2000" dirty="0"/>
+              <a:t>Description</a:t>
+            </a:r>
+            <a:r>
+              <a:rPr kumimoji="1" lang="ja-JP" altLang="en-US" sz="2000" dirty="0"/>
+              <a:t>に検索エンジン用のキーワードを入力</a:t>
+            </a:r>
+          </a:p>
+        </p:txBody>
+      </p:sp>
+      <p:sp>
+        <p:nvSpPr>
+          <p:cNvPr id="18" name="テキスト ボックス 17">
+            <a:extLst>
+              <a:ext uri="{FF2B5EF4-FFF2-40B4-BE49-F238E27FC236}">
+                <a16:creationId xmlns:a16="http://schemas.microsoft.com/office/drawing/2014/main" id="{D54187DD-57AF-97A1-52B3-DA14456E4858}"/>
+              </a:ext>
+            </a:extLst>
+          </p:cNvPr>
+          <p:cNvSpPr txBox="1"/>
+          <p:nvPr/>
+        </p:nvSpPr>
+        <p:spPr>
+          <a:xfrm>
+            <a:off x="5986071" y="2043726"/>
+            <a:ext cx="5521833" cy="400110"/>
+          </a:xfrm>
+          <a:prstGeom prst="rect">
+            <a:avLst/>
+          </a:prstGeom>
+          <a:noFill/>
+        </p:spPr>
+        <p:txBody>
+          <a:bodyPr wrap="square" rtlCol="0">
+            <a:spAutoFit/>
+          </a:bodyPr>
+          <a:lstStyle/>
+          <a:p>
+            <a:r>
+              <a:rPr kumimoji="1" lang="ja-JP" altLang="en-US" sz="2000" dirty="0"/>
+              <a:t>・</a:t>
+            </a:r>
+            <a:r>
+              <a:rPr kumimoji="1" lang="en-US" altLang="ja-JP" sz="2000" dirty="0"/>
+              <a:t>Local path</a:t>
+            </a:r>
+            <a:r>
+              <a:rPr kumimoji="1" lang="ja-JP" altLang="en-US" sz="2000" dirty="0"/>
+              <a:t>にリポジトリの保存場所を入力</a:t>
+            </a:r>
+            <a:endParaRPr kumimoji="1" lang="en-US" altLang="ja-JP" sz="2000" dirty="0"/>
+          </a:p>
+        </p:txBody>
+      </p:sp>
+      <p:sp>
+        <p:nvSpPr>
+          <p:cNvPr id="19" name="テキスト ボックス 18">
+            <a:extLst>
+              <a:ext uri="{FF2B5EF4-FFF2-40B4-BE49-F238E27FC236}">
+                <a16:creationId xmlns:a16="http://schemas.microsoft.com/office/drawing/2014/main" id="{8C2C8A28-E028-7AB8-C635-C8179E7EB724}"/>
+              </a:ext>
+            </a:extLst>
+          </p:cNvPr>
+          <p:cNvSpPr txBox="1"/>
+          <p:nvPr/>
+        </p:nvSpPr>
+        <p:spPr>
+          <a:xfrm>
+            <a:off x="6096000" y="3454234"/>
+            <a:ext cx="5946411" cy="707886"/>
+          </a:xfrm>
+          <a:prstGeom prst="rect">
+            <a:avLst/>
+          </a:prstGeom>
+          <a:noFill/>
+        </p:spPr>
+        <p:txBody>
+          <a:bodyPr wrap="square" rtlCol="0">
+            <a:spAutoFit/>
+          </a:bodyPr>
+          <a:lstStyle/>
+          <a:p>
+            <a:r>
+              <a:rPr kumimoji="1" lang="ja-JP" altLang="en-US" sz="2000" dirty="0"/>
+              <a:t>・</a:t>
+            </a:r>
+            <a:r>
+              <a:rPr kumimoji="1" lang="en-US" altLang="ja-JP" sz="2000" dirty="0"/>
+              <a:t>Git ignore</a:t>
+            </a:r>
+            <a:r>
+              <a:rPr kumimoji="1" lang="ja-JP" altLang="en-US" sz="2000" dirty="0"/>
+              <a:t>を</a:t>
+            </a:r>
+            <a:r>
+              <a:rPr kumimoji="1" lang="en-US" altLang="ja-JP" sz="2000" dirty="0"/>
+              <a:t>None</a:t>
+            </a:r>
+            <a:r>
+              <a:rPr kumimoji="1" lang="ja-JP" altLang="en-US" sz="2000" dirty="0"/>
+              <a:t>に設定</a:t>
+            </a:r>
+            <a:endParaRPr kumimoji="1" lang="en-US" altLang="ja-JP" sz="2000" dirty="0"/>
+          </a:p>
+          <a:p>
+            <a:r>
+              <a:rPr kumimoji="1" lang="ja-JP" altLang="en-US" sz="2000" dirty="0"/>
+              <a:t>（リポジトリ内の無視したいファイル名の選択）</a:t>
+            </a:r>
+          </a:p>
+        </p:txBody>
+      </p:sp>
+      <p:sp>
+        <p:nvSpPr>
+          <p:cNvPr id="20" name="テキスト ボックス 19">
+            <a:extLst>
+              <a:ext uri="{FF2B5EF4-FFF2-40B4-BE49-F238E27FC236}">
+                <a16:creationId xmlns:a16="http://schemas.microsoft.com/office/drawing/2014/main" id="{471159F5-EDC3-8AF9-DD38-30D76A1837F8}"/>
+              </a:ext>
+            </a:extLst>
+          </p:cNvPr>
+          <p:cNvSpPr txBox="1"/>
+          <p:nvPr/>
+        </p:nvSpPr>
+        <p:spPr>
+          <a:xfrm>
+            <a:off x="6096000" y="4313376"/>
+            <a:ext cx="6200930" cy="707886"/>
+          </a:xfrm>
+          <a:prstGeom prst="rect">
+            <a:avLst/>
+          </a:prstGeom>
+          <a:noFill/>
+        </p:spPr>
+        <p:txBody>
+          <a:bodyPr wrap="square" rtlCol="0">
+            <a:spAutoFit/>
+          </a:bodyPr>
+          <a:lstStyle/>
+          <a:p>
+            <a:r>
+              <a:rPr kumimoji="1" lang="ja-JP" altLang="en-US" sz="2000" dirty="0"/>
+              <a:t>・</a:t>
+            </a:r>
+            <a:r>
+              <a:rPr kumimoji="1" lang="en-US" altLang="ja-JP" sz="2000" dirty="0"/>
+              <a:t>License</a:t>
+            </a:r>
+            <a:r>
+              <a:rPr kumimoji="1" lang="ja-JP" altLang="en-US" sz="2000" dirty="0"/>
+              <a:t>を</a:t>
+            </a:r>
+            <a:r>
+              <a:rPr kumimoji="1" lang="en-US" altLang="ja-JP" sz="2000" dirty="0"/>
+              <a:t>None</a:t>
+            </a:r>
+            <a:r>
+              <a:rPr kumimoji="1" lang="ja-JP" altLang="en-US" sz="2000" dirty="0"/>
+              <a:t>に設定</a:t>
+            </a:r>
+            <a:endParaRPr kumimoji="1" lang="en-US" altLang="ja-JP" sz="2000" dirty="0"/>
+          </a:p>
+          <a:p>
+            <a:r>
+              <a:rPr kumimoji="1" lang="ja-JP" altLang="en-US" sz="2000" dirty="0"/>
+              <a:t>（リポジトリのライセンス選択）</a:t>
+            </a:r>
+          </a:p>
+        </p:txBody>
+      </p:sp>
+      <p:sp>
+        <p:nvSpPr>
+          <p:cNvPr id="21" name="テキスト ボックス 20">
+            <a:extLst>
+              <a:ext uri="{FF2B5EF4-FFF2-40B4-BE49-F238E27FC236}">
+                <a16:creationId xmlns:a16="http://schemas.microsoft.com/office/drawing/2014/main" id="{5EFAE23E-6CC8-78BF-9B3A-D2B316C7ACA2}"/>
+              </a:ext>
+            </a:extLst>
+          </p:cNvPr>
+          <p:cNvSpPr txBox="1"/>
+          <p:nvPr/>
+        </p:nvSpPr>
+        <p:spPr>
+          <a:xfrm>
+            <a:off x="6095999" y="5172518"/>
+            <a:ext cx="6200930" cy="400110"/>
+          </a:xfrm>
+          <a:prstGeom prst="rect">
+            <a:avLst/>
+          </a:prstGeom>
+          <a:noFill/>
+        </p:spPr>
+        <p:txBody>
+          <a:bodyPr wrap="square" rtlCol="0">
+            <a:spAutoFit/>
+          </a:bodyPr>
+          <a:lstStyle/>
+          <a:p>
+            <a:r>
+              <a:rPr kumimoji="1" lang="ja-JP" altLang="en-US" sz="2000" dirty="0"/>
+              <a:t>・</a:t>
+            </a:r>
+            <a:r>
+              <a:rPr kumimoji="1" lang="en-US" altLang="ja-JP" sz="2000" dirty="0"/>
+              <a:t>Create repository</a:t>
+            </a:r>
+            <a:r>
+              <a:rPr kumimoji="1" lang="ja-JP" altLang="en-US" sz="2000" dirty="0"/>
+              <a:t>をクリック</a:t>
+            </a:r>
+          </a:p>
+        </p:txBody>
+      </p:sp>
+      <p:sp>
+        <p:nvSpPr>
+          <p:cNvPr id="24" name="テキスト ボックス 23">
+            <a:extLst>
+              <a:ext uri="{FF2B5EF4-FFF2-40B4-BE49-F238E27FC236}">
+                <a16:creationId xmlns:a16="http://schemas.microsoft.com/office/drawing/2014/main" id="{4EE2CA34-564F-318F-EAA6-470A5E9D12DF}"/>
+              </a:ext>
+            </a:extLst>
+          </p:cNvPr>
+          <p:cNvSpPr txBox="1"/>
+          <p:nvPr/>
+        </p:nvSpPr>
+        <p:spPr>
+          <a:xfrm>
+            <a:off x="6095999" y="5708382"/>
+            <a:ext cx="6200930" cy="400110"/>
+          </a:xfrm>
+          <a:prstGeom prst="rect">
+            <a:avLst/>
+          </a:prstGeom>
+          <a:noFill/>
+        </p:spPr>
+        <p:txBody>
+          <a:bodyPr wrap="square" rtlCol="0">
+            <a:spAutoFit/>
+          </a:bodyPr>
+          <a:lstStyle/>
+          <a:p>
+            <a:r>
+              <a:rPr kumimoji="1" lang="ja-JP" altLang="en-US" sz="2000" dirty="0"/>
+              <a:t>・これでローカルリポジトリ作成完了！</a:t>
+            </a:r>
+          </a:p>
+        </p:txBody>
+      </p:sp>
+    </p:spTree>
+    <p:extLst>
+      <p:ext uri="{BB962C8B-B14F-4D97-AF65-F5344CB8AC3E}">
+        <p14:creationId xmlns:p14="http://schemas.microsoft.com/office/powerpoint/2010/main" val="4259397508"/>
+      </p:ext>
+    </p:extLst>
+  </p:cSld>
+  <p:clrMapOvr>
+    <a:masterClrMapping/>
+  </p:clrMapOvr>
+</p:sld>
+</file>
+
+<file path=ppt/slides/slide21.xml><?xml version="1.0" encoding="utf-8"?>
+<p:sld xmlns:a="http://schemas.openxmlformats.org/drawingml/2006/main" xmlns:r="http://schemas.openxmlformats.org/officeDocument/2006/relationships" xmlns:p="http://schemas.openxmlformats.org/presentationml/2006/main">
+  <p:cSld>
+    <p:spTree>
+      <p:nvGrpSpPr>
+        <p:cNvPr id="1" name=""/>
+        <p:cNvGrpSpPr/>
+        <p:nvPr/>
+      </p:nvGrpSpPr>
+      <p:grpSpPr>
+        <a:xfrm>
+          <a:off x="0" y="0"/>
+          <a:ext cx="0" cy="0"/>
+          <a:chOff x="0" y="0"/>
+          <a:chExt cx="0" cy="0"/>
+        </a:xfrm>
+      </p:grpSpPr>
+      <p:pic>
+        <p:nvPicPr>
+          <p:cNvPr id="3" name="図 2" descr="コンピューターのスクリーンショット&#10;&#10;自動的に生成された説明">
+            <a:extLst>
+              <a:ext uri="{FF2B5EF4-FFF2-40B4-BE49-F238E27FC236}">
+                <a16:creationId xmlns:a16="http://schemas.microsoft.com/office/drawing/2014/main" id="{0CF31361-30CE-FD43-8A6E-D01F23B1833C}"/>
+              </a:ext>
+            </a:extLst>
+          </p:cNvPr>
+          <p:cNvPicPr>
+            <a:picLocks noChangeAspect="1"/>
+          </p:cNvPicPr>
+          <p:nvPr/>
+        </p:nvPicPr>
+        <p:blipFill>
+          <a:blip r:embed="rId2">
+            <a:extLst>
+              <a:ext uri="{28A0092B-C50C-407E-A947-70E740481C1C}">
+                <a14:useLocalDpi xmlns:a14="http://schemas.microsoft.com/office/drawing/2010/main" val="0"/>
+              </a:ext>
+            </a:extLst>
+          </a:blip>
+          <a:stretch>
+            <a:fillRect/>
+          </a:stretch>
+        </p:blipFill>
+        <p:spPr>
+          <a:xfrm>
+            <a:off x="996048" y="1256695"/>
+            <a:ext cx="9382126" cy="5274870"/>
+          </a:xfrm>
+          <a:prstGeom prst="rect">
+            <a:avLst/>
+          </a:prstGeom>
+          <a:solidFill>
+            <a:srgbClr val="FFFFFF">
+              <a:shade val="85000"/>
+            </a:srgbClr>
+          </a:solidFill>
+          <a:ln w="88900" cap="sq">
+            <a:solidFill>
+              <a:srgbClr val="FFFFFF"/>
+            </a:solidFill>
+            <a:miter lim="800000"/>
+          </a:ln>
+          <a:effectLst>
+            <a:outerShdw blurRad="55000" dist="18000" dir="5400000" algn="tl" rotWithShape="0">
+              <a:srgbClr val="000000">
+                <a:alpha val="40000"/>
+              </a:srgbClr>
+            </a:outerShdw>
+          </a:effectLst>
+          <a:scene3d>
+            <a:camera prst="orthographicFront"/>
+            <a:lightRig rig="twoPt" dir="t">
+              <a:rot lat="0" lon="0" rev="7200000"/>
+            </a:lightRig>
+          </a:scene3d>
+          <a:sp3d>
+            <a:bevelT w="25400" h="19050"/>
+            <a:contourClr>
+              <a:srgbClr val="FFFFFF"/>
+            </a:contourClr>
+          </a:sp3d>
+        </p:spPr>
+      </p:pic>
+      <p:sp>
+        <p:nvSpPr>
+          <p:cNvPr id="8" name="テキスト ボックス 7">
+            <a:extLst>
+              <a:ext uri="{FF2B5EF4-FFF2-40B4-BE49-F238E27FC236}">
+                <a16:creationId xmlns:a16="http://schemas.microsoft.com/office/drawing/2014/main" id="{E0B3C8C5-8F74-6F6F-F6CD-B061D50B5FA1}"/>
+              </a:ext>
+            </a:extLst>
+          </p:cNvPr>
+          <p:cNvSpPr txBox="1"/>
+          <p:nvPr/>
+        </p:nvSpPr>
+        <p:spPr>
+          <a:xfrm>
+            <a:off x="996048" y="126690"/>
+            <a:ext cx="10443885" cy="707886"/>
+          </a:xfrm>
+          <a:prstGeom prst="rect">
+            <a:avLst/>
+          </a:prstGeom>
+          <a:noFill/>
+        </p:spPr>
+        <p:txBody>
+          <a:bodyPr wrap="none" rtlCol="0">
+            <a:spAutoFit/>
+          </a:bodyPr>
+          <a:lstStyle/>
+          <a:p>
+            <a:r>
+              <a:rPr kumimoji="1" lang="ja-JP" altLang="en-US" sz="4000" dirty="0"/>
+              <a:t>ローカルリポジトリをリモートリポジトリに</a:t>
+            </a:r>
+          </a:p>
+        </p:txBody>
+      </p:sp>
+      <p:sp>
+        <p:nvSpPr>
+          <p:cNvPr id="9" name="テキスト ボックス 8">
+            <a:extLst>
+              <a:ext uri="{FF2B5EF4-FFF2-40B4-BE49-F238E27FC236}">
+                <a16:creationId xmlns:a16="http://schemas.microsoft.com/office/drawing/2014/main" id="{F50CF7C2-B47F-C280-4DBC-E542359807C5}"/>
+              </a:ext>
+            </a:extLst>
+          </p:cNvPr>
+          <p:cNvSpPr txBox="1"/>
+          <p:nvPr/>
+        </p:nvSpPr>
+        <p:spPr>
+          <a:xfrm>
+            <a:off x="996048" y="856585"/>
+            <a:ext cx="6019349" cy="400110"/>
+          </a:xfrm>
+          <a:prstGeom prst="rect">
+            <a:avLst/>
+          </a:prstGeom>
+          <a:noFill/>
+        </p:spPr>
+        <p:txBody>
+          <a:bodyPr wrap="square" rtlCol="0">
+            <a:spAutoFit/>
+          </a:bodyPr>
+          <a:lstStyle/>
+          <a:p>
+            <a:r>
+              <a:rPr kumimoji="1" lang="ja-JP" altLang="en-US" sz="2000" dirty="0"/>
+              <a:t>・</a:t>
+            </a:r>
+            <a:r>
+              <a:rPr kumimoji="1" lang="en-US" altLang="ja-JP" sz="2000" dirty="0"/>
+              <a:t>[Publish repository]</a:t>
+            </a:r>
+            <a:r>
+              <a:rPr kumimoji="1" lang="ja-JP" altLang="en-US" sz="2000" dirty="0"/>
+              <a:t>をクリック</a:t>
+            </a:r>
+          </a:p>
+        </p:txBody>
+      </p:sp>
+      <p:sp>
+        <p:nvSpPr>
+          <p:cNvPr id="4" name="正方形/長方形 3">
+            <a:extLst>
+              <a:ext uri="{FF2B5EF4-FFF2-40B4-BE49-F238E27FC236}">
+                <a16:creationId xmlns:a16="http://schemas.microsoft.com/office/drawing/2014/main" id="{B4D2044F-2503-0A15-1619-FD9F37943C1C}"/>
+              </a:ext>
+            </a:extLst>
+          </p:cNvPr>
+          <p:cNvSpPr/>
+          <p:nvPr/>
+        </p:nvSpPr>
+        <p:spPr>
+          <a:xfrm>
+            <a:off x="4180117" y="1307733"/>
+            <a:ext cx="1683654" cy="551543"/>
+          </a:xfrm>
+          <a:prstGeom prst="rect">
+            <a:avLst/>
+          </a:prstGeom>
+          <a:noFill/>
+          <a:ln w="76200">
+            <a:solidFill>
+              <a:srgbClr val="FF0000"/>
+            </a:solidFill>
+          </a:ln>
+        </p:spPr>
+        <p:style>
+          <a:lnRef idx="2">
+            <a:schemeClr val="accent1">
+              <a:shade val="50000"/>
+            </a:schemeClr>
+          </a:lnRef>
+          <a:fillRef idx="1">
+            <a:schemeClr val="accent1"/>
+          </a:fillRef>
+          <a:effectRef idx="0">
+            <a:schemeClr val="accent1"/>
+          </a:effectRef>
+          <a:fontRef idx="minor">
+            <a:schemeClr val="lt1"/>
+          </a:fontRef>
+        </p:style>
+        <p:txBody>
+          <a:bodyPr rtlCol="0" anchor="ctr"/>
+          <a:lstStyle/>
+          <a:p>
+            <a:pPr algn="ctr"/>
+            <a:endParaRPr kumimoji="1" lang="ja-JP" altLang="en-US"/>
+          </a:p>
+        </p:txBody>
+      </p:sp>
+      <p:sp>
+        <p:nvSpPr>
+          <p:cNvPr id="6" name="タイトル 1">
+            <a:extLst>
+              <a:ext uri="{FF2B5EF4-FFF2-40B4-BE49-F238E27FC236}">
+                <a16:creationId xmlns:a16="http://schemas.microsoft.com/office/drawing/2014/main" id="{8DD45417-6E5C-7CF1-5CFF-2CDE2C2D1032}"/>
+              </a:ext>
+            </a:extLst>
+          </p:cNvPr>
+          <p:cNvSpPr txBox="1">
+            <a:spLocks/>
+          </p:cNvSpPr>
+          <p:nvPr/>
+        </p:nvSpPr>
+        <p:spPr>
+          <a:xfrm>
+            <a:off x="5863771" y="1389847"/>
+            <a:ext cx="3260361" cy="520467"/>
+          </a:xfrm>
+          <a:prstGeom prst="rect">
+            <a:avLst/>
+          </a:prstGeom>
+        </p:spPr>
+        <p:txBody>
+          <a:bodyPr vert="horz" lIns="91440" tIns="45720" rIns="91440" bIns="45720" rtlCol="0" anchor="t">
+            <a:normAutofit fontScale="85000" lnSpcReduction="10000"/>
+          </a:bodyPr>
+          <a:lstStyle>
+            <a:lvl1pPr algn="l" defTabSz="914400" rtl="0" eaLnBrk="1" latinLnBrk="0" hangingPunct="1">
+              <a:lnSpc>
+                <a:spcPct val="90000"/>
+              </a:lnSpc>
+              <a:spcBef>
+                <a:spcPct val="0"/>
+              </a:spcBef>
+              <a:buNone/>
+              <a:defRPr kumimoji="1" sz="5100" kern="1200" cap="all" spc="200" baseline="0">
+                <a:solidFill>
+                  <a:schemeClr val="tx2"/>
+                </a:solidFill>
+                <a:latin typeface="+mj-lt"/>
+                <a:ea typeface="+mj-ea"/>
+                <a:cs typeface="+mj-cs"/>
+              </a:defRPr>
+            </a:lvl1pPr>
+          </a:lstStyle>
+          <a:p>
+            <a:r>
+              <a:rPr lang="ja-JP" altLang="en-US" sz="3600" b="1" dirty="0">
+                <a:solidFill>
+                  <a:srgbClr val="FF0000"/>
+                </a:solidFill>
+              </a:rPr>
+              <a:t>ここをクリック</a:t>
+            </a:r>
+          </a:p>
+        </p:txBody>
+      </p:sp>
+    </p:spTree>
+    <p:extLst>
+      <p:ext uri="{BB962C8B-B14F-4D97-AF65-F5344CB8AC3E}">
+        <p14:creationId xmlns:p14="http://schemas.microsoft.com/office/powerpoint/2010/main" val="2714835320"/>
+      </p:ext>
+    </p:extLst>
+  </p:cSld>
+  <p:clrMapOvr>
+    <a:masterClrMapping/>
+  </p:clrMapOvr>
+</p:sld>
+</file>
+
+<file path=ppt/slides/slide22.xml><?xml version="1.0" encoding="utf-8"?>
+<p:sld xmlns:a="http://schemas.openxmlformats.org/drawingml/2006/main" xmlns:r="http://schemas.openxmlformats.org/officeDocument/2006/relationships" xmlns:p="http://schemas.openxmlformats.org/presentationml/2006/main">
+  <p:cSld>
+    <p:spTree>
+      <p:nvGrpSpPr>
+        <p:cNvPr id="1" name=""/>
+        <p:cNvGrpSpPr/>
+        <p:nvPr/>
+      </p:nvGrpSpPr>
+      <p:grpSpPr>
+        <a:xfrm>
+          <a:off x="0" y="0"/>
+          <a:ext cx="0" cy="0"/>
+          <a:chOff x="0" y="0"/>
+          <a:chExt cx="0" cy="0"/>
+        </a:xfrm>
+      </p:grpSpPr>
+      <p:pic>
+        <p:nvPicPr>
+          <p:cNvPr id="3" name="図 2" descr="グラフィカル ユーザー インターフェイス, テキスト, アプリケーション, メール&#10;&#10;自動的に生成された説明">
+            <a:extLst>
+              <a:ext uri="{FF2B5EF4-FFF2-40B4-BE49-F238E27FC236}">
+                <a16:creationId xmlns:a16="http://schemas.microsoft.com/office/drawing/2014/main" id="{570142EE-9E7F-C990-3A0F-B60A83FECCFD}"/>
+              </a:ext>
+            </a:extLst>
+          </p:cNvPr>
+          <p:cNvPicPr>
+            <a:picLocks noChangeAspect="1"/>
+          </p:cNvPicPr>
+          <p:nvPr/>
+        </p:nvPicPr>
+        <p:blipFill>
+          <a:blip r:embed="rId3">
+            <a:extLst>
+              <a:ext uri="{28A0092B-C50C-407E-A947-70E740481C1C}">
+                <a14:useLocalDpi xmlns:a14="http://schemas.microsoft.com/office/drawing/2010/main" val="0"/>
+              </a:ext>
+            </a:extLst>
+          </a:blip>
+          <a:stretch>
+            <a:fillRect/>
+          </a:stretch>
+        </p:blipFill>
+        <p:spPr>
+          <a:xfrm>
+            <a:off x="146070" y="1065165"/>
+            <a:ext cx="5736703" cy="4910016"/>
+          </a:xfrm>
+          <a:prstGeom prst="rect">
+            <a:avLst/>
+          </a:prstGeom>
+        </p:spPr>
+      </p:pic>
+      <p:sp>
+        <p:nvSpPr>
+          <p:cNvPr id="13" name="テキスト ボックス 12">
+            <a:extLst>
+              <a:ext uri="{FF2B5EF4-FFF2-40B4-BE49-F238E27FC236}">
+                <a16:creationId xmlns:a16="http://schemas.microsoft.com/office/drawing/2014/main" id="{D3DE3A61-F11F-B295-EDA4-F821E9CDE5F5}"/>
+              </a:ext>
+            </a:extLst>
+          </p:cNvPr>
+          <p:cNvSpPr txBox="1"/>
+          <p:nvPr/>
+        </p:nvSpPr>
+        <p:spPr>
+          <a:xfrm>
+            <a:off x="5991070" y="949563"/>
+            <a:ext cx="4906781" cy="400110"/>
+          </a:xfrm>
+          <a:prstGeom prst="rect">
+            <a:avLst/>
+          </a:prstGeom>
+          <a:noFill/>
+        </p:spPr>
+        <p:txBody>
+          <a:bodyPr wrap="square" rtlCol="0">
+            <a:spAutoFit/>
+          </a:bodyPr>
+          <a:lstStyle/>
+          <a:p>
+            <a:r>
+              <a:rPr kumimoji="1" lang="ja-JP" altLang="en-US" sz="2000" dirty="0"/>
+              <a:t>・</a:t>
+            </a:r>
+            <a:r>
+              <a:rPr kumimoji="1" lang="en-US" altLang="ja-JP" sz="2000" dirty="0"/>
+              <a:t>Name</a:t>
+            </a:r>
+            <a:r>
+              <a:rPr kumimoji="1" lang="ja-JP" altLang="en-US" sz="2000" dirty="0"/>
+              <a:t>にリポジトリの名前を入力</a:t>
+            </a:r>
+          </a:p>
+        </p:txBody>
+      </p:sp>
+      <p:sp>
+        <p:nvSpPr>
+          <p:cNvPr id="14" name="正方形/長方形 13">
+            <a:extLst>
+              <a:ext uri="{FF2B5EF4-FFF2-40B4-BE49-F238E27FC236}">
+                <a16:creationId xmlns:a16="http://schemas.microsoft.com/office/drawing/2014/main" id="{A6BA9D1A-96EE-E164-1859-F5DDBB5F2B04}"/>
+              </a:ext>
+            </a:extLst>
+          </p:cNvPr>
+          <p:cNvSpPr/>
+          <p:nvPr/>
+        </p:nvSpPr>
+        <p:spPr>
+          <a:xfrm>
+            <a:off x="332580" y="2249915"/>
+            <a:ext cx="5363682" cy="3458467"/>
+          </a:xfrm>
+          <a:prstGeom prst="rect">
+            <a:avLst/>
+          </a:prstGeom>
+          <a:noFill/>
+          <a:ln w="76200">
+            <a:solidFill>
+              <a:srgbClr val="FF0000"/>
+            </a:solidFill>
+          </a:ln>
+        </p:spPr>
+        <p:style>
+          <a:lnRef idx="2">
+            <a:schemeClr val="accent1">
+              <a:shade val="50000"/>
+            </a:schemeClr>
+          </a:lnRef>
+          <a:fillRef idx="1">
+            <a:schemeClr val="accent1"/>
+          </a:fillRef>
+          <a:effectRef idx="0">
+            <a:schemeClr val="accent1"/>
+          </a:effectRef>
+          <a:fontRef idx="minor">
+            <a:schemeClr val="lt1"/>
+          </a:fontRef>
+        </p:style>
+        <p:txBody>
+          <a:bodyPr rtlCol="0" anchor="ctr"/>
+          <a:lstStyle/>
+          <a:p>
+            <a:pPr algn="ctr"/>
+            <a:endParaRPr kumimoji="1" lang="ja-JP" altLang="en-US"/>
+          </a:p>
+        </p:txBody>
+      </p:sp>
+      <p:sp>
+        <p:nvSpPr>
+          <p:cNvPr id="15" name="テキスト ボックス 14">
+            <a:extLst>
+              <a:ext uri="{FF2B5EF4-FFF2-40B4-BE49-F238E27FC236}">
+                <a16:creationId xmlns:a16="http://schemas.microsoft.com/office/drawing/2014/main" id="{6101502D-F921-8F7F-E15D-4A0C1507EA8B}"/>
+              </a:ext>
+            </a:extLst>
+          </p:cNvPr>
+          <p:cNvSpPr txBox="1"/>
+          <p:nvPr/>
+        </p:nvSpPr>
+        <p:spPr>
+          <a:xfrm>
+            <a:off x="5696262" y="241677"/>
+            <a:ext cx="6340197" cy="707886"/>
+          </a:xfrm>
+          <a:prstGeom prst="rect">
+            <a:avLst/>
+          </a:prstGeom>
+          <a:noFill/>
+        </p:spPr>
+        <p:txBody>
+          <a:bodyPr wrap="none" rtlCol="0">
+            <a:spAutoFit/>
+          </a:bodyPr>
+          <a:lstStyle/>
+          <a:p>
+            <a:r>
+              <a:rPr kumimoji="1" lang="ja-JP" altLang="en-US" sz="4000" dirty="0"/>
+              <a:t>リモートリポジトリの設定</a:t>
+            </a:r>
+          </a:p>
+        </p:txBody>
+      </p:sp>
+      <p:sp>
+        <p:nvSpPr>
+          <p:cNvPr id="16" name="テキスト ボックス 15">
+            <a:extLst>
+              <a:ext uri="{FF2B5EF4-FFF2-40B4-BE49-F238E27FC236}">
+                <a16:creationId xmlns:a16="http://schemas.microsoft.com/office/drawing/2014/main" id="{76F68883-2E6E-1774-7788-DFB0D012F5EA}"/>
+              </a:ext>
+            </a:extLst>
+          </p:cNvPr>
+          <p:cNvSpPr txBox="1"/>
+          <p:nvPr/>
+        </p:nvSpPr>
+        <p:spPr>
+          <a:xfrm>
+            <a:off x="5991070" y="2767114"/>
+            <a:ext cx="6200930" cy="1015663"/>
+          </a:xfrm>
+          <a:prstGeom prst="rect">
+            <a:avLst/>
+          </a:prstGeom>
+          <a:noFill/>
+        </p:spPr>
+        <p:txBody>
+          <a:bodyPr wrap="square" rtlCol="0">
+            <a:spAutoFit/>
+          </a:bodyPr>
+          <a:lstStyle/>
+          <a:p>
+            <a:r>
+              <a:rPr kumimoji="1" lang="ja-JP" altLang="en-US" sz="2000" dirty="0"/>
+              <a:t>・</a:t>
+            </a:r>
+            <a:r>
+              <a:rPr kumimoji="1" lang="en-US" altLang="ja-JP" sz="2000" dirty="0"/>
+              <a:t>Organization</a:t>
+            </a:r>
+            <a:r>
+              <a:rPr kumimoji="1" lang="ja-JP" altLang="en-US" sz="2000" dirty="0"/>
+              <a:t>を</a:t>
+            </a:r>
+            <a:r>
+              <a:rPr kumimoji="1" lang="en-US" altLang="ja-JP" sz="2000" dirty="0"/>
+              <a:t>None</a:t>
+            </a:r>
+            <a:r>
+              <a:rPr kumimoji="1" lang="ja-JP" altLang="en-US" sz="2000" dirty="0"/>
+              <a:t>に設定</a:t>
+            </a:r>
+            <a:endParaRPr kumimoji="1" lang="en-US" altLang="ja-JP" sz="2000" dirty="0"/>
+          </a:p>
+          <a:p>
+            <a:r>
+              <a:rPr kumimoji="1" lang="ja-JP" altLang="en-US" sz="2000" dirty="0"/>
+              <a:t>　（リポジトリを組織管理下に置けるようにする</a:t>
+            </a:r>
+            <a:endParaRPr kumimoji="1" lang="en-US" altLang="ja-JP" sz="2000" dirty="0"/>
+          </a:p>
+          <a:p>
+            <a:r>
+              <a:rPr kumimoji="1" lang="ja-JP" altLang="en-US" sz="2000" dirty="0"/>
+              <a:t>　　設定）</a:t>
+            </a:r>
+            <a:endParaRPr kumimoji="1" lang="en-US" altLang="ja-JP" sz="2000" dirty="0"/>
+          </a:p>
+        </p:txBody>
+      </p:sp>
+      <p:sp>
+        <p:nvSpPr>
+          <p:cNvPr id="17" name="テキスト ボックス 16">
+            <a:extLst>
+              <a:ext uri="{FF2B5EF4-FFF2-40B4-BE49-F238E27FC236}">
+                <a16:creationId xmlns:a16="http://schemas.microsoft.com/office/drawing/2014/main" id="{42ABAE53-8815-11D3-739B-001604CA5132}"/>
+              </a:ext>
+            </a:extLst>
+          </p:cNvPr>
+          <p:cNvSpPr txBox="1"/>
+          <p:nvPr/>
+        </p:nvSpPr>
+        <p:spPr>
+          <a:xfrm>
+            <a:off x="5986071" y="1491868"/>
+            <a:ext cx="6420787" cy="400110"/>
+          </a:xfrm>
+          <a:prstGeom prst="rect">
+            <a:avLst/>
+          </a:prstGeom>
+          <a:noFill/>
+        </p:spPr>
+        <p:txBody>
+          <a:bodyPr wrap="square" rtlCol="0">
+            <a:spAutoFit/>
+          </a:bodyPr>
+          <a:lstStyle/>
+          <a:p>
+            <a:r>
+              <a:rPr kumimoji="1" lang="ja-JP" altLang="en-US" sz="2000" dirty="0"/>
+              <a:t>・</a:t>
+            </a:r>
+            <a:r>
+              <a:rPr kumimoji="1" lang="en-US" altLang="ja-JP" sz="2000" dirty="0"/>
+              <a:t>Description</a:t>
+            </a:r>
+            <a:r>
+              <a:rPr kumimoji="1" lang="ja-JP" altLang="en-US" sz="2000" dirty="0"/>
+              <a:t>に検索エンジン用のキーワードを入力</a:t>
+            </a:r>
+          </a:p>
+        </p:txBody>
+      </p:sp>
+      <p:sp>
+        <p:nvSpPr>
+          <p:cNvPr id="18" name="テキスト ボックス 17">
+            <a:extLst>
+              <a:ext uri="{FF2B5EF4-FFF2-40B4-BE49-F238E27FC236}">
+                <a16:creationId xmlns:a16="http://schemas.microsoft.com/office/drawing/2014/main" id="{D54187DD-57AF-97A1-52B3-DA14456E4858}"/>
+              </a:ext>
+            </a:extLst>
+          </p:cNvPr>
+          <p:cNvSpPr txBox="1"/>
+          <p:nvPr/>
+        </p:nvSpPr>
+        <p:spPr>
+          <a:xfrm>
+            <a:off x="5986071" y="2043726"/>
+            <a:ext cx="6420787" cy="707886"/>
+          </a:xfrm>
+          <a:prstGeom prst="rect">
+            <a:avLst/>
+          </a:prstGeom>
+          <a:noFill/>
+        </p:spPr>
+        <p:txBody>
+          <a:bodyPr wrap="square" rtlCol="0">
+            <a:spAutoFit/>
+          </a:bodyPr>
+          <a:lstStyle/>
+          <a:p>
+            <a:r>
+              <a:rPr kumimoji="1" lang="ja-JP" altLang="en-US" sz="2000" dirty="0"/>
+              <a:t>・</a:t>
+            </a:r>
+            <a:r>
+              <a:rPr kumimoji="1" lang="en-US" altLang="ja-JP" sz="2000" dirty="0"/>
+              <a:t>[Keep this code private]</a:t>
+            </a:r>
+            <a:r>
+              <a:rPr kumimoji="1" lang="ja-JP" altLang="en-US" sz="2000" dirty="0"/>
+              <a:t>のチェックを消す</a:t>
+            </a:r>
+            <a:endParaRPr kumimoji="1" lang="en-US" altLang="ja-JP" sz="2000" dirty="0"/>
+          </a:p>
+          <a:p>
+            <a:r>
+              <a:rPr kumimoji="1" lang="ja-JP" altLang="en-US" sz="2000" dirty="0"/>
+              <a:t>　（リポジトリをに鍵をつけるかどうかの設定）</a:t>
+            </a:r>
+            <a:endParaRPr kumimoji="1" lang="en-US" altLang="ja-JP" sz="2000" dirty="0"/>
+          </a:p>
+        </p:txBody>
+      </p:sp>
+      <p:sp>
+        <p:nvSpPr>
+          <p:cNvPr id="19" name="テキスト ボックス 18">
+            <a:extLst>
+              <a:ext uri="{FF2B5EF4-FFF2-40B4-BE49-F238E27FC236}">
+                <a16:creationId xmlns:a16="http://schemas.microsoft.com/office/drawing/2014/main" id="{8C2C8A28-E028-7AB8-C635-C8179E7EB724}"/>
+              </a:ext>
+            </a:extLst>
+          </p:cNvPr>
+          <p:cNvSpPr txBox="1"/>
+          <p:nvPr/>
+        </p:nvSpPr>
+        <p:spPr>
+          <a:xfrm>
+            <a:off x="5986071" y="3782777"/>
+            <a:ext cx="5946411" cy="400110"/>
+          </a:xfrm>
+          <a:prstGeom prst="rect">
+            <a:avLst/>
+          </a:prstGeom>
+          <a:noFill/>
+        </p:spPr>
+        <p:txBody>
+          <a:bodyPr wrap="square" rtlCol="0">
+            <a:spAutoFit/>
+          </a:bodyPr>
+          <a:lstStyle/>
+          <a:p>
+            <a:r>
+              <a:rPr kumimoji="1" lang="ja-JP" altLang="en-US" sz="2000" dirty="0"/>
+              <a:t>・</a:t>
+            </a:r>
+            <a:r>
+              <a:rPr kumimoji="1" lang="en-US" altLang="ja-JP" sz="2000" dirty="0"/>
+              <a:t>[Publish repository]</a:t>
+            </a:r>
+            <a:r>
+              <a:rPr kumimoji="1" lang="ja-JP" altLang="en-US" sz="2000" dirty="0"/>
+              <a:t>をクリック</a:t>
+            </a:r>
+            <a:endParaRPr kumimoji="1" lang="en-US" altLang="ja-JP" sz="2000" dirty="0"/>
+          </a:p>
+        </p:txBody>
+      </p:sp>
+      <p:sp>
+        <p:nvSpPr>
+          <p:cNvPr id="20" name="テキスト ボックス 19">
+            <a:extLst>
+              <a:ext uri="{FF2B5EF4-FFF2-40B4-BE49-F238E27FC236}">
+                <a16:creationId xmlns:a16="http://schemas.microsoft.com/office/drawing/2014/main" id="{471159F5-EDC3-8AF9-DD38-30D76A1837F8}"/>
+              </a:ext>
+            </a:extLst>
+          </p:cNvPr>
+          <p:cNvSpPr txBox="1"/>
+          <p:nvPr/>
+        </p:nvSpPr>
+        <p:spPr>
+          <a:xfrm>
+            <a:off x="5982552" y="4421853"/>
+            <a:ext cx="5949930" cy="707886"/>
+          </a:xfrm>
+          <a:prstGeom prst="rect">
+            <a:avLst/>
+          </a:prstGeom>
+          <a:noFill/>
+        </p:spPr>
+        <p:txBody>
+          <a:bodyPr wrap="square" rtlCol="0">
+            <a:spAutoFit/>
+          </a:bodyPr>
+          <a:lstStyle/>
+          <a:p>
+            <a:r>
+              <a:rPr kumimoji="1" lang="ja-JP" altLang="en-US" sz="2000" dirty="0"/>
+              <a:t>・これでローカルリポジトリをリモートリポジト</a:t>
+            </a:r>
+            <a:endParaRPr kumimoji="1" lang="en-US" altLang="ja-JP" sz="2000" dirty="0"/>
+          </a:p>
+          <a:p>
+            <a:r>
+              <a:rPr kumimoji="1" lang="ja-JP" altLang="en-US" sz="2000" dirty="0"/>
+              <a:t>　リすることができました！</a:t>
+            </a:r>
+            <a:endParaRPr kumimoji="1" lang="en-US" altLang="ja-JP" sz="2000" dirty="0"/>
+          </a:p>
+        </p:txBody>
+      </p:sp>
+    </p:spTree>
+    <p:extLst>
+      <p:ext uri="{BB962C8B-B14F-4D97-AF65-F5344CB8AC3E}">
+        <p14:creationId xmlns:p14="http://schemas.microsoft.com/office/powerpoint/2010/main" val="2531003761"/>
+      </p:ext>
+    </p:extLst>
+  </p:cSld>
+  <p:clrMapOvr>
+    <a:masterClrMapping/>
+  </p:clrMapOvr>
+</p:sld>
+</file>
+
+<file path=ppt/slides/slide23.xml><?xml version="1.0" encoding="utf-8"?>
+<p:sld xmlns:a="http://schemas.openxmlformats.org/drawingml/2006/main" xmlns:r="http://schemas.openxmlformats.org/officeDocument/2006/relationships" xmlns:p="http://schemas.openxmlformats.org/presentationml/2006/main">
+  <p:cSld>
+    <p:spTree>
+      <p:nvGrpSpPr>
+        <p:cNvPr id="1" name=""/>
+        <p:cNvGrpSpPr/>
+        <p:nvPr/>
+      </p:nvGrpSpPr>
+      <p:grpSpPr>
+        <a:xfrm>
+          <a:off x="0" y="0"/>
+          <a:ext cx="0" cy="0"/>
+          <a:chOff x="0" y="0"/>
+          <a:chExt cx="0" cy="0"/>
+        </a:xfrm>
+      </p:grpSpPr>
+      <p:sp>
+        <p:nvSpPr>
+          <p:cNvPr id="13" name="テキスト ボックス 12">
+            <a:extLst>
+              <a:ext uri="{FF2B5EF4-FFF2-40B4-BE49-F238E27FC236}">
+                <a16:creationId xmlns:a16="http://schemas.microsoft.com/office/drawing/2014/main" id="{D3DE3A61-F11F-B295-EDA4-F821E9CDE5F5}"/>
+              </a:ext>
+            </a:extLst>
+          </p:cNvPr>
+          <p:cNvSpPr txBox="1"/>
+          <p:nvPr/>
+        </p:nvSpPr>
+        <p:spPr>
+          <a:xfrm>
+            <a:off x="1069298" y="1221794"/>
+            <a:ext cx="9124013" cy="523220"/>
+          </a:xfrm>
+          <a:prstGeom prst="rect">
+            <a:avLst/>
+          </a:prstGeom>
+          <a:noFill/>
+        </p:spPr>
+        <p:txBody>
+          <a:bodyPr wrap="square" rtlCol="0">
+            <a:spAutoFit/>
+          </a:bodyPr>
+          <a:lstStyle/>
+          <a:p>
+            <a:r>
+              <a:rPr kumimoji="1" lang="ja-JP" altLang="en-US" sz="2800" dirty="0"/>
+              <a:t>・先ほど作成したロカールリポジトリを開く</a:t>
+            </a:r>
+            <a:endParaRPr kumimoji="1" lang="en-US" altLang="ja-JP" sz="2800" dirty="0"/>
+          </a:p>
+        </p:txBody>
+      </p:sp>
+      <p:sp>
+        <p:nvSpPr>
+          <p:cNvPr id="15" name="テキスト ボックス 14">
+            <a:extLst>
+              <a:ext uri="{FF2B5EF4-FFF2-40B4-BE49-F238E27FC236}">
+                <a16:creationId xmlns:a16="http://schemas.microsoft.com/office/drawing/2014/main" id="{6101502D-F921-8F7F-E15D-4A0C1507EA8B}"/>
+              </a:ext>
+            </a:extLst>
+          </p:cNvPr>
+          <p:cNvSpPr txBox="1"/>
+          <p:nvPr/>
+        </p:nvSpPr>
+        <p:spPr>
+          <a:xfrm>
+            <a:off x="1074296" y="401070"/>
+            <a:ext cx="8392041" cy="707886"/>
+          </a:xfrm>
+          <a:prstGeom prst="rect">
+            <a:avLst/>
+          </a:prstGeom>
+          <a:noFill/>
+        </p:spPr>
+        <p:txBody>
+          <a:bodyPr wrap="none" rtlCol="0">
+            <a:spAutoFit/>
+          </a:bodyPr>
+          <a:lstStyle/>
+          <a:p>
+            <a:r>
+              <a:rPr kumimoji="1" lang="ja-JP" altLang="en-US" sz="4000" dirty="0"/>
+              <a:t>コミット・プッシュをしてみよう！</a:t>
+            </a:r>
+          </a:p>
+        </p:txBody>
+      </p:sp>
+      <p:sp>
+        <p:nvSpPr>
+          <p:cNvPr id="17" name="テキスト ボックス 16">
+            <a:extLst>
+              <a:ext uri="{FF2B5EF4-FFF2-40B4-BE49-F238E27FC236}">
+                <a16:creationId xmlns:a16="http://schemas.microsoft.com/office/drawing/2014/main" id="{42ABAE53-8815-11D3-739B-001604CA5132}"/>
+              </a:ext>
+            </a:extLst>
+          </p:cNvPr>
+          <p:cNvSpPr txBox="1"/>
+          <p:nvPr/>
+        </p:nvSpPr>
+        <p:spPr>
+          <a:xfrm>
+            <a:off x="1069298" y="1857853"/>
+            <a:ext cx="10278256" cy="523220"/>
+          </a:xfrm>
+          <a:prstGeom prst="rect">
+            <a:avLst/>
+          </a:prstGeom>
+          <a:noFill/>
+        </p:spPr>
+        <p:txBody>
+          <a:bodyPr wrap="square" rtlCol="0">
+            <a:spAutoFit/>
+          </a:bodyPr>
+          <a:lstStyle/>
+          <a:p>
+            <a:r>
+              <a:rPr kumimoji="1" lang="ja-JP" altLang="en-US" sz="2800" dirty="0"/>
+              <a:t>・ロカールリポジトリにテキストドキュメントを作成</a:t>
+            </a:r>
+            <a:endParaRPr kumimoji="1" lang="ja-JP" altLang="en-US" sz="2400" dirty="0"/>
+          </a:p>
+        </p:txBody>
+      </p:sp>
+      <p:sp>
+        <p:nvSpPr>
+          <p:cNvPr id="2" name="テキスト ボックス 1">
+            <a:extLst>
+              <a:ext uri="{FF2B5EF4-FFF2-40B4-BE49-F238E27FC236}">
+                <a16:creationId xmlns:a16="http://schemas.microsoft.com/office/drawing/2014/main" id="{1096F418-EF12-8D0D-3B1F-C1C7AD04885E}"/>
+              </a:ext>
+            </a:extLst>
+          </p:cNvPr>
+          <p:cNvSpPr txBox="1"/>
+          <p:nvPr/>
+        </p:nvSpPr>
+        <p:spPr>
+          <a:xfrm>
+            <a:off x="1069297" y="3766030"/>
+            <a:ext cx="11822243" cy="523220"/>
+          </a:xfrm>
+          <a:prstGeom prst="rect">
+            <a:avLst/>
+          </a:prstGeom>
+          <a:noFill/>
+        </p:spPr>
+        <p:txBody>
+          <a:bodyPr wrap="square" rtlCol="0">
+            <a:spAutoFit/>
+          </a:bodyPr>
+          <a:lstStyle/>
+          <a:p>
+            <a:r>
+              <a:rPr kumimoji="1" lang="ja-JP" altLang="en-US" sz="2800" dirty="0"/>
+              <a:t>・</a:t>
+            </a:r>
+            <a:r>
+              <a:rPr kumimoji="1" lang="en-US" altLang="ja-JP" sz="2800" dirty="0"/>
+              <a:t>Git</a:t>
+            </a:r>
+            <a:r>
+              <a:rPr kumimoji="1" lang="ja-JP" altLang="en-US" sz="2800" dirty="0"/>
+              <a:t>を開く</a:t>
+            </a:r>
+            <a:endParaRPr kumimoji="1" lang="ja-JP" altLang="en-US" sz="2400" dirty="0"/>
+          </a:p>
+        </p:txBody>
+      </p:sp>
+      <p:sp>
+        <p:nvSpPr>
+          <p:cNvPr id="4" name="テキスト ボックス 3">
+            <a:extLst>
+              <a:ext uri="{FF2B5EF4-FFF2-40B4-BE49-F238E27FC236}">
+                <a16:creationId xmlns:a16="http://schemas.microsoft.com/office/drawing/2014/main" id="{9313A7EF-AB87-AAB2-C45D-87C6B0CB7A3A}"/>
+              </a:ext>
+            </a:extLst>
+          </p:cNvPr>
+          <p:cNvSpPr txBox="1"/>
+          <p:nvPr/>
+        </p:nvSpPr>
+        <p:spPr>
+          <a:xfrm>
+            <a:off x="1069298" y="2493912"/>
+            <a:ext cx="10278256" cy="523220"/>
+          </a:xfrm>
+          <a:prstGeom prst="rect">
+            <a:avLst/>
+          </a:prstGeom>
+          <a:noFill/>
+        </p:spPr>
+        <p:txBody>
+          <a:bodyPr wrap="square" rtlCol="0">
+            <a:spAutoFit/>
+          </a:bodyPr>
+          <a:lstStyle/>
+          <a:p>
+            <a:r>
+              <a:rPr kumimoji="1" lang="ja-JP" altLang="en-US" sz="2800" dirty="0"/>
+              <a:t>・ファイル名はテスト</a:t>
+            </a:r>
+            <a:r>
+              <a:rPr kumimoji="1" lang="en-US" altLang="ja-JP" sz="2800" dirty="0"/>
+              <a:t>.txt</a:t>
+            </a:r>
+            <a:endParaRPr kumimoji="1" lang="ja-JP" altLang="en-US" sz="2400" dirty="0"/>
+          </a:p>
+        </p:txBody>
+      </p:sp>
+      <p:sp>
+        <p:nvSpPr>
+          <p:cNvPr id="5" name="テキスト ボックス 4">
+            <a:extLst>
+              <a:ext uri="{FF2B5EF4-FFF2-40B4-BE49-F238E27FC236}">
+                <a16:creationId xmlns:a16="http://schemas.microsoft.com/office/drawing/2014/main" id="{B0813819-F709-E5BD-A062-8AF6955DE8DE}"/>
+              </a:ext>
+            </a:extLst>
+          </p:cNvPr>
+          <p:cNvSpPr txBox="1"/>
+          <p:nvPr/>
+        </p:nvSpPr>
+        <p:spPr>
+          <a:xfrm>
+            <a:off x="1069298" y="3129971"/>
+            <a:ext cx="11822243" cy="523220"/>
+          </a:xfrm>
+          <a:prstGeom prst="rect">
+            <a:avLst/>
+          </a:prstGeom>
+          <a:noFill/>
+        </p:spPr>
+        <p:txBody>
+          <a:bodyPr wrap="square" rtlCol="0">
+            <a:spAutoFit/>
+          </a:bodyPr>
+          <a:lstStyle/>
+          <a:p>
+            <a:r>
+              <a:rPr kumimoji="1" lang="ja-JP" altLang="en-US" sz="2800" dirty="0"/>
+              <a:t>・作成したテキストドキュメントを開き、テストと書き込み保存</a:t>
+            </a:r>
+            <a:endParaRPr kumimoji="1" lang="ja-JP" altLang="en-US" sz="2400" dirty="0"/>
+          </a:p>
+        </p:txBody>
+      </p:sp>
+      <p:sp>
+        <p:nvSpPr>
+          <p:cNvPr id="7" name="テキスト ボックス 6">
+            <a:extLst>
+              <a:ext uri="{FF2B5EF4-FFF2-40B4-BE49-F238E27FC236}">
+                <a16:creationId xmlns:a16="http://schemas.microsoft.com/office/drawing/2014/main" id="{F0A64675-2B05-63B6-FFD2-43C939827B8C}"/>
+              </a:ext>
+            </a:extLst>
+          </p:cNvPr>
+          <p:cNvSpPr txBox="1"/>
+          <p:nvPr/>
+        </p:nvSpPr>
+        <p:spPr>
+          <a:xfrm>
+            <a:off x="3072984" y="3919918"/>
+            <a:ext cx="4682885" cy="369332"/>
+          </a:xfrm>
+          <a:prstGeom prst="rect">
+            <a:avLst/>
+          </a:prstGeom>
+          <a:noFill/>
+        </p:spPr>
+        <p:txBody>
+          <a:bodyPr wrap="none" rtlCol="0">
+            <a:spAutoFit/>
+          </a:bodyPr>
+          <a:lstStyle/>
+          <a:p>
+            <a:r>
+              <a:rPr kumimoji="1" lang="en-US" altLang="ja-JP" dirty="0">
+                <a:solidFill>
+                  <a:srgbClr val="FF0000"/>
+                </a:solidFill>
+              </a:rPr>
+              <a:t>※web</a:t>
+            </a:r>
+            <a:r>
+              <a:rPr kumimoji="1" lang="ja-JP" altLang="en-US" dirty="0">
+                <a:solidFill>
+                  <a:srgbClr val="FF0000"/>
+                </a:solidFill>
+              </a:rPr>
+              <a:t>サイトにある</a:t>
+            </a:r>
+            <a:r>
+              <a:rPr kumimoji="1" lang="en-US" altLang="ja-JP" dirty="0">
+                <a:solidFill>
+                  <a:srgbClr val="FF0000"/>
+                </a:solidFill>
+              </a:rPr>
+              <a:t>Git </a:t>
+            </a:r>
+            <a:r>
+              <a:rPr kumimoji="1" lang="en-US" altLang="ja-JP" dirty="0" err="1">
+                <a:solidFill>
+                  <a:srgbClr val="FF0000"/>
+                </a:solidFill>
+              </a:rPr>
+              <a:t>Hunb</a:t>
+            </a:r>
+            <a:r>
+              <a:rPr kumimoji="1" lang="ja-JP" altLang="en-US" dirty="0">
+                <a:solidFill>
+                  <a:srgbClr val="FF0000"/>
+                </a:solidFill>
+              </a:rPr>
+              <a:t>ではありません</a:t>
+            </a:r>
+          </a:p>
+        </p:txBody>
+      </p:sp>
+    </p:spTree>
+    <p:extLst>
+      <p:ext uri="{BB962C8B-B14F-4D97-AF65-F5344CB8AC3E}">
+        <p14:creationId xmlns:p14="http://schemas.microsoft.com/office/powerpoint/2010/main" val="3429864150"/>
+      </p:ext>
+    </p:extLst>
+  </p:cSld>
+  <p:clrMapOvr>
+    <a:masterClrMapping/>
+  </p:clrMapOvr>
+</p:sld>
+</file>
+
+<file path=ppt/slides/slide24.xml><?xml version="1.0" encoding="utf-8"?>
+<p:sld xmlns:a="http://schemas.openxmlformats.org/drawingml/2006/main" xmlns:r="http://schemas.openxmlformats.org/officeDocument/2006/relationships" xmlns:p="http://schemas.openxmlformats.org/presentationml/2006/main">
+  <p:cSld>
+    <p:spTree>
+      <p:nvGrpSpPr>
+        <p:cNvPr id="1" name=""/>
+        <p:cNvGrpSpPr/>
+        <p:nvPr/>
+      </p:nvGrpSpPr>
+      <p:grpSpPr>
+        <a:xfrm>
+          <a:off x="0" y="0"/>
+          <a:ext cx="0" cy="0"/>
+          <a:chOff x="0" y="0"/>
+          <a:chExt cx="0" cy="0"/>
+        </a:xfrm>
+      </p:grpSpPr>
+      <p:sp>
+        <p:nvSpPr>
+          <p:cNvPr id="8" name="テキスト ボックス 7">
+            <a:extLst>
+              <a:ext uri="{FF2B5EF4-FFF2-40B4-BE49-F238E27FC236}">
+                <a16:creationId xmlns:a16="http://schemas.microsoft.com/office/drawing/2014/main" id="{E0B3C8C5-8F74-6F6F-F6CD-B061D50B5FA1}"/>
+              </a:ext>
+            </a:extLst>
+          </p:cNvPr>
+          <p:cNvSpPr txBox="1"/>
+          <p:nvPr/>
+        </p:nvSpPr>
+        <p:spPr>
+          <a:xfrm>
+            <a:off x="4039051" y="156670"/>
+            <a:ext cx="2236510" cy="707886"/>
+          </a:xfrm>
+          <a:prstGeom prst="rect">
+            <a:avLst/>
+          </a:prstGeom>
+          <a:noFill/>
+        </p:spPr>
+        <p:txBody>
+          <a:bodyPr wrap="none" rtlCol="0">
+            <a:spAutoFit/>
+          </a:bodyPr>
+          <a:lstStyle/>
+          <a:p>
+            <a:r>
+              <a:rPr kumimoji="1" lang="ja-JP" altLang="en-US" sz="4000" dirty="0"/>
+              <a:t>コミット</a:t>
+            </a:r>
+          </a:p>
+        </p:txBody>
+      </p:sp>
+      <p:sp>
+        <p:nvSpPr>
+          <p:cNvPr id="9" name="テキスト ボックス 8">
+            <a:extLst>
+              <a:ext uri="{FF2B5EF4-FFF2-40B4-BE49-F238E27FC236}">
+                <a16:creationId xmlns:a16="http://schemas.microsoft.com/office/drawing/2014/main" id="{F50CF7C2-B47F-C280-4DBC-E542359807C5}"/>
+              </a:ext>
+            </a:extLst>
+          </p:cNvPr>
+          <p:cNvSpPr txBox="1"/>
+          <p:nvPr/>
+        </p:nvSpPr>
+        <p:spPr>
+          <a:xfrm>
+            <a:off x="3874159" y="1026350"/>
+            <a:ext cx="6019349" cy="400110"/>
+          </a:xfrm>
+          <a:prstGeom prst="rect">
+            <a:avLst/>
+          </a:prstGeom>
+          <a:noFill/>
+        </p:spPr>
+        <p:txBody>
+          <a:bodyPr wrap="square" rtlCol="0">
+            <a:spAutoFit/>
+          </a:bodyPr>
+          <a:lstStyle/>
+          <a:p>
+            <a:r>
+              <a:rPr kumimoji="1" lang="ja-JP" altLang="en-US" sz="2000" dirty="0"/>
+              <a:t>・左の赤枠の入力欄にコミットメッセージを入力</a:t>
+            </a:r>
+          </a:p>
+        </p:txBody>
+      </p:sp>
+      <p:pic>
+        <p:nvPicPr>
+          <p:cNvPr id="12" name="図 11" descr="グラフィカル ユーザー インターフェイス, アプリケーション&#10;&#10;自動的に生成された説明">
+            <a:extLst>
+              <a:ext uri="{FF2B5EF4-FFF2-40B4-BE49-F238E27FC236}">
+                <a16:creationId xmlns:a16="http://schemas.microsoft.com/office/drawing/2014/main" id="{E4C3AF59-8E84-A54D-54D1-03AC3F801168}"/>
+              </a:ext>
+            </a:extLst>
+          </p:cNvPr>
+          <p:cNvPicPr>
+            <a:picLocks noChangeAspect="1"/>
+          </p:cNvPicPr>
+          <p:nvPr/>
+        </p:nvPicPr>
+        <p:blipFill>
+          <a:blip r:embed="rId2">
+            <a:extLst>
+              <a:ext uri="{28A0092B-C50C-407E-A947-70E740481C1C}">
+                <a14:useLocalDpi xmlns:a14="http://schemas.microsoft.com/office/drawing/2010/main" val="0"/>
+              </a:ext>
+            </a:extLst>
+          </a:blip>
+          <a:stretch>
+            <a:fillRect/>
+          </a:stretch>
+        </p:blipFill>
+        <p:spPr>
+          <a:xfrm>
+            <a:off x="239489" y="3429000"/>
+            <a:ext cx="4549069" cy="2515368"/>
+          </a:xfrm>
+          <a:prstGeom prst="rect">
+            <a:avLst/>
+          </a:prstGeom>
+          <a:solidFill>
+            <a:srgbClr val="FFFFFF">
+              <a:shade val="85000"/>
+            </a:srgbClr>
+          </a:solidFill>
+          <a:ln w="88900" cap="sq">
+            <a:solidFill>
+              <a:srgbClr val="FFFFFF"/>
+            </a:solidFill>
+            <a:miter lim="800000"/>
+          </a:ln>
+          <a:effectLst>
+            <a:outerShdw blurRad="55000" dist="18000" dir="5400000" algn="tl" rotWithShape="0">
+              <a:srgbClr val="000000">
+                <a:alpha val="40000"/>
+              </a:srgbClr>
+            </a:outerShdw>
+          </a:effectLst>
+          <a:scene3d>
+            <a:camera prst="orthographicFront"/>
+            <a:lightRig rig="twoPt" dir="t">
+              <a:rot lat="0" lon="0" rev="7200000"/>
+            </a:lightRig>
+          </a:scene3d>
+          <a:sp3d>
+            <a:bevelT w="25400" h="19050"/>
+            <a:contourClr>
+              <a:srgbClr val="FFFFFF"/>
+            </a:contourClr>
+          </a:sp3d>
+        </p:spPr>
+      </p:pic>
+      <p:pic>
+        <p:nvPicPr>
+          <p:cNvPr id="14" name="図 13" descr="グラフィカル ユーザー インターフェイス, テキスト, アプリケーション, チャットまたはテキスト メッセージ&#10;&#10;自動的に生成された説明">
+            <a:extLst>
+              <a:ext uri="{FF2B5EF4-FFF2-40B4-BE49-F238E27FC236}">
+                <a16:creationId xmlns:a16="http://schemas.microsoft.com/office/drawing/2014/main" id="{79376ABE-CBC9-CFB3-0EDD-53B57D833A1A}"/>
+              </a:ext>
+            </a:extLst>
+          </p:cNvPr>
+          <p:cNvPicPr>
+            <a:picLocks noChangeAspect="1"/>
+          </p:cNvPicPr>
+          <p:nvPr/>
+        </p:nvPicPr>
+        <p:blipFill>
+          <a:blip r:embed="rId3">
+            <a:extLst>
+              <a:ext uri="{28A0092B-C50C-407E-A947-70E740481C1C}">
+                <a14:useLocalDpi xmlns:a14="http://schemas.microsoft.com/office/drawing/2010/main" val="0"/>
+              </a:ext>
+            </a:extLst>
+          </a:blip>
+          <a:stretch>
+            <a:fillRect/>
+          </a:stretch>
+        </p:blipFill>
+        <p:spPr>
+          <a:xfrm>
+            <a:off x="307744" y="258504"/>
+            <a:ext cx="3485725" cy="2846907"/>
+          </a:xfrm>
+          <a:prstGeom prst="rect">
+            <a:avLst/>
+          </a:prstGeom>
+          <a:solidFill>
+            <a:srgbClr val="FFFFFF">
+              <a:shade val="85000"/>
+            </a:srgbClr>
+          </a:solidFill>
+          <a:ln w="88900" cap="sq">
+            <a:solidFill>
+              <a:srgbClr val="FFFFFF"/>
+            </a:solidFill>
+            <a:miter lim="800000"/>
+          </a:ln>
+          <a:effectLst>
+            <a:outerShdw blurRad="55000" dist="18000" dir="5400000" algn="tl" rotWithShape="0">
+              <a:srgbClr val="000000">
+                <a:alpha val="40000"/>
+              </a:srgbClr>
+            </a:outerShdw>
+          </a:effectLst>
+          <a:scene3d>
+            <a:camera prst="orthographicFront"/>
+            <a:lightRig rig="twoPt" dir="t">
+              <a:rot lat="0" lon="0" rev="7200000"/>
+            </a:lightRig>
+          </a:scene3d>
+          <a:sp3d>
+            <a:bevelT w="25400" h="19050"/>
+            <a:contourClr>
+              <a:srgbClr val="FFFFFF"/>
+            </a:contourClr>
+          </a:sp3d>
+        </p:spPr>
+      </p:pic>
+      <p:sp>
+        <p:nvSpPr>
+          <p:cNvPr id="15" name="正方形/長方形 14">
+            <a:extLst>
+              <a:ext uri="{FF2B5EF4-FFF2-40B4-BE49-F238E27FC236}">
+                <a16:creationId xmlns:a16="http://schemas.microsoft.com/office/drawing/2014/main" id="{7495AB3C-1EDE-C0BE-4842-3B443C75B26C}"/>
+              </a:ext>
+            </a:extLst>
+          </p:cNvPr>
+          <p:cNvSpPr/>
+          <p:nvPr/>
+        </p:nvSpPr>
+        <p:spPr>
+          <a:xfrm>
+            <a:off x="326258" y="414065"/>
+            <a:ext cx="3422241" cy="516684"/>
+          </a:xfrm>
+          <a:prstGeom prst="rect">
+            <a:avLst/>
+          </a:prstGeom>
+          <a:noFill/>
+          <a:ln w="76200">
+            <a:solidFill>
+              <a:srgbClr val="FF0000"/>
+            </a:solidFill>
+          </a:ln>
+        </p:spPr>
+        <p:style>
+          <a:lnRef idx="2">
+            <a:schemeClr val="accent1">
+              <a:shade val="50000"/>
+            </a:schemeClr>
+          </a:lnRef>
+          <a:fillRef idx="1">
+            <a:schemeClr val="accent1"/>
+          </a:fillRef>
+          <a:effectRef idx="0">
+            <a:schemeClr val="accent1"/>
+          </a:effectRef>
+          <a:fontRef idx="minor">
+            <a:schemeClr val="lt1"/>
+          </a:fontRef>
+        </p:style>
+        <p:txBody>
+          <a:bodyPr rtlCol="0" anchor="ctr"/>
+          <a:lstStyle/>
+          <a:p>
+            <a:pPr algn="ctr"/>
+            <a:endParaRPr kumimoji="1" lang="ja-JP" altLang="en-US"/>
+          </a:p>
+        </p:txBody>
+      </p:sp>
+      <p:sp>
+        <p:nvSpPr>
+          <p:cNvPr id="16" name="テキスト ボックス 15">
+            <a:extLst>
+              <a:ext uri="{FF2B5EF4-FFF2-40B4-BE49-F238E27FC236}">
+                <a16:creationId xmlns:a16="http://schemas.microsoft.com/office/drawing/2014/main" id="{EA038966-BE1D-4CB5-CAB5-BA97B0063BC7}"/>
+              </a:ext>
+            </a:extLst>
+          </p:cNvPr>
+          <p:cNvSpPr txBox="1"/>
+          <p:nvPr/>
+        </p:nvSpPr>
+        <p:spPr>
+          <a:xfrm>
+            <a:off x="3874159" y="1534181"/>
+            <a:ext cx="6019349" cy="400110"/>
+          </a:xfrm>
+          <a:prstGeom prst="rect">
+            <a:avLst/>
+          </a:prstGeom>
+          <a:noFill/>
+        </p:spPr>
+        <p:txBody>
+          <a:bodyPr wrap="square" rtlCol="0">
+            <a:spAutoFit/>
+          </a:bodyPr>
+          <a:lstStyle/>
+          <a:p>
+            <a:r>
+              <a:rPr kumimoji="1" lang="ja-JP" altLang="en-US" sz="2000" dirty="0"/>
+              <a:t>・</a:t>
+            </a:r>
+            <a:r>
+              <a:rPr kumimoji="1" lang="en-US" altLang="ja-JP" sz="2000" dirty="0"/>
+              <a:t>Commit to main</a:t>
+            </a:r>
+            <a:r>
+              <a:rPr kumimoji="1" lang="ja-JP" altLang="en-US" sz="2000" dirty="0"/>
+              <a:t>をクリック</a:t>
+            </a:r>
+          </a:p>
+        </p:txBody>
+      </p:sp>
+      <p:sp>
+        <p:nvSpPr>
+          <p:cNvPr id="17" name="テキスト ボックス 16">
+            <a:extLst>
+              <a:ext uri="{FF2B5EF4-FFF2-40B4-BE49-F238E27FC236}">
+                <a16:creationId xmlns:a16="http://schemas.microsoft.com/office/drawing/2014/main" id="{FAE2A0F7-8F60-5FC0-79F3-3F961CA87C0C}"/>
+              </a:ext>
+            </a:extLst>
+          </p:cNvPr>
+          <p:cNvSpPr txBox="1"/>
+          <p:nvPr/>
+        </p:nvSpPr>
+        <p:spPr>
+          <a:xfrm>
+            <a:off x="3874158" y="2042012"/>
+            <a:ext cx="6019349" cy="400110"/>
+          </a:xfrm>
+          <a:prstGeom prst="rect">
+            <a:avLst/>
+          </a:prstGeom>
+          <a:noFill/>
+        </p:spPr>
+        <p:txBody>
+          <a:bodyPr wrap="square" rtlCol="0">
+            <a:spAutoFit/>
+          </a:bodyPr>
+          <a:lstStyle/>
+          <a:p>
+            <a:r>
+              <a:rPr kumimoji="1" lang="ja-JP" altLang="en-US" sz="2000" dirty="0"/>
+              <a:t>・コミット完了！</a:t>
+            </a:r>
+          </a:p>
+        </p:txBody>
+      </p:sp>
+      <p:sp>
+        <p:nvSpPr>
+          <p:cNvPr id="18" name="テキスト ボックス 17">
+            <a:extLst>
+              <a:ext uri="{FF2B5EF4-FFF2-40B4-BE49-F238E27FC236}">
+                <a16:creationId xmlns:a16="http://schemas.microsoft.com/office/drawing/2014/main" id="{9A8063F7-136D-30F4-C189-2A3E80B85150}"/>
+              </a:ext>
+            </a:extLst>
+          </p:cNvPr>
+          <p:cNvSpPr txBox="1"/>
+          <p:nvPr/>
+        </p:nvSpPr>
+        <p:spPr>
+          <a:xfrm>
+            <a:off x="4992414" y="3707993"/>
+            <a:ext cx="7199586" cy="707886"/>
+          </a:xfrm>
+          <a:prstGeom prst="rect">
+            <a:avLst/>
+          </a:prstGeom>
+          <a:noFill/>
+        </p:spPr>
+        <p:txBody>
+          <a:bodyPr wrap="square" rtlCol="0">
+            <a:spAutoFit/>
+          </a:bodyPr>
+          <a:lstStyle/>
+          <a:p>
+            <a:r>
+              <a:rPr kumimoji="1" lang="ja-JP" altLang="en-US" sz="2000" dirty="0"/>
+              <a:t>・左の赤枠は新しく追加、削除された内容が表示されます</a:t>
+            </a:r>
+            <a:endParaRPr kumimoji="1" lang="en-US" altLang="ja-JP" sz="2000" dirty="0"/>
+          </a:p>
+          <a:p>
+            <a:r>
+              <a:rPr kumimoji="1" lang="ja-JP" altLang="en-US" sz="2000" dirty="0"/>
+              <a:t>追加は</a:t>
+            </a:r>
+            <a:r>
+              <a:rPr kumimoji="1" lang="en-US" altLang="ja-JP" sz="2000" dirty="0"/>
+              <a:t>[+]</a:t>
+            </a:r>
+            <a:r>
+              <a:rPr kumimoji="1" lang="ja-JP" altLang="en-US" sz="2000" dirty="0"/>
+              <a:t>、削除は</a:t>
+            </a:r>
+            <a:r>
+              <a:rPr kumimoji="1" lang="en-US" altLang="ja-JP" sz="2000" dirty="0"/>
+              <a:t>[-]</a:t>
+            </a:r>
+            <a:r>
+              <a:rPr kumimoji="1" lang="ja-JP" altLang="en-US" sz="2000" dirty="0"/>
+              <a:t>で表示されます</a:t>
+            </a:r>
+            <a:endParaRPr kumimoji="1" lang="en-US" altLang="ja-JP" sz="2000" dirty="0"/>
+          </a:p>
+        </p:txBody>
+      </p:sp>
+      <p:sp>
+        <p:nvSpPr>
+          <p:cNvPr id="19" name="正方形/長方形 18">
+            <a:extLst>
+              <a:ext uri="{FF2B5EF4-FFF2-40B4-BE49-F238E27FC236}">
+                <a16:creationId xmlns:a16="http://schemas.microsoft.com/office/drawing/2014/main" id="{161F9FE8-519F-B335-4AF4-6F55A62C66EE}"/>
+              </a:ext>
+            </a:extLst>
+          </p:cNvPr>
+          <p:cNvSpPr/>
+          <p:nvPr/>
+        </p:nvSpPr>
+        <p:spPr>
+          <a:xfrm>
+            <a:off x="2037378" y="4985400"/>
+            <a:ext cx="2399711" cy="846250"/>
+          </a:xfrm>
+          <a:prstGeom prst="rect">
+            <a:avLst/>
+          </a:prstGeom>
+          <a:noFill/>
+          <a:ln w="76200">
+            <a:solidFill>
+              <a:srgbClr val="FF0000"/>
+            </a:solidFill>
+          </a:ln>
+        </p:spPr>
+        <p:style>
+          <a:lnRef idx="2">
+            <a:schemeClr val="accent1">
+              <a:shade val="50000"/>
+            </a:schemeClr>
+          </a:lnRef>
+          <a:fillRef idx="1">
+            <a:schemeClr val="accent1"/>
+          </a:fillRef>
+          <a:effectRef idx="0">
+            <a:schemeClr val="accent1"/>
+          </a:effectRef>
+          <a:fontRef idx="minor">
+            <a:schemeClr val="lt1"/>
+          </a:fontRef>
+        </p:style>
+        <p:txBody>
+          <a:bodyPr rtlCol="0" anchor="ctr"/>
+          <a:lstStyle/>
+          <a:p>
+            <a:pPr algn="ctr"/>
+            <a:endParaRPr kumimoji="1" lang="ja-JP" altLang="en-US"/>
+          </a:p>
+        </p:txBody>
+      </p:sp>
+    </p:spTree>
+    <p:extLst>
+      <p:ext uri="{BB962C8B-B14F-4D97-AF65-F5344CB8AC3E}">
+        <p14:creationId xmlns:p14="http://schemas.microsoft.com/office/powerpoint/2010/main" val="4188609042"/>
+      </p:ext>
+    </p:extLst>
+  </p:cSld>
+  <p:clrMapOvr>
+    <a:masterClrMapping/>
+  </p:clrMapOvr>
+</p:sld>
+</file>
+
+<file path=ppt/slides/slide25.xml><?xml version="1.0" encoding="utf-8"?>
+<p:sld xmlns:a="http://schemas.openxmlformats.org/drawingml/2006/main" xmlns:r="http://schemas.openxmlformats.org/officeDocument/2006/relationships" xmlns:p="http://schemas.openxmlformats.org/presentationml/2006/main">
+  <p:cSld>
+    <p:spTree>
+      <p:nvGrpSpPr>
+        <p:cNvPr id="1" name=""/>
+        <p:cNvGrpSpPr/>
+        <p:nvPr/>
+      </p:nvGrpSpPr>
+      <p:grpSpPr>
+        <a:xfrm>
+          <a:off x="0" y="0"/>
+          <a:ext cx="0" cy="0"/>
+          <a:chOff x="0" y="0"/>
+          <a:chExt cx="0" cy="0"/>
+        </a:xfrm>
+      </p:grpSpPr>
+      <p:pic>
+        <p:nvPicPr>
+          <p:cNvPr id="2" name="図 1" descr="グラフィカル ユーザー インターフェイス, テキスト, アプリケーション&#10;&#10;自動的に生成された説明">
+            <a:extLst>
+              <a:ext uri="{FF2B5EF4-FFF2-40B4-BE49-F238E27FC236}">
+                <a16:creationId xmlns:a16="http://schemas.microsoft.com/office/drawing/2014/main" id="{729B28E0-27D3-47E3-C159-64CD1BD1374C}"/>
+              </a:ext>
+            </a:extLst>
+          </p:cNvPr>
+          <p:cNvPicPr>
+            <a:picLocks noChangeAspect="1"/>
+          </p:cNvPicPr>
+          <p:nvPr/>
+        </p:nvPicPr>
+        <p:blipFill rotWithShape="1">
+          <a:blip r:embed="rId2">
+            <a:extLst>
+              <a:ext uri="{28A0092B-C50C-407E-A947-70E740481C1C}">
+                <a14:useLocalDpi xmlns:a14="http://schemas.microsoft.com/office/drawing/2010/main" val="0"/>
+              </a:ext>
+            </a:extLst>
+          </a:blip>
+          <a:srcRect r="46955" b="42562"/>
+          <a:stretch/>
+        </p:blipFill>
+        <p:spPr>
+          <a:xfrm>
+            <a:off x="1112545" y="1700586"/>
+            <a:ext cx="8263444" cy="5030724"/>
+          </a:xfrm>
+          <a:prstGeom prst="rect">
+            <a:avLst/>
+          </a:prstGeom>
+          <a:solidFill>
+            <a:srgbClr val="FFFFFF">
+              <a:shade val="85000"/>
+            </a:srgbClr>
+          </a:solidFill>
+          <a:ln w="88900" cap="sq">
+            <a:solidFill>
+              <a:srgbClr val="FFFFFF"/>
+            </a:solidFill>
+            <a:miter lim="800000"/>
+          </a:ln>
+          <a:effectLst>
+            <a:outerShdw blurRad="55000" dist="18000" dir="5400000" algn="tl" rotWithShape="0">
+              <a:srgbClr val="000000">
+                <a:alpha val="40000"/>
+              </a:srgbClr>
+            </a:outerShdw>
+          </a:effectLst>
+          <a:scene3d>
+            <a:camera prst="orthographicFront"/>
+            <a:lightRig rig="twoPt" dir="t">
+              <a:rot lat="0" lon="0" rev="7200000"/>
+            </a:lightRig>
+          </a:scene3d>
+          <a:sp3d>
+            <a:bevelT w="25400" h="19050"/>
+            <a:contourClr>
+              <a:srgbClr val="FFFFFF"/>
+            </a:contourClr>
+          </a:sp3d>
+        </p:spPr>
+      </p:pic>
+      <p:sp>
+        <p:nvSpPr>
+          <p:cNvPr id="8" name="テキスト ボックス 7">
+            <a:extLst>
+              <a:ext uri="{FF2B5EF4-FFF2-40B4-BE49-F238E27FC236}">
+                <a16:creationId xmlns:a16="http://schemas.microsoft.com/office/drawing/2014/main" id="{E0B3C8C5-8F74-6F6F-F6CD-B061D50B5FA1}"/>
+              </a:ext>
+            </a:extLst>
+          </p:cNvPr>
+          <p:cNvSpPr txBox="1"/>
+          <p:nvPr/>
+        </p:nvSpPr>
+        <p:spPr>
+          <a:xfrm>
+            <a:off x="996048" y="126690"/>
+            <a:ext cx="2749471" cy="707886"/>
+          </a:xfrm>
+          <a:prstGeom prst="rect">
+            <a:avLst/>
+          </a:prstGeom>
+          <a:noFill/>
+        </p:spPr>
+        <p:txBody>
+          <a:bodyPr wrap="none" rtlCol="0">
+            <a:spAutoFit/>
+          </a:bodyPr>
+          <a:lstStyle/>
+          <a:p>
+            <a:r>
+              <a:rPr kumimoji="1" lang="ja-JP" altLang="en-US" sz="4000" dirty="0"/>
+              <a:t>履歴の確認</a:t>
+            </a:r>
+          </a:p>
+        </p:txBody>
+      </p:sp>
+      <p:sp>
+        <p:nvSpPr>
+          <p:cNvPr id="9" name="テキスト ボックス 8">
+            <a:extLst>
+              <a:ext uri="{FF2B5EF4-FFF2-40B4-BE49-F238E27FC236}">
+                <a16:creationId xmlns:a16="http://schemas.microsoft.com/office/drawing/2014/main" id="{F50CF7C2-B47F-C280-4DBC-E542359807C5}"/>
+              </a:ext>
+            </a:extLst>
+          </p:cNvPr>
+          <p:cNvSpPr txBox="1"/>
+          <p:nvPr/>
+        </p:nvSpPr>
+        <p:spPr>
+          <a:xfrm>
+            <a:off x="996048" y="1209712"/>
+            <a:ext cx="6019349" cy="400110"/>
+          </a:xfrm>
+          <a:prstGeom prst="rect">
+            <a:avLst/>
+          </a:prstGeom>
+          <a:noFill/>
+        </p:spPr>
+        <p:txBody>
+          <a:bodyPr wrap="square" rtlCol="0">
+            <a:spAutoFit/>
+          </a:bodyPr>
+          <a:lstStyle/>
+          <a:p>
+            <a:r>
+              <a:rPr kumimoji="1" lang="ja-JP" altLang="en-US" sz="2000" dirty="0"/>
+              <a:t>・先ほどコミットした内容が保存されていれば</a:t>
+            </a:r>
+            <a:r>
+              <a:rPr kumimoji="1" lang="en-US" altLang="ja-JP" sz="2000" dirty="0"/>
+              <a:t>OK</a:t>
+            </a:r>
+            <a:endParaRPr kumimoji="1" lang="ja-JP" altLang="en-US" sz="2000" dirty="0"/>
+          </a:p>
+        </p:txBody>
+      </p:sp>
+      <p:sp>
+        <p:nvSpPr>
+          <p:cNvPr id="4" name="正方形/長方形 3">
+            <a:extLst>
+              <a:ext uri="{FF2B5EF4-FFF2-40B4-BE49-F238E27FC236}">
+                <a16:creationId xmlns:a16="http://schemas.microsoft.com/office/drawing/2014/main" id="{B4D2044F-2503-0A15-1619-FD9F37943C1C}"/>
+              </a:ext>
+            </a:extLst>
+          </p:cNvPr>
+          <p:cNvSpPr/>
+          <p:nvPr/>
+        </p:nvSpPr>
+        <p:spPr>
+          <a:xfrm>
+            <a:off x="2502427" y="2572281"/>
+            <a:ext cx="1531136" cy="350802"/>
+          </a:xfrm>
+          <a:prstGeom prst="rect">
+            <a:avLst/>
+          </a:prstGeom>
+          <a:noFill/>
+          <a:ln w="76200">
+            <a:solidFill>
+              <a:srgbClr val="FF0000"/>
+            </a:solidFill>
+          </a:ln>
+        </p:spPr>
+        <p:style>
+          <a:lnRef idx="2">
+            <a:schemeClr val="accent1">
+              <a:shade val="50000"/>
+            </a:schemeClr>
+          </a:lnRef>
+          <a:fillRef idx="1">
+            <a:schemeClr val="accent1"/>
+          </a:fillRef>
+          <a:effectRef idx="0">
+            <a:schemeClr val="accent1"/>
+          </a:effectRef>
+          <a:fontRef idx="minor">
+            <a:schemeClr val="lt1"/>
+          </a:fontRef>
+        </p:style>
+        <p:txBody>
+          <a:bodyPr rtlCol="0" anchor="ctr"/>
+          <a:lstStyle/>
+          <a:p>
+            <a:pPr algn="ctr"/>
+            <a:endParaRPr kumimoji="1" lang="ja-JP" altLang="en-US"/>
+          </a:p>
+        </p:txBody>
+      </p:sp>
+      <p:sp>
+        <p:nvSpPr>
+          <p:cNvPr id="6" name="タイトル 1">
+            <a:extLst>
+              <a:ext uri="{FF2B5EF4-FFF2-40B4-BE49-F238E27FC236}">
+                <a16:creationId xmlns:a16="http://schemas.microsoft.com/office/drawing/2014/main" id="{8DD45417-6E5C-7CF1-5CFF-2CDE2C2D1032}"/>
+              </a:ext>
+            </a:extLst>
+          </p:cNvPr>
+          <p:cNvSpPr txBox="1">
+            <a:spLocks/>
+          </p:cNvSpPr>
+          <p:nvPr/>
+        </p:nvSpPr>
+        <p:spPr>
+          <a:xfrm>
+            <a:off x="4033563" y="2487448"/>
+            <a:ext cx="3260361" cy="520467"/>
+          </a:xfrm>
+          <a:prstGeom prst="rect">
+            <a:avLst/>
+          </a:prstGeom>
+        </p:spPr>
+        <p:txBody>
+          <a:bodyPr vert="horz" lIns="91440" tIns="45720" rIns="91440" bIns="45720" rtlCol="0" anchor="t">
+            <a:normAutofit fontScale="85000" lnSpcReduction="10000"/>
+          </a:bodyPr>
+          <a:lstStyle>
+            <a:lvl1pPr algn="l" defTabSz="914400" rtl="0" eaLnBrk="1" latinLnBrk="0" hangingPunct="1">
+              <a:lnSpc>
+                <a:spcPct val="90000"/>
+              </a:lnSpc>
+              <a:spcBef>
+                <a:spcPct val="0"/>
+              </a:spcBef>
+              <a:buNone/>
+              <a:defRPr kumimoji="1" sz="5100" kern="1200" cap="all" spc="200" baseline="0">
+                <a:solidFill>
+                  <a:schemeClr val="tx2"/>
+                </a:solidFill>
+                <a:latin typeface="+mj-lt"/>
+                <a:ea typeface="+mj-ea"/>
+                <a:cs typeface="+mj-cs"/>
+              </a:defRPr>
+            </a:lvl1pPr>
+          </a:lstStyle>
+          <a:p>
+            <a:r>
+              <a:rPr lang="ja-JP" altLang="en-US" sz="3600" b="1" dirty="0">
+                <a:solidFill>
+                  <a:srgbClr val="FF0000"/>
+                </a:solidFill>
+              </a:rPr>
+              <a:t>ここをクリック</a:t>
+            </a:r>
+          </a:p>
+        </p:txBody>
+      </p:sp>
+      <p:sp>
+        <p:nvSpPr>
+          <p:cNvPr id="3" name="テキスト ボックス 2">
+            <a:extLst>
+              <a:ext uri="{FF2B5EF4-FFF2-40B4-BE49-F238E27FC236}">
+                <a16:creationId xmlns:a16="http://schemas.microsoft.com/office/drawing/2014/main" id="{24AF8D56-BDC3-C262-9C21-D020C232B2FC}"/>
+              </a:ext>
+            </a:extLst>
+          </p:cNvPr>
+          <p:cNvSpPr txBox="1"/>
+          <p:nvPr/>
+        </p:nvSpPr>
+        <p:spPr>
+          <a:xfrm>
+            <a:off x="996048" y="837771"/>
+            <a:ext cx="6019349" cy="400110"/>
+          </a:xfrm>
+          <a:prstGeom prst="rect">
+            <a:avLst/>
+          </a:prstGeom>
+          <a:noFill/>
+        </p:spPr>
+        <p:txBody>
+          <a:bodyPr wrap="square" rtlCol="0">
+            <a:spAutoFit/>
+          </a:bodyPr>
+          <a:lstStyle/>
+          <a:p>
+            <a:r>
+              <a:rPr kumimoji="1" lang="ja-JP" altLang="en-US" sz="2000" dirty="0"/>
+              <a:t>・コミット後に</a:t>
+            </a:r>
+            <a:r>
+              <a:rPr kumimoji="1" lang="en-US" altLang="ja-JP" sz="2000" dirty="0"/>
+              <a:t>[History]</a:t>
+            </a:r>
+            <a:r>
+              <a:rPr kumimoji="1" lang="ja-JP" altLang="en-US" sz="2000" dirty="0"/>
+              <a:t>をクリック</a:t>
+            </a:r>
+          </a:p>
+        </p:txBody>
+      </p:sp>
+    </p:spTree>
+    <p:extLst>
+      <p:ext uri="{BB962C8B-B14F-4D97-AF65-F5344CB8AC3E}">
+        <p14:creationId xmlns:p14="http://schemas.microsoft.com/office/powerpoint/2010/main" val="1060067302"/>
+      </p:ext>
+    </p:extLst>
+  </p:cSld>
+  <p:clrMapOvr>
+    <a:masterClrMapping/>
+  </p:clrMapOvr>
+</p:sld>
+</file>
+
+<file path=ppt/slides/slide26.xml><?xml version="1.0" encoding="utf-8"?>
+<p:sld xmlns:a="http://schemas.openxmlformats.org/drawingml/2006/main" xmlns:r="http://schemas.openxmlformats.org/officeDocument/2006/relationships" xmlns:p="http://schemas.openxmlformats.org/presentationml/2006/main">
+  <p:cSld>
+    <p:spTree>
+      <p:nvGrpSpPr>
+        <p:cNvPr id="1" name=""/>
+        <p:cNvGrpSpPr/>
+        <p:nvPr/>
+      </p:nvGrpSpPr>
+      <p:grpSpPr>
+        <a:xfrm>
+          <a:off x="0" y="0"/>
+          <a:ext cx="0" cy="0"/>
+          <a:chOff x="0" y="0"/>
+          <a:chExt cx="0" cy="0"/>
+        </a:xfrm>
+      </p:grpSpPr>
+      <p:pic>
+        <p:nvPicPr>
+          <p:cNvPr id="10" name="図 9" descr="コンピューターのスクリーンショット&#10;&#10;自動的に生成された説明">
+            <a:extLst>
+              <a:ext uri="{FF2B5EF4-FFF2-40B4-BE49-F238E27FC236}">
+                <a16:creationId xmlns:a16="http://schemas.microsoft.com/office/drawing/2014/main" id="{7D26B553-91B6-6A98-A1C4-031BDC3CDBA4}"/>
+              </a:ext>
+            </a:extLst>
+          </p:cNvPr>
+          <p:cNvPicPr>
+            <a:picLocks noChangeAspect="1"/>
+          </p:cNvPicPr>
+          <p:nvPr/>
+        </p:nvPicPr>
+        <p:blipFill rotWithShape="1">
+          <a:blip r:embed="rId2">
+            <a:extLst>
+              <a:ext uri="{28A0092B-C50C-407E-A947-70E740481C1C}">
+                <a14:useLocalDpi xmlns:a14="http://schemas.microsoft.com/office/drawing/2010/main" val="0"/>
+              </a:ext>
+            </a:extLst>
+          </a:blip>
+          <a:srcRect r="13366" b="23925"/>
+          <a:stretch/>
+        </p:blipFill>
+        <p:spPr>
+          <a:xfrm>
+            <a:off x="996048" y="1748943"/>
+            <a:ext cx="9976752" cy="4925509"/>
+          </a:xfrm>
+          <a:prstGeom prst="rect">
+            <a:avLst/>
+          </a:prstGeom>
+          <a:solidFill>
+            <a:srgbClr val="FFFFFF">
+              <a:shade val="85000"/>
+            </a:srgbClr>
+          </a:solidFill>
+          <a:ln w="88900" cap="sq">
+            <a:solidFill>
+              <a:srgbClr val="FFFFFF"/>
+            </a:solidFill>
+            <a:miter lim="800000"/>
+          </a:ln>
+          <a:effectLst>
+            <a:outerShdw blurRad="55000" dist="18000" dir="5400000" algn="tl" rotWithShape="0">
+              <a:srgbClr val="000000">
+                <a:alpha val="40000"/>
+              </a:srgbClr>
+            </a:outerShdw>
+          </a:effectLst>
+          <a:scene3d>
+            <a:camera prst="orthographicFront"/>
+            <a:lightRig rig="twoPt" dir="t">
+              <a:rot lat="0" lon="0" rev="7200000"/>
+            </a:lightRig>
+          </a:scene3d>
+          <a:sp3d>
+            <a:bevelT w="25400" h="19050"/>
+            <a:contourClr>
+              <a:srgbClr val="FFFFFF"/>
+            </a:contourClr>
+          </a:sp3d>
+        </p:spPr>
+      </p:pic>
+      <p:sp>
+        <p:nvSpPr>
+          <p:cNvPr id="8" name="テキスト ボックス 7">
+            <a:extLst>
+              <a:ext uri="{FF2B5EF4-FFF2-40B4-BE49-F238E27FC236}">
+                <a16:creationId xmlns:a16="http://schemas.microsoft.com/office/drawing/2014/main" id="{E0B3C8C5-8F74-6F6F-F6CD-B061D50B5FA1}"/>
+              </a:ext>
+            </a:extLst>
+          </p:cNvPr>
+          <p:cNvSpPr txBox="1"/>
+          <p:nvPr/>
+        </p:nvSpPr>
+        <p:spPr>
+          <a:xfrm>
+            <a:off x="996048" y="126690"/>
+            <a:ext cx="2236510" cy="707886"/>
+          </a:xfrm>
+          <a:prstGeom prst="rect">
+            <a:avLst/>
+          </a:prstGeom>
+          <a:noFill/>
+        </p:spPr>
+        <p:txBody>
+          <a:bodyPr wrap="none" rtlCol="0">
+            <a:spAutoFit/>
+          </a:bodyPr>
+          <a:lstStyle/>
+          <a:p>
+            <a:r>
+              <a:rPr kumimoji="1" lang="ja-JP" altLang="en-US" sz="4000" dirty="0"/>
+              <a:t>プッシュ</a:t>
+            </a:r>
+          </a:p>
+        </p:txBody>
+      </p:sp>
+      <p:sp>
+        <p:nvSpPr>
+          <p:cNvPr id="9" name="テキスト ボックス 8">
+            <a:extLst>
+              <a:ext uri="{FF2B5EF4-FFF2-40B4-BE49-F238E27FC236}">
+                <a16:creationId xmlns:a16="http://schemas.microsoft.com/office/drawing/2014/main" id="{F50CF7C2-B47F-C280-4DBC-E542359807C5}"/>
+              </a:ext>
+            </a:extLst>
+          </p:cNvPr>
+          <p:cNvSpPr txBox="1"/>
+          <p:nvPr/>
+        </p:nvSpPr>
+        <p:spPr>
+          <a:xfrm>
+            <a:off x="996048" y="856585"/>
+            <a:ext cx="6019349" cy="400110"/>
+          </a:xfrm>
+          <a:prstGeom prst="rect">
+            <a:avLst/>
+          </a:prstGeom>
+          <a:noFill/>
+        </p:spPr>
+        <p:txBody>
+          <a:bodyPr wrap="square" rtlCol="0">
+            <a:spAutoFit/>
+          </a:bodyPr>
+          <a:lstStyle/>
+          <a:p>
+            <a:r>
+              <a:rPr kumimoji="1" lang="ja-JP" altLang="en-US" sz="2000" dirty="0"/>
+              <a:t>・コミット後に</a:t>
+            </a:r>
+            <a:r>
+              <a:rPr kumimoji="1" lang="en-US" altLang="ja-JP" sz="2000" dirty="0"/>
+              <a:t>[Publish repository]</a:t>
+            </a:r>
+            <a:r>
+              <a:rPr kumimoji="1" lang="ja-JP" altLang="en-US" sz="2000" dirty="0"/>
+              <a:t>をクリック</a:t>
+            </a:r>
+          </a:p>
+        </p:txBody>
+      </p:sp>
+      <p:sp>
+        <p:nvSpPr>
+          <p:cNvPr id="4" name="正方形/長方形 3">
+            <a:extLst>
+              <a:ext uri="{FF2B5EF4-FFF2-40B4-BE49-F238E27FC236}">
+                <a16:creationId xmlns:a16="http://schemas.microsoft.com/office/drawing/2014/main" id="{B4D2044F-2503-0A15-1619-FD9F37943C1C}"/>
+              </a:ext>
+            </a:extLst>
+          </p:cNvPr>
+          <p:cNvSpPr/>
+          <p:nvPr/>
+        </p:nvSpPr>
+        <p:spPr>
+          <a:xfrm>
+            <a:off x="5006578" y="1893939"/>
+            <a:ext cx="2178843" cy="520467"/>
+          </a:xfrm>
+          <a:prstGeom prst="rect">
+            <a:avLst/>
+          </a:prstGeom>
+          <a:noFill/>
+          <a:ln w="76200">
+            <a:solidFill>
+              <a:srgbClr val="FF0000"/>
+            </a:solidFill>
+          </a:ln>
+        </p:spPr>
+        <p:style>
+          <a:lnRef idx="2">
+            <a:schemeClr val="accent1">
+              <a:shade val="50000"/>
+            </a:schemeClr>
+          </a:lnRef>
+          <a:fillRef idx="1">
+            <a:schemeClr val="accent1"/>
+          </a:fillRef>
+          <a:effectRef idx="0">
+            <a:schemeClr val="accent1"/>
+          </a:effectRef>
+          <a:fontRef idx="minor">
+            <a:schemeClr val="lt1"/>
+          </a:fontRef>
+        </p:style>
+        <p:txBody>
+          <a:bodyPr rtlCol="0" anchor="ctr"/>
+          <a:lstStyle/>
+          <a:p>
+            <a:pPr algn="ctr"/>
+            <a:endParaRPr kumimoji="1" lang="ja-JP" altLang="en-US"/>
+          </a:p>
+        </p:txBody>
+      </p:sp>
+      <p:sp>
+        <p:nvSpPr>
+          <p:cNvPr id="6" name="タイトル 1">
+            <a:extLst>
+              <a:ext uri="{FF2B5EF4-FFF2-40B4-BE49-F238E27FC236}">
+                <a16:creationId xmlns:a16="http://schemas.microsoft.com/office/drawing/2014/main" id="{8DD45417-6E5C-7CF1-5CFF-2CDE2C2D1032}"/>
+              </a:ext>
+            </a:extLst>
+          </p:cNvPr>
+          <p:cNvSpPr txBox="1">
+            <a:spLocks/>
+          </p:cNvSpPr>
+          <p:nvPr/>
+        </p:nvSpPr>
+        <p:spPr>
+          <a:xfrm>
+            <a:off x="7185421" y="1893939"/>
+            <a:ext cx="3260361" cy="520467"/>
+          </a:xfrm>
+          <a:prstGeom prst="rect">
+            <a:avLst/>
+          </a:prstGeom>
+        </p:spPr>
+        <p:txBody>
+          <a:bodyPr vert="horz" lIns="91440" tIns="45720" rIns="91440" bIns="45720" rtlCol="0" anchor="t">
+            <a:normAutofit fontScale="85000" lnSpcReduction="10000"/>
+          </a:bodyPr>
+          <a:lstStyle>
+            <a:lvl1pPr algn="l" defTabSz="914400" rtl="0" eaLnBrk="1" latinLnBrk="0" hangingPunct="1">
+              <a:lnSpc>
+                <a:spcPct val="90000"/>
+              </a:lnSpc>
+              <a:spcBef>
+                <a:spcPct val="0"/>
+              </a:spcBef>
+              <a:buNone/>
+              <a:defRPr kumimoji="1" sz="5100" kern="1200" cap="all" spc="200" baseline="0">
+                <a:solidFill>
+                  <a:schemeClr val="tx2"/>
+                </a:solidFill>
+                <a:latin typeface="+mj-lt"/>
+                <a:ea typeface="+mj-ea"/>
+                <a:cs typeface="+mj-cs"/>
+              </a:defRPr>
+            </a:lvl1pPr>
+          </a:lstStyle>
+          <a:p>
+            <a:r>
+              <a:rPr lang="ja-JP" altLang="en-US" sz="3600" b="1" dirty="0">
+                <a:solidFill>
+                  <a:srgbClr val="FF0000"/>
+                </a:solidFill>
+              </a:rPr>
+              <a:t>ここをクリック</a:t>
+            </a:r>
+          </a:p>
+        </p:txBody>
+      </p:sp>
+      <p:sp>
+        <p:nvSpPr>
+          <p:cNvPr id="11" name="テキスト ボックス 10">
+            <a:extLst>
+              <a:ext uri="{FF2B5EF4-FFF2-40B4-BE49-F238E27FC236}">
+                <a16:creationId xmlns:a16="http://schemas.microsoft.com/office/drawing/2014/main" id="{908F5488-4ECA-7B75-1D57-62CAAFCC5949}"/>
+              </a:ext>
+            </a:extLst>
+          </p:cNvPr>
+          <p:cNvSpPr txBox="1"/>
+          <p:nvPr/>
+        </p:nvSpPr>
+        <p:spPr>
+          <a:xfrm>
+            <a:off x="996048" y="1292985"/>
+            <a:ext cx="6019349" cy="400110"/>
+          </a:xfrm>
+          <a:prstGeom prst="rect">
+            <a:avLst/>
+          </a:prstGeom>
+          <a:noFill/>
+        </p:spPr>
+        <p:txBody>
+          <a:bodyPr wrap="square" rtlCol="0">
+            <a:spAutoFit/>
+          </a:bodyPr>
+          <a:lstStyle/>
+          <a:p>
+            <a:r>
+              <a:rPr kumimoji="1" lang="ja-JP" altLang="en-US" sz="2000" dirty="0"/>
+              <a:t>・これでプッシュ完了！</a:t>
+            </a:r>
+          </a:p>
+        </p:txBody>
+      </p:sp>
+    </p:spTree>
+    <p:extLst>
+      <p:ext uri="{BB962C8B-B14F-4D97-AF65-F5344CB8AC3E}">
+        <p14:creationId xmlns:p14="http://schemas.microsoft.com/office/powerpoint/2010/main" val="753426824"/>
+      </p:ext>
+    </p:extLst>
+  </p:cSld>
+  <p:clrMapOvr>
+    <a:masterClrMapping/>
+  </p:clrMapOvr>
+</p:sld>
+</file>
+
+<file path=ppt/slides/slide27.xml><?xml version="1.0" encoding="utf-8"?>
+<p:sld xmlns:a="http://schemas.openxmlformats.org/drawingml/2006/main" xmlns:r="http://schemas.openxmlformats.org/officeDocument/2006/relationships" xmlns:p="http://schemas.openxmlformats.org/presentationml/2006/main">
+  <p:cSld>
+    <p:spTree>
+      <p:nvGrpSpPr>
+        <p:cNvPr id="1" name=""/>
+        <p:cNvGrpSpPr/>
+        <p:nvPr/>
+      </p:nvGrpSpPr>
+      <p:grpSpPr>
+        <a:xfrm>
+          <a:off x="0" y="0"/>
+          <a:ext cx="0" cy="0"/>
+          <a:chOff x="0" y="0"/>
+          <a:chExt cx="0" cy="0"/>
+        </a:xfrm>
+      </p:grpSpPr>
+      <p:sp>
+        <p:nvSpPr>
+          <p:cNvPr id="4" name="テキスト ボックス 3">
+            <a:extLst>
+              <a:ext uri="{FF2B5EF4-FFF2-40B4-BE49-F238E27FC236}">
+                <a16:creationId xmlns:a16="http://schemas.microsoft.com/office/drawing/2014/main" id="{56DEFB88-03F7-1F64-2CF8-BD15AAA14A46}"/>
+              </a:ext>
+            </a:extLst>
+          </p:cNvPr>
+          <p:cNvSpPr txBox="1"/>
+          <p:nvPr/>
+        </p:nvSpPr>
+        <p:spPr>
+          <a:xfrm>
+            <a:off x="996048" y="126690"/>
+            <a:ext cx="4288353" cy="707886"/>
+          </a:xfrm>
+          <a:prstGeom prst="rect">
+            <a:avLst/>
+          </a:prstGeom>
+          <a:noFill/>
+        </p:spPr>
+        <p:txBody>
+          <a:bodyPr wrap="none" rtlCol="0">
+            <a:spAutoFit/>
+          </a:bodyPr>
+          <a:lstStyle/>
+          <a:p>
+            <a:r>
+              <a:rPr kumimoji="1" lang="ja-JP" altLang="en-US" sz="4000" dirty="0"/>
+              <a:t>共同作業するには</a:t>
+            </a:r>
+          </a:p>
+        </p:txBody>
+      </p:sp>
+      <p:sp>
+        <p:nvSpPr>
+          <p:cNvPr id="3" name="テキスト ボックス 2">
+            <a:extLst>
+              <a:ext uri="{FF2B5EF4-FFF2-40B4-BE49-F238E27FC236}">
+                <a16:creationId xmlns:a16="http://schemas.microsoft.com/office/drawing/2014/main" id="{9A1BF32B-DDE9-E6F2-5C3D-3308CD88EB54}"/>
+              </a:ext>
+            </a:extLst>
+          </p:cNvPr>
+          <p:cNvSpPr txBox="1"/>
+          <p:nvPr/>
+        </p:nvSpPr>
+        <p:spPr>
+          <a:xfrm>
+            <a:off x="996048" y="856585"/>
+            <a:ext cx="6019349" cy="400110"/>
+          </a:xfrm>
+          <a:prstGeom prst="rect">
+            <a:avLst/>
+          </a:prstGeom>
+          <a:noFill/>
+        </p:spPr>
+        <p:txBody>
+          <a:bodyPr wrap="square" rtlCol="0">
+            <a:spAutoFit/>
+          </a:bodyPr>
+          <a:lstStyle/>
+          <a:p>
+            <a:r>
+              <a:rPr kumimoji="1" lang="ja-JP" altLang="en-US" sz="2000" dirty="0"/>
+              <a:t>・</a:t>
+            </a:r>
+            <a:r>
+              <a:rPr kumimoji="1" lang="en-US" altLang="ja-JP" sz="2000" dirty="0"/>
+              <a:t>Git Hub</a:t>
+            </a:r>
+            <a:r>
+              <a:rPr kumimoji="1" lang="ja-JP" altLang="en-US" sz="2000" dirty="0"/>
+              <a:t>を開き赤枠をクリック</a:t>
+            </a:r>
+          </a:p>
+        </p:txBody>
+      </p:sp>
+      <p:pic>
+        <p:nvPicPr>
+          <p:cNvPr id="6" name="図 5" descr="グラフィカル ユーザー インターフェイス, テキスト, アプリケーション&#10;&#10;自動的に生成された説明">
+            <a:extLst>
+              <a:ext uri="{FF2B5EF4-FFF2-40B4-BE49-F238E27FC236}">
+                <a16:creationId xmlns:a16="http://schemas.microsoft.com/office/drawing/2014/main" id="{9E12248A-1C5E-5B76-C1BE-12949C6A243D}"/>
+              </a:ext>
+            </a:extLst>
+          </p:cNvPr>
+          <p:cNvPicPr>
+            <a:picLocks noChangeAspect="1"/>
+          </p:cNvPicPr>
+          <p:nvPr/>
+        </p:nvPicPr>
+        <p:blipFill>
+          <a:blip r:embed="rId2">
+            <a:extLst>
+              <a:ext uri="{28A0092B-C50C-407E-A947-70E740481C1C}">
+                <a14:useLocalDpi xmlns:a14="http://schemas.microsoft.com/office/drawing/2010/main" val="0"/>
+              </a:ext>
+            </a:extLst>
+          </a:blip>
+          <a:stretch>
+            <a:fillRect/>
+          </a:stretch>
+        </p:blipFill>
+        <p:spPr>
+          <a:xfrm>
+            <a:off x="996048" y="2239033"/>
+            <a:ext cx="4547674" cy="2548944"/>
+          </a:xfrm>
+          <a:prstGeom prst="rect">
+            <a:avLst/>
+          </a:prstGeom>
+          <a:solidFill>
+            <a:srgbClr val="FFFFFF">
+              <a:shade val="85000"/>
+            </a:srgbClr>
+          </a:solidFill>
+          <a:ln w="88900" cap="sq">
+            <a:solidFill>
+              <a:srgbClr val="FFFFFF"/>
+            </a:solidFill>
+            <a:miter lim="800000"/>
+          </a:ln>
+          <a:effectLst>
+            <a:outerShdw blurRad="55000" dist="18000" dir="5400000" algn="tl" rotWithShape="0">
+              <a:srgbClr val="000000">
+                <a:alpha val="40000"/>
+              </a:srgbClr>
+            </a:outerShdw>
+          </a:effectLst>
+          <a:scene3d>
+            <a:camera prst="orthographicFront"/>
+            <a:lightRig rig="twoPt" dir="t">
+              <a:rot lat="0" lon="0" rev="7200000"/>
+            </a:lightRig>
+          </a:scene3d>
+          <a:sp3d>
+            <a:bevelT w="25400" h="19050"/>
+            <a:contourClr>
+              <a:srgbClr val="FFFFFF"/>
+            </a:contourClr>
+          </a:sp3d>
+        </p:spPr>
+      </p:pic>
+      <p:pic>
+        <p:nvPicPr>
+          <p:cNvPr id="9" name="図 8" descr="グラフィカル ユーザー インターフェイス, アプリケーション&#10;&#10;自動的に生成された説明">
+            <a:extLst>
+              <a:ext uri="{FF2B5EF4-FFF2-40B4-BE49-F238E27FC236}">
+                <a16:creationId xmlns:a16="http://schemas.microsoft.com/office/drawing/2014/main" id="{B95523F1-281D-1A7B-788B-F30E0A0A1620}"/>
+              </a:ext>
+            </a:extLst>
+          </p:cNvPr>
+          <p:cNvPicPr>
+            <a:picLocks noChangeAspect="1"/>
+          </p:cNvPicPr>
+          <p:nvPr/>
+        </p:nvPicPr>
+        <p:blipFill>
+          <a:blip r:embed="rId3">
+            <a:extLst>
+              <a:ext uri="{28A0092B-C50C-407E-A947-70E740481C1C}">
+                <a14:useLocalDpi xmlns:a14="http://schemas.microsoft.com/office/drawing/2010/main" val="0"/>
+              </a:ext>
+            </a:extLst>
+          </a:blip>
+          <a:stretch>
+            <a:fillRect/>
+          </a:stretch>
+        </p:blipFill>
+        <p:spPr>
+          <a:xfrm>
+            <a:off x="7384793" y="2239033"/>
+            <a:ext cx="4431885" cy="4240071"/>
+          </a:xfrm>
+          <a:prstGeom prst="rect">
+            <a:avLst/>
+          </a:prstGeom>
+          <a:solidFill>
+            <a:srgbClr val="FFFFFF">
+              <a:shade val="85000"/>
+            </a:srgbClr>
+          </a:solidFill>
+          <a:ln w="88900" cap="sq">
+            <a:solidFill>
+              <a:srgbClr val="FFFFFF"/>
+            </a:solidFill>
+            <a:miter lim="800000"/>
+          </a:ln>
+          <a:effectLst>
+            <a:outerShdw blurRad="55000" dist="18000" dir="5400000" algn="tl" rotWithShape="0">
+              <a:srgbClr val="000000">
+                <a:alpha val="40000"/>
+              </a:srgbClr>
+            </a:outerShdw>
+          </a:effectLst>
+          <a:scene3d>
+            <a:camera prst="orthographicFront"/>
+            <a:lightRig rig="twoPt" dir="t">
+              <a:rot lat="0" lon="0" rev="7200000"/>
+            </a:lightRig>
+          </a:scene3d>
+          <a:sp3d>
+            <a:bevelT w="25400" h="19050"/>
+            <a:contourClr>
+              <a:srgbClr val="FFFFFF"/>
+            </a:contourClr>
+          </a:sp3d>
+        </p:spPr>
+      </p:pic>
+      <p:sp>
+        <p:nvSpPr>
+          <p:cNvPr id="10" name="正方形/長方形 9">
+            <a:extLst>
+              <a:ext uri="{FF2B5EF4-FFF2-40B4-BE49-F238E27FC236}">
+                <a16:creationId xmlns:a16="http://schemas.microsoft.com/office/drawing/2014/main" id="{785C40CF-03F4-3B78-43D3-1A8E7FF852E7}"/>
+              </a:ext>
+            </a:extLst>
+          </p:cNvPr>
+          <p:cNvSpPr/>
+          <p:nvPr/>
+        </p:nvSpPr>
+        <p:spPr>
+          <a:xfrm>
+            <a:off x="996049" y="2239033"/>
+            <a:ext cx="622890" cy="519157"/>
+          </a:xfrm>
+          <a:prstGeom prst="rect">
+            <a:avLst/>
+          </a:prstGeom>
+          <a:noFill/>
+          <a:ln w="76200">
+            <a:solidFill>
+              <a:srgbClr val="FF0000"/>
+            </a:solidFill>
+          </a:ln>
+        </p:spPr>
+        <p:style>
+          <a:lnRef idx="2">
+            <a:schemeClr val="accent1">
+              <a:shade val="50000"/>
+            </a:schemeClr>
+          </a:lnRef>
+          <a:fillRef idx="1">
+            <a:schemeClr val="accent1"/>
+          </a:fillRef>
+          <a:effectRef idx="0">
+            <a:schemeClr val="accent1"/>
+          </a:effectRef>
+          <a:fontRef idx="minor">
+            <a:schemeClr val="lt1"/>
+          </a:fontRef>
+        </p:style>
+        <p:txBody>
+          <a:bodyPr rtlCol="0" anchor="ctr"/>
+          <a:lstStyle/>
+          <a:p>
+            <a:pPr algn="ctr"/>
+            <a:endParaRPr kumimoji="1" lang="ja-JP" altLang="en-US"/>
+          </a:p>
+        </p:txBody>
+      </p:sp>
+      <p:sp>
+        <p:nvSpPr>
+          <p:cNvPr id="11" name="タイトル 1">
+            <a:extLst>
+              <a:ext uri="{FF2B5EF4-FFF2-40B4-BE49-F238E27FC236}">
+                <a16:creationId xmlns:a16="http://schemas.microsoft.com/office/drawing/2014/main" id="{D1B824C3-8F76-95A1-9EF1-A72E01EE36D5}"/>
+              </a:ext>
+            </a:extLst>
+          </p:cNvPr>
+          <p:cNvSpPr txBox="1">
+            <a:spLocks/>
+          </p:cNvSpPr>
+          <p:nvPr/>
+        </p:nvSpPr>
+        <p:spPr>
+          <a:xfrm>
+            <a:off x="1618939" y="2088811"/>
+            <a:ext cx="3260361" cy="520467"/>
+          </a:xfrm>
+          <a:prstGeom prst="rect">
+            <a:avLst/>
+          </a:prstGeom>
+        </p:spPr>
+        <p:txBody>
+          <a:bodyPr vert="horz" lIns="91440" tIns="45720" rIns="91440" bIns="45720" rtlCol="0" anchor="t">
+            <a:normAutofit fontScale="85000" lnSpcReduction="10000"/>
+          </a:bodyPr>
+          <a:lstStyle>
+            <a:lvl1pPr algn="l" defTabSz="914400" rtl="0" eaLnBrk="1" latinLnBrk="0" hangingPunct="1">
+              <a:lnSpc>
+                <a:spcPct val="90000"/>
+              </a:lnSpc>
+              <a:spcBef>
+                <a:spcPct val="0"/>
+              </a:spcBef>
+              <a:buNone/>
+              <a:defRPr kumimoji="1" sz="5100" kern="1200" cap="all" spc="200" baseline="0">
+                <a:solidFill>
+                  <a:schemeClr val="tx2"/>
+                </a:solidFill>
+                <a:latin typeface="+mj-lt"/>
+                <a:ea typeface="+mj-ea"/>
+                <a:cs typeface="+mj-cs"/>
+              </a:defRPr>
+            </a:lvl1pPr>
+          </a:lstStyle>
+          <a:p>
+            <a:r>
+              <a:rPr lang="ja-JP" altLang="en-US" sz="3600" b="1" dirty="0">
+                <a:solidFill>
+                  <a:srgbClr val="FF0000"/>
+                </a:solidFill>
+              </a:rPr>
+              <a:t>ここをクリック</a:t>
+            </a:r>
+          </a:p>
+        </p:txBody>
+      </p:sp>
+      <p:sp>
+        <p:nvSpPr>
+          <p:cNvPr id="12" name="正方形/長方形 11">
+            <a:extLst>
+              <a:ext uri="{FF2B5EF4-FFF2-40B4-BE49-F238E27FC236}">
+                <a16:creationId xmlns:a16="http://schemas.microsoft.com/office/drawing/2014/main" id="{EA3DF2B4-D78F-9466-E39D-5C1CFF986DC2}"/>
+              </a:ext>
+            </a:extLst>
+          </p:cNvPr>
+          <p:cNvSpPr/>
+          <p:nvPr/>
+        </p:nvSpPr>
+        <p:spPr>
+          <a:xfrm>
+            <a:off x="7384792" y="4528398"/>
+            <a:ext cx="2478735" cy="1752481"/>
+          </a:xfrm>
+          <a:prstGeom prst="rect">
+            <a:avLst/>
+          </a:prstGeom>
+          <a:noFill/>
+          <a:ln w="76200">
+            <a:solidFill>
+              <a:srgbClr val="0070C0"/>
+            </a:solidFill>
+          </a:ln>
+        </p:spPr>
+        <p:style>
+          <a:lnRef idx="2">
+            <a:schemeClr val="accent1">
+              <a:shade val="50000"/>
+            </a:schemeClr>
+          </a:lnRef>
+          <a:fillRef idx="1">
+            <a:schemeClr val="accent1"/>
+          </a:fillRef>
+          <a:effectRef idx="0">
+            <a:schemeClr val="accent1"/>
+          </a:effectRef>
+          <a:fontRef idx="minor">
+            <a:schemeClr val="lt1"/>
+          </a:fontRef>
+        </p:style>
+        <p:txBody>
+          <a:bodyPr rtlCol="0" anchor="ctr"/>
+          <a:lstStyle/>
+          <a:p>
+            <a:pPr algn="ctr"/>
+            <a:endParaRPr kumimoji="1" lang="ja-JP" altLang="en-US"/>
+          </a:p>
+        </p:txBody>
+      </p:sp>
+      <p:cxnSp>
+        <p:nvCxnSpPr>
+          <p:cNvPr id="14" name="直線矢印コネクタ 13">
+            <a:extLst>
+              <a:ext uri="{FF2B5EF4-FFF2-40B4-BE49-F238E27FC236}">
+                <a16:creationId xmlns:a16="http://schemas.microsoft.com/office/drawing/2014/main" id="{DA53197C-B58A-35CF-78AD-7DF5C98D9718}"/>
+              </a:ext>
+            </a:extLst>
+          </p:cNvPr>
+          <p:cNvCxnSpPr>
+            <a:cxnSpLocks/>
+          </p:cNvCxnSpPr>
+          <p:nvPr/>
+        </p:nvCxnSpPr>
+        <p:spPr>
+          <a:xfrm>
+            <a:off x="5888496" y="3473970"/>
+            <a:ext cx="1126901" cy="0"/>
+          </a:xfrm>
+          <a:prstGeom prst="straightConnector1">
+            <a:avLst/>
+          </a:prstGeom>
+          <a:ln w="57150">
+            <a:solidFill>
+              <a:schemeClr val="tx1"/>
+            </a:solidFill>
+            <a:tailEnd type="triangle"/>
+          </a:ln>
+        </p:spPr>
+        <p:style>
+          <a:lnRef idx="1">
+            <a:schemeClr val="accent1"/>
+          </a:lnRef>
+          <a:fillRef idx="0">
+            <a:schemeClr val="accent1"/>
+          </a:fillRef>
+          <a:effectRef idx="0">
+            <a:schemeClr val="accent1"/>
+          </a:effectRef>
+          <a:fontRef idx="minor">
+            <a:schemeClr val="tx1"/>
+          </a:fontRef>
+        </p:style>
+      </p:cxnSp>
+      <p:sp>
+        <p:nvSpPr>
+          <p:cNvPr id="17" name="テキスト ボックス 16">
+            <a:extLst>
+              <a:ext uri="{FF2B5EF4-FFF2-40B4-BE49-F238E27FC236}">
+                <a16:creationId xmlns:a16="http://schemas.microsoft.com/office/drawing/2014/main" id="{A65E34BE-D45D-FBAB-531B-E4F98DA15436}"/>
+              </a:ext>
+            </a:extLst>
+          </p:cNvPr>
+          <p:cNvSpPr txBox="1"/>
+          <p:nvPr/>
+        </p:nvSpPr>
+        <p:spPr>
+          <a:xfrm>
+            <a:off x="996047" y="1278704"/>
+            <a:ext cx="6019349" cy="400110"/>
+          </a:xfrm>
+          <a:prstGeom prst="rect">
+            <a:avLst/>
+          </a:prstGeom>
+          <a:noFill/>
+        </p:spPr>
+        <p:txBody>
+          <a:bodyPr wrap="square" rtlCol="0">
+            <a:spAutoFit/>
+          </a:bodyPr>
+          <a:lstStyle/>
+          <a:p>
+            <a:r>
+              <a:rPr kumimoji="1" lang="ja-JP" altLang="en-US" sz="2000" dirty="0"/>
+              <a:t>・青枠の中にあるリポジトリをクリック</a:t>
+            </a:r>
+          </a:p>
+        </p:txBody>
+      </p:sp>
+    </p:spTree>
+    <p:extLst>
+      <p:ext uri="{BB962C8B-B14F-4D97-AF65-F5344CB8AC3E}">
+        <p14:creationId xmlns:p14="http://schemas.microsoft.com/office/powerpoint/2010/main" val="3625775451"/>
+      </p:ext>
+    </p:extLst>
+  </p:cSld>
+  <p:clrMapOvr>
+    <a:masterClrMapping/>
+  </p:clrMapOvr>
+</p:sld>
+</file>
+
+<file path=ppt/slides/slide28.xml><?xml version="1.0" encoding="utf-8"?>
+<p:sld xmlns:a="http://schemas.openxmlformats.org/drawingml/2006/main" xmlns:r="http://schemas.openxmlformats.org/officeDocument/2006/relationships" xmlns:p="http://schemas.openxmlformats.org/presentationml/2006/main">
+  <p:cSld>
+    <p:spTree>
+      <p:nvGrpSpPr>
+        <p:cNvPr id="1" name=""/>
+        <p:cNvGrpSpPr/>
+        <p:nvPr/>
+      </p:nvGrpSpPr>
+      <p:grpSpPr>
+        <a:xfrm>
+          <a:off x="0" y="0"/>
+          <a:ext cx="0" cy="0"/>
+          <a:chOff x="0" y="0"/>
+          <a:chExt cx="0" cy="0"/>
+        </a:xfrm>
+      </p:grpSpPr>
+      <p:pic>
+        <p:nvPicPr>
+          <p:cNvPr id="7" name="図 6" descr="グラフィカル ユーザー インターフェイス, テキスト, アプリケーション, メール&#10;&#10;自動的に生成された説明">
+            <a:extLst>
+              <a:ext uri="{FF2B5EF4-FFF2-40B4-BE49-F238E27FC236}">
+                <a16:creationId xmlns:a16="http://schemas.microsoft.com/office/drawing/2014/main" id="{5CE477A3-BA67-6FB0-3A4A-BE904A9CD9E9}"/>
+              </a:ext>
+            </a:extLst>
+          </p:cNvPr>
+          <p:cNvPicPr>
+            <a:picLocks noChangeAspect="1"/>
+          </p:cNvPicPr>
+          <p:nvPr/>
+        </p:nvPicPr>
+        <p:blipFill>
+          <a:blip r:embed="rId2">
+            <a:extLst>
+              <a:ext uri="{28A0092B-C50C-407E-A947-70E740481C1C}">
+                <a14:useLocalDpi xmlns:a14="http://schemas.microsoft.com/office/drawing/2010/main" val="0"/>
+              </a:ext>
+            </a:extLst>
+          </a:blip>
+          <a:stretch>
+            <a:fillRect/>
+          </a:stretch>
+        </p:blipFill>
+        <p:spPr>
+          <a:xfrm>
+            <a:off x="1097630" y="1311670"/>
+            <a:ext cx="10797460" cy="5110716"/>
+          </a:xfrm>
+          <a:prstGeom prst="rect">
+            <a:avLst/>
+          </a:prstGeom>
+        </p:spPr>
+      </p:pic>
+      <p:sp>
+        <p:nvSpPr>
+          <p:cNvPr id="9" name="テキスト ボックス 8">
+            <a:extLst>
+              <a:ext uri="{FF2B5EF4-FFF2-40B4-BE49-F238E27FC236}">
+                <a16:creationId xmlns:a16="http://schemas.microsoft.com/office/drawing/2014/main" id="{F50CF7C2-B47F-C280-4DBC-E542359807C5}"/>
+              </a:ext>
+            </a:extLst>
+          </p:cNvPr>
+          <p:cNvSpPr txBox="1"/>
+          <p:nvPr/>
+        </p:nvSpPr>
+        <p:spPr>
+          <a:xfrm>
+            <a:off x="996048" y="435614"/>
+            <a:ext cx="6019349" cy="400110"/>
+          </a:xfrm>
+          <a:prstGeom prst="rect">
+            <a:avLst/>
+          </a:prstGeom>
+          <a:noFill/>
+        </p:spPr>
+        <p:txBody>
+          <a:bodyPr wrap="square" rtlCol="0">
+            <a:spAutoFit/>
+          </a:bodyPr>
+          <a:lstStyle/>
+          <a:p>
+            <a:r>
+              <a:rPr kumimoji="1" lang="ja-JP" altLang="en-US" sz="2000" dirty="0"/>
+              <a:t>・赤枠の</a:t>
+            </a:r>
+            <a:r>
+              <a:rPr kumimoji="1" lang="en-US" altLang="ja-JP" sz="2000" dirty="0"/>
+              <a:t>[Settings]</a:t>
+            </a:r>
+            <a:r>
+              <a:rPr kumimoji="1" lang="ja-JP" altLang="en-US" sz="2000" dirty="0"/>
+              <a:t>をクリック</a:t>
+            </a:r>
+          </a:p>
+        </p:txBody>
+      </p:sp>
+      <p:sp>
+        <p:nvSpPr>
+          <p:cNvPr id="4" name="正方形/長方形 3">
+            <a:extLst>
+              <a:ext uri="{FF2B5EF4-FFF2-40B4-BE49-F238E27FC236}">
+                <a16:creationId xmlns:a16="http://schemas.microsoft.com/office/drawing/2014/main" id="{B4D2044F-2503-0A15-1619-FD9F37943C1C}"/>
+              </a:ext>
+            </a:extLst>
+          </p:cNvPr>
+          <p:cNvSpPr/>
+          <p:nvPr/>
+        </p:nvSpPr>
+        <p:spPr>
+          <a:xfrm>
+            <a:off x="10396811" y="1355567"/>
+            <a:ext cx="1295517" cy="520466"/>
+          </a:xfrm>
+          <a:prstGeom prst="rect">
+            <a:avLst/>
+          </a:prstGeom>
+          <a:noFill/>
+          <a:ln w="76200">
+            <a:solidFill>
+              <a:srgbClr val="FF0000"/>
+            </a:solidFill>
+          </a:ln>
+        </p:spPr>
+        <p:style>
+          <a:lnRef idx="2">
+            <a:schemeClr val="accent1">
+              <a:shade val="50000"/>
+            </a:schemeClr>
+          </a:lnRef>
+          <a:fillRef idx="1">
+            <a:schemeClr val="accent1"/>
+          </a:fillRef>
+          <a:effectRef idx="0">
+            <a:schemeClr val="accent1"/>
+          </a:effectRef>
+          <a:fontRef idx="minor">
+            <a:schemeClr val="lt1"/>
+          </a:fontRef>
+        </p:style>
+        <p:txBody>
+          <a:bodyPr rtlCol="0" anchor="ctr"/>
+          <a:lstStyle/>
+          <a:p>
+            <a:pPr algn="ctr"/>
+            <a:endParaRPr kumimoji="1" lang="ja-JP" altLang="en-US"/>
+          </a:p>
+        </p:txBody>
+      </p:sp>
+      <p:sp>
+        <p:nvSpPr>
+          <p:cNvPr id="6" name="タイトル 1">
+            <a:extLst>
+              <a:ext uri="{FF2B5EF4-FFF2-40B4-BE49-F238E27FC236}">
+                <a16:creationId xmlns:a16="http://schemas.microsoft.com/office/drawing/2014/main" id="{8DD45417-6E5C-7CF1-5CFF-2CDE2C2D1032}"/>
+              </a:ext>
+            </a:extLst>
+          </p:cNvPr>
+          <p:cNvSpPr txBox="1">
+            <a:spLocks/>
+          </p:cNvSpPr>
+          <p:nvPr/>
+        </p:nvSpPr>
+        <p:spPr>
+          <a:xfrm>
+            <a:off x="9069049" y="835100"/>
+            <a:ext cx="3260361" cy="520467"/>
+          </a:xfrm>
+          <a:prstGeom prst="rect">
+            <a:avLst/>
+          </a:prstGeom>
+        </p:spPr>
+        <p:txBody>
+          <a:bodyPr vert="horz" lIns="91440" tIns="45720" rIns="91440" bIns="45720" rtlCol="0" anchor="t">
+            <a:normAutofit fontScale="85000" lnSpcReduction="10000"/>
+          </a:bodyPr>
+          <a:lstStyle>
+            <a:lvl1pPr algn="l" defTabSz="914400" rtl="0" eaLnBrk="1" latinLnBrk="0" hangingPunct="1">
+              <a:lnSpc>
+                <a:spcPct val="90000"/>
+              </a:lnSpc>
+              <a:spcBef>
+                <a:spcPct val="0"/>
+              </a:spcBef>
+              <a:buNone/>
+              <a:defRPr kumimoji="1" sz="5100" kern="1200" cap="all" spc="200" baseline="0">
+                <a:solidFill>
+                  <a:schemeClr val="tx2"/>
+                </a:solidFill>
+                <a:latin typeface="+mj-lt"/>
+                <a:ea typeface="+mj-ea"/>
+                <a:cs typeface="+mj-cs"/>
+              </a:defRPr>
+            </a:lvl1pPr>
+          </a:lstStyle>
+          <a:p>
+            <a:r>
+              <a:rPr lang="ja-JP" altLang="en-US" sz="3600" b="1" dirty="0">
+                <a:solidFill>
+                  <a:srgbClr val="FF0000"/>
+                </a:solidFill>
+              </a:rPr>
+              <a:t>ここをクリック</a:t>
+            </a:r>
+          </a:p>
+        </p:txBody>
+      </p:sp>
+      <p:sp>
+        <p:nvSpPr>
+          <p:cNvPr id="11" name="テキスト ボックス 10">
+            <a:extLst>
+              <a:ext uri="{FF2B5EF4-FFF2-40B4-BE49-F238E27FC236}">
+                <a16:creationId xmlns:a16="http://schemas.microsoft.com/office/drawing/2014/main" id="{908F5488-4ECA-7B75-1D57-62CAAFCC5949}"/>
+              </a:ext>
+            </a:extLst>
+          </p:cNvPr>
+          <p:cNvSpPr txBox="1"/>
+          <p:nvPr/>
+        </p:nvSpPr>
+        <p:spPr>
+          <a:xfrm>
+            <a:off x="996048" y="873642"/>
+            <a:ext cx="7303274" cy="400110"/>
+          </a:xfrm>
+          <a:prstGeom prst="rect">
+            <a:avLst/>
+          </a:prstGeom>
+          <a:noFill/>
+        </p:spPr>
+        <p:txBody>
+          <a:bodyPr wrap="square" rtlCol="0">
+            <a:spAutoFit/>
+          </a:bodyPr>
+          <a:lstStyle/>
+          <a:p>
+            <a:r>
+              <a:rPr kumimoji="1" lang="ja-JP" altLang="en-US" sz="2000" dirty="0"/>
+              <a:t>・</a:t>
+            </a:r>
+            <a:r>
+              <a:rPr kumimoji="1" lang="en-US" altLang="ja-JP" sz="2000" dirty="0"/>
+              <a:t>[Settings]</a:t>
+            </a:r>
+            <a:r>
+              <a:rPr kumimoji="1" lang="ja-JP" altLang="en-US" sz="2000" dirty="0"/>
+              <a:t>クリック後、青枠の</a:t>
+            </a:r>
+            <a:r>
+              <a:rPr kumimoji="1" lang="en-US" altLang="ja-JP" sz="2000" dirty="0"/>
+              <a:t>[Collaborators]</a:t>
+            </a:r>
+            <a:r>
+              <a:rPr kumimoji="1" lang="ja-JP" altLang="en-US" sz="2000" dirty="0"/>
+              <a:t>をクリック</a:t>
+            </a:r>
+          </a:p>
+        </p:txBody>
+      </p:sp>
+      <p:sp>
+        <p:nvSpPr>
+          <p:cNvPr id="12" name="正方形/長方形 11">
+            <a:extLst>
+              <a:ext uri="{FF2B5EF4-FFF2-40B4-BE49-F238E27FC236}">
+                <a16:creationId xmlns:a16="http://schemas.microsoft.com/office/drawing/2014/main" id="{09ACDD19-14AD-6C02-EF2A-32789BB1F829}"/>
+              </a:ext>
+            </a:extLst>
+          </p:cNvPr>
+          <p:cNvSpPr/>
+          <p:nvPr/>
+        </p:nvSpPr>
+        <p:spPr>
+          <a:xfrm>
+            <a:off x="1334125" y="3028013"/>
+            <a:ext cx="1723868" cy="520467"/>
+          </a:xfrm>
+          <a:prstGeom prst="rect">
+            <a:avLst/>
+          </a:prstGeom>
+          <a:noFill/>
+          <a:ln w="76200">
+            <a:solidFill>
+              <a:srgbClr val="0070C0"/>
+            </a:solidFill>
+          </a:ln>
+        </p:spPr>
+        <p:style>
+          <a:lnRef idx="2">
+            <a:schemeClr val="accent1">
+              <a:shade val="50000"/>
+            </a:schemeClr>
+          </a:lnRef>
+          <a:fillRef idx="1">
+            <a:schemeClr val="accent1"/>
+          </a:fillRef>
+          <a:effectRef idx="0">
+            <a:schemeClr val="accent1"/>
+          </a:effectRef>
+          <a:fontRef idx="minor">
+            <a:schemeClr val="lt1"/>
+          </a:fontRef>
+        </p:style>
+        <p:txBody>
+          <a:bodyPr rtlCol="0" anchor="ctr"/>
+          <a:lstStyle/>
+          <a:p>
+            <a:pPr algn="ctr"/>
+            <a:endParaRPr kumimoji="1" lang="ja-JP" altLang="en-US"/>
+          </a:p>
+        </p:txBody>
+      </p:sp>
+      <p:sp>
+        <p:nvSpPr>
+          <p:cNvPr id="13" name="タイトル 1">
+            <a:extLst>
+              <a:ext uri="{FF2B5EF4-FFF2-40B4-BE49-F238E27FC236}">
+                <a16:creationId xmlns:a16="http://schemas.microsoft.com/office/drawing/2014/main" id="{A8BC9D21-8267-D67C-056E-AE961D5FA41C}"/>
+              </a:ext>
+            </a:extLst>
+          </p:cNvPr>
+          <p:cNvSpPr txBox="1">
+            <a:spLocks/>
+          </p:cNvSpPr>
+          <p:nvPr/>
+        </p:nvSpPr>
+        <p:spPr>
+          <a:xfrm>
+            <a:off x="3017504" y="2908533"/>
+            <a:ext cx="3260361" cy="520467"/>
+          </a:xfrm>
+          <a:prstGeom prst="rect">
+            <a:avLst/>
+          </a:prstGeom>
+        </p:spPr>
+        <p:txBody>
+          <a:bodyPr vert="horz" lIns="91440" tIns="45720" rIns="91440" bIns="45720" rtlCol="0" anchor="t">
+            <a:normAutofit fontScale="85000" lnSpcReduction="10000"/>
+          </a:bodyPr>
+          <a:lstStyle>
+            <a:lvl1pPr algn="l" defTabSz="914400" rtl="0" eaLnBrk="1" latinLnBrk="0" hangingPunct="1">
+              <a:lnSpc>
+                <a:spcPct val="90000"/>
+              </a:lnSpc>
+              <a:spcBef>
+                <a:spcPct val="0"/>
+              </a:spcBef>
+              <a:buNone/>
+              <a:defRPr kumimoji="1" sz="5100" kern="1200" cap="all" spc="200" baseline="0">
+                <a:solidFill>
+                  <a:schemeClr val="tx2"/>
+                </a:solidFill>
+                <a:latin typeface="+mj-lt"/>
+                <a:ea typeface="+mj-ea"/>
+                <a:cs typeface="+mj-cs"/>
+              </a:defRPr>
+            </a:lvl1pPr>
+          </a:lstStyle>
+          <a:p>
+            <a:r>
+              <a:rPr lang="ja-JP" altLang="en-US" sz="3600" b="1" dirty="0">
+                <a:solidFill>
+                  <a:srgbClr val="0070C0"/>
+                </a:solidFill>
+              </a:rPr>
+              <a:t>ここをクリック</a:t>
+            </a:r>
+          </a:p>
+        </p:txBody>
+      </p:sp>
+    </p:spTree>
+    <p:extLst>
+      <p:ext uri="{BB962C8B-B14F-4D97-AF65-F5344CB8AC3E}">
+        <p14:creationId xmlns:p14="http://schemas.microsoft.com/office/powerpoint/2010/main" val="1150307902"/>
+      </p:ext>
+    </p:extLst>
+  </p:cSld>
+  <p:clrMapOvr>
+    <a:masterClrMapping/>
+  </p:clrMapOvr>
+</p:sld>
+</file>
+
+<file path=ppt/slides/slide29.xml><?xml version="1.0" encoding="utf-8"?>
+<p:sld xmlns:a="http://schemas.openxmlformats.org/drawingml/2006/main" xmlns:r="http://schemas.openxmlformats.org/officeDocument/2006/relationships" xmlns:p="http://schemas.openxmlformats.org/presentationml/2006/main">
+  <p:cSld>
+    <p:spTree>
+      <p:nvGrpSpPr>
+        <p:cNvPr id="1" name=""/>
+        <p:cNvGrpSpPr/>
+        <p:nvPr/>
+      </p:nvGrpSpPr>
+      <p:grpSpPr>
+        <a:xfrm>
+          <a:off x="0" y="0"/>
+          <a:ext cx="0" cy="0"/>
+          <a:chOff x="0" y="0"/>
+          <a:chExt cx="0" cy="0"/>
+        </a:xfrm>
+      </p:grpSpPr>
+      <p:pic>
+        <p:nvPicPr>
+          <p:cNvPr id="3" name="図 2" descr="グラフィカル ユーザー インターフェイス, テキスト, アプリケーション, メール&#10;&#10;自動的に生成された説明">
+            <a:extLst>
+              <a:ext uri="{FF2B5EF4-FFF2-40B4-BE49-F238E27FC236}">
+                <a16:creationId xmlns:a16="http://schemas.microsoft.com/office/drawing/2014/main" id="{B32BA95E-5D72-E24F-B2F7-53BE90395A66}"/>
+              </a:ext>
+            </a:extLst>
+          </p:cNvPr>
+          <p:cNvPicPr>
+            <a:picLocks noChangeAspect="1"/>
+          </p:cNvPicPr>
+          <p:nvPr/>
+        </p:nvPicPr>
+        <p:blipFill>
+          <a:blip r:embed="rId2">
+            <a:extLst>
+              <a:ext uri="{28A0092B-C50C-407E-A947-70E740481C1C}">
+                <a14:useLocalDpi xmlns:a14="http://schemas.microsoft.com/office/drawing/2010/main" val="0"/>
+              </a:ext>
+            </a:extLst>
+          </a:blip>
+          <a:stretch>
+            <a:fillRect/>
+          </a:stretch>
+        </p:blipFill>
+        <p:spPr>
+          <a:xfrm>
+            <a:off x="1141013" y="1073697"/>
+            <a:ext cx="9211961" cy="5630061"/>
+          </a:xfrm>
+          <a:prstGeom prst="rect">
+            <a:avLst/>
+          </a:prstGeom>
+          <a:solidFill>
+            <a:srgbClr val="FFFFFF">
+              <a:shade val="85000"/>
+            </a:srgbClr>
+          </a:solidFill>
+          <a:ln w="88900" cap="sq">
+            <a:solidFill>
+              <a:srgbClr val="FFFFFF"/>
+            </a:solidFill>
+            <a:miter lim="800000"/>
+          </a:ln>
+          <a:effectLst>
+            <a:outerShdw blurRad="55000" dist="18000" dir="5400000" algn="tl" rotWithShape="0">
+              <a:srgbClr val="000000">
+                <a:alpha val="40000"/>
+              </a:srgbClr>
+            </a:outerShdw>
+          </a:effectLst>
+          <a:scene3d>
+            <a:camera prst="orthographicFront"/>
+            <a:lightRig rig="twoPt" dir="t">
+              <a:rot lat="0" lon="0" rev="7200000"/>
+            </a:lightRig>
+          </a:scene3d>
+          <a:sp3d>
+            <a:bevelT w="25400" h="19050"/>
+            <a:contourClr>
+              <a:srgbClr val="FFFFFF"/>
+            </a:contourClr>
+          </a:sp3d>
+        </p:spPr>
+      </p:pic>
+      <p:sp>
+        <p:nvSpPr>
+          <p:cNvPr id="9" name="テキスト ボックス 8">
+            <a:extLst>
+              <a:ext uri="{FF2B5EF4-FFF2-40B4-BE49-F238E27FC236}">
+                <a16:creationId xmlns:a16="http://schemas.microsoft.com/office/drawing/2014/main" id="{F50CF7C2-B47F-C280-4DBC-E542359807C5}"/>
+              </a:ext>
+            </a:extLst>
+          </p:cNvPr>
+          <p:cNvSpPr txBox="1"/>
+          <p:nvPr/>
+        </p:nvSpPr>
+        <p:spPr>
+          <a:xfrm>
+            <a:off x="996048" y="435614"/>
+            <a:ext cx="6019349" cy="400110"/>
+          </a:xfrm>
+          <a:prstGeom prst="rect">
+            <a:avLst/>
+          </a:prstGeom>
+          <a:noFill/>
+        </p:spPr>
+        <p:txBody>
+          <a:bodyPr wrap="square" rtlCol="0">
+            <a:spAutoFit/>
+          </a:bodyPr>
+          <a:lstStyle/>
+          <a:p>
+            <a:r>
+              <a:rPr kumimoji="1" lang="ja-JP" altLang="en-US" sz="2000" dirty="0"/>
+              <a:t>・</a:t>
+            </a:r>
+            <a:r>
+              <a:rPr kumimoji="1" lang="en-US" altLang="ja-JP" sz="2000" dirty="0"/>
+              <a:t>[Add</a:t>
+            </a:r>
+            <a:r>
+              <a:rPr kumimoji="1" lang="ja-JP" altLang="en-US" sz="2000" dirty="0"/>
+              <a:t> </a:t>
+            </a:r>
+            <a:r>
+              <a:rPr kumimoji="1" lang="en-US" altLang="ja-JP" sz="2000" dirty="0"/>
+              <a:t>people]</a:t>
+            </a:r>
+            <a:r>
+              <a:rPr kumimoji="1" lang="ja-JP" altLang="en-US" sz="2000" dirty="0"/>
+              <a:t>をクリック</a:t>
+            </a:r>
+          </a:p>
+        </p:txBody>
+      </p:sp>
+      <p:sp>
+        <p:nvSpPr>
+          <p:cNvPr id="4" name="正方形/長方形 3">
+            <a:extLst>
+              <a:ext uri="{FF2B5EF4-FFF2-40B4-BE49-F238E27FC236}">
+                <a16:creationId xmlns:a16="http://schemas.microsoft.com/office/drawing/2014/main" id="{B4D2044F-2503-0A15-1619-FD9F37943C1C}"/>
+              </a:ext>
+            </a:extLst>
+          </p:cNvPr>
+          <p:cNvSpPr/>
+          <p:nvPr/>
+        </p:nvSpPr>
+        <p:spPr>
+          <a:xfrm>
+            <a:off x="7473729" y="6029328"/>
+            <a:ext cx="1295517" cy="520466"/>
+          </a:xfrm>
+          <a:prstGeom prst="rect">
+            <a:avLst/>
+          </a:prstGeom>
+          <a:noFill/>
+          <a:ln w="76200">
+            <a:solidFill>
+              <a:srgbClr val="FF0000"/>
+            </a:solidFill>
+          </a:ln>
+        </p:spPr>
+        <p:style>
+          <a:lnRef idx="2">
+            <a:schemeClr val="accent1">
+              <a:shade val="50000"/>
+            </a:schemeClr>
+          </a:lnRef>
+          <a:fillRef idx="1">
+            <a:schemeClr val="accent1"/>
+          </a:fillRef>
+          <a:effectRef idx="0">
+            <a:schemeClr val="accent1"/>
+          </a:effectRef>
+          <a:fontRef idx="minor">
+            <a:schemeClr val="lt1"/>
+          </a:fontRef>
+        </p:style>
+        <p:txBody>
+          <a:bodyPr rtlCol="0" anchor="ctr"/>
+          <a:lstStyle/>
+          <a:p>
+            <a:pPr algn="ctr"/>
+            <a:endParaRPr kumimoji="1" lang="ja-JP" altLang="en-US"/>
+          </a:p>
+        </p:txBody>
+      </p:sp>
+      <p:sp>
+        <p:nvSpPr>
+          <p:cNvPr id="6" name="タイトル 1">
+            <a:extLst>
+              <a:ext uri="{FF2B5EF4-FFF2-40B4-BE49-F238E27FC236}">
+                <a16:creationId xmlns:a16="http://schemas.microsoft.com/office/drawing/2014/main" id="{8DD45417-6E5C-7CF1-5CFF-2CDE2C2D1032}"/>
+              </a:ext>
+            </a:extLst>
+          </p:cNvPr>
+          <p:cNvSpPr txBox="1">
+            <a:spLocks/>
+          </p:cNvSpPr>
+          <p:nvPr/>
+        </p:nvSpPr>
+        <p:spPr>
+          <a:xfrm>
+            <a:off x="8769246" y="6000040"/>
+            <a:ext cx="3260361" cy="520467"/>
+          </a:xfrm>
+          <a:prstGeom prst="rect">
+            <a:avLst/>
+          </a:prstGeom>
+        </p:spPr>
+        <p:txBody>
+          <a:bodyPr vert="horz" lIns="91440" tIns="45720" rIns="91440" bIns="45720" rtlCol="0" anchor="t">
+            <a:normAutofit fontScale="85000" lnSpcReduction="10000"/>
+          </a:bodyPr>
+          <a:lstStyle>
+            <a:lvl1pPr algn="l" defTabSz="914400" rtl="0" eaLnBrk="1" latinLnBrk="0" hangingPunct="1">
+              <a:lnSpc>
+                <a:spcPct val="90000"/>
+              </a:lnSpc>
+              <a:spcBef>
+                <a:spcPct val="0"/>
+              </a:spcBef>
+              <a:buNone/>
+              <a:defRPr kumimoji="1" sz="5100" kern="1200" cap="all" spc="200" baseline="0">
+                <a:solidFill>
+                  <a:schemeClr val="tx2"/>
+                </a:solidFill>
+                <a:latin typeface="+mj-lt"/>
+                <a:ea typeface="+mj-ea"/>
+                <a:cs typeface="+mj-cs"/>
+              </a:defRPr>
+            </a:lvl1pPr>
+          </a:lstStyle>
+          <a:p>
+            <a:r>
+              <a:rPr lang="ja-JP" altLang="en-US" sz="3600" b="1" dirty="0">
+                <a:solidFill>
+                  <a:srgbClr val="FF0000"/>
+                </a:solidFill>
+              </a:rPr>
+              <a:t>ここをクリック</a:t>
+            </a:r>
+          </a:p>
+        </p:txBody>
+      </p:sp>
+    </p:spTree>
+    <p:extLst>
+      <p:ext uri="{BB962C8B-B14F-4D97-AF65-F5344CB8AC3E}">
+        <p14:creationId xmlns:p14="http://schemas.microsoft.com/office/powerpoint/2010/main" val="2531609302"/>
+      </p:ext>
+    </p:extLst>
+  </p:cSld>
+  <p:clrMapOvr>
+    <a:masterClrMapping/>
+  </p:clrMapOvr>
+</p:sld>
+</file>
+
 <file path=ppt/slides/slide3.xml><?xml version="1.0" encoding="utf-8"?>
 <p:sld xmlns:a="http://schemas.openxmlformats.org/drawingml/2006/main" xmlns:r="http://schemas.openxmlformats.org/officeDocument/2006/relationships" xmlns:p="http://schemas.openxmlformats.org/presentationml/2006/main">
   <p:cSld>
@@ -9281,6 +14591,735 @@
     <p:extLst>
       <p:ext uri="{BB962C8B-B14F-4D97-AF65-F5344CB8AC3E}">
         <p14:creationId xmlns:p14="http://schemas.microsoft.com/office/powerpoint/2010/main" val="3690874564"/>
+      </p:ext>
+    </p:extLst>
+  </p:cSld>
+  <p:clrMapOvr>
+    <a:masterClrMapping/>
+  </p:clrMapOvr>
+</p:sld>
+</file>
+
+<file path=ppt/slides/slide30.xml><?xml version="1.0" encoding="utf-8"?>
+<p:sld xmlns:a="http://schemas.openxmlformats.org/drawingml/2006/main" xmlns:r="http://schemas.openxmlformats.org/officeDocument/2006/relationships" xmlns:p="http://schemas.openxmlformats.org/presentationml/2006/main">
+  <p:cSld>
+    <p:spTree>
+      <p:nvGrpSpPr>
+        <p:cNvPr id="1" name=""/>
+        <p:cNvGrpSpPr/>
+        <p:nvPr/>
+      </p:nvGrpSpPr>
+      <p:grpSpPr>
+        <a:xfrm>
+          <a:off x="0" y="0"/>
+          <a:ext cx="0" cy="0"/>
+          <a:chOff x="0" y="0"/>
+          <a:chExt cx="0" cy="0"/>
+        </a:xfrm>
+      </p:grpSpPr>
+      <p:pic>
+        <p:nvPicPr>
+          <p:cNvPr id="8" name="図 7" descr="グラフィカル ユーザー インターフェイス, テキスト, アプリケーション&#10;&#10;自動的に生成された説明">
+            <a:extLst>
+              <a:ext uri="{FF2B5EF4-FFF2-40B4-BE49-F238E27FC236}">
+                <a16:creationId xmlns:a16="http://schemas.microsoft.com/office/drawing/2014/main" id="{2185ACC2-A5D4-A8AF-517D-BA401C17184C}"/>
+              </a:ext>
+            </a:extLst>
+          </p:cNvPr>
+          <p:cNvPicPr>
+            <a:picLocks noChangeAspect="1"/>
+          </p:cNvPicPr>
+          <p:nvPr/>
+        </p:nvPicPr>
+        <p:blipFill rotWithShape="1">
+          <a:blip r:embed="rId2">
+            <a:extLst>
+              <a:ext uri="{28A0092B-C50C-407E-A947-70E740481C1C}">
+                <a14:useLocalDpi xmlns:a14="http://schemas.microsoft.com/office/drawing/2010/main" val="0"/>
+              </a:ext>
+            </a:extLst>
+          </a:blip>
+          <a:srcRect l="651" t="8114"/>
+          <a:stretch/>
+        </p:blipFill>
+        <p:spPr>
+          <a:xfrm>
+            <a:off x="342884" y="4456846"/>
+            <a:ext cx="5349239" cy="2158582"/>
+          </a:xfrm>
+          <a:prstGeom prst="rect">
+            <a:avLst/>
+          </a:prstGeom>
+          <a:solidFill>
+            <a:srgbClr val="FFFFFF">
+              <a:shade val="85000"/>
+            </a:srgbClr>
+          </a:solidFill>
+          <a:ln w="88900" cap="sq">
+            <a:solidFill>
+              <a:srgbClr val="FFFFFF"/>
+            </a:solidFill>
+            <a:miter lim="800000"/>
+          </a:ln>
+          <a:effectLst>
+            <a:outerShdw blurRad="55000" dist="18000" dir="5400000" algn="tl" rotWithShape="0">
+              <a:srgbClr val="000000">
+                <a:alpha val="40000"/>
+              </a:srgbClr>
+            </a:outerShdw>
+          </a:effectLst>
+          <a:scene3d>
+            <a:camera prst="orthographicFront"/>
+            <a:lightRig rig="twoPt" dir="t">
+              <a:rot lat="0" lon="0" rev="7200000"/>
+            </a:lightRig>
+          </a:scene3d>
+          <a:sp3d>
+            <a:bevelT w="25400" h="19050"/>
+            <a:contourClr>
+              <a:srgbClr val="FFFFFF"/>
+            </a:contourClr>
+          </a:sp3d>
+        </p:spPr>
+      </p:pic>
+      <p:pic>
+        <p:nvPicPr>
+          <p:cNvPr id="3" name="図 2" descr="グラフィカル ユーザー インターフェイス, アプリケーション&#10;&#10;自動的に生成された説明">
+            <a:extLst>
+              <a:ext uri="{FF2B5EF4-FFF2-40B4-BE49-F238E27FC236}">
+                <a16:creationId xmlns:a16="http://schemas.microsoft.com/office/drawing/2014/main" id="{866759A5-15BA-4DE8-D86B-C684009AB0B6}"/>
+              </a:ext>
+            </a:extLst>
+          </p:cNvPr>
+          <p:cNvPicPr>
+            <a:picLocks noChangeAspect="1"/>
+          </p:cNvPicPr>
+          <p:nvPr/>
+        </p:nvPicPr>
+        <p:blipFill rotWithShape="1">
+          <a:blip r:embed="rId3">
+            <a:extLst>
+              <a:ext uri="{28A0092B-C50C-407E-A947-70E740481C1C}">
+                <a14:useLocalDpi xmlns:a14="http://schemas.microsoft.com/office/drawing/2010/main" val="0"/>
+              </a:ext>
+            </a:extLst>
+          </a:blip>
+          <a:srcRect l="3978" t="7609" r="2352" b="5673"/>
+          <a:stretch/>
+        </p:blipFill>
+        <p:spPr>
+          <a:xfrm>
+            <a:off x="424205" y="587952"/>
+            <a:ext cx="5186596" cy="2263515"/>
+          </a:xfrm>
+          <a:prstGeom prst="rect">
+            <a:avLst/>
+          </a:prstGeom>
+          <a:solidFill>
+            <a:srgbClr val="FFFFFF">
+              <a:shade val="85000"/>
+            </a:srgbClr>
+          </a:solidFill>
+          <a:ln w="88900" cap="sq">
+            <a:solidFill>
+              <a:srgbClr val="FFFFFF"/>
+            </a:solidFill>
+            <a:miter lim="800000"/>
+          </a:ln>
+          <a:effectLst>
+            <a:outerShdw blurRad="55000" dist="18000" dir="5400000" algn="tl" rotWithShape="0">
+              <a:srgbClr val="000000">
+                <a:alpha val="40000"/>
+              </a:srgbClr>
+            </a:outerShdw>
+          </a:effectLst>
+          <a:scene3d>
+            <a:camera prst="orthographicFront"/>
+            <a:lightRig rig="twoPt" dir="t">
+              <a:rot lat="0" lon="0" rev="7200000"/>
+            </a:lightRig>
+          </a:scene3d>
+          <a:sp3d>
+            <a:bevelT w="25400" h="19050"/>
+            <a:contourClr>
+              <a:srgbClr val="FFFFFF"/>
+            </a:contourClr>
+          </a:sp3d>
+        </p:spPr>
+      </p:pic>
+      <p:sp>
+        <p:nvSpPr>
+          <p:cNvPr id="4" name="正方形/長方形 3">
+            <a:extLst>
+              <a:ext uri="{FF2B5EF4-FFF2-40B4-BE49-F238E27FC236}">
+                <a16:creationId xmlns:a16="http://schemas.microsoft.com/office/drawing/2014/main" id="{B4D2044F-2503-0A15-1619-FD9F37943C1C}"/>
+              </a:ext>
+            </a:extLst>
+          </p:cNvPr>
+          <p:cNvSpPr/>
+          <p:nvPr/>
+        </p:nvSpPr>
+        <p:spPr>
+          <a:xfrm>
+            <a:off x="348289" y="1499663"/>
+            <a:ext cx="5262512" cy="1138026"/>
+          </a:xfrm>
+          <a:prstGeom prst="rect">
+            <a:avLst/>
+          </a:prstGeom>
+          <a:noFill/>
+          <a:ln w="76200">
+            <a:solidFill>
+              <a:srgbClr val="FF0000"/>
+            </a:solidFill>
+          </a:ln>
+        </p:spPr>
+        <p:style>
+          <a:lnRef idx="2">
+            <a:schemeClr val="accent1">
+              <a:shade val="50000"/>
+            </a:schemeClr>
+          </a:lnRef>
+          <a:fillRef idx="1">
+            <a:schemeClr val="accent1"/>
+          </a:fillRef>
+          <a:effectRef idx="0">
+            <a:schemeClr val="accent1"/>
+          </a:effectRef>
+          <a:fontRef idx="minor">
+            <a:schemeClr val="lt1"/>
+          </a:fontRef>
+        </p:style>
+        <p:txBody>
+          <a:bodyPr rtlCol="0" anchor="ctr"/>
+          <a:lstStyle/>
+          <a:p>
+            <a:pPr algn="ctr"/>
+            <a:endParaRPr kumimoji="1" lang="ja-JP" altLang="en-US"/>
+          </a:p>
+        </p:txBody>
+      </p:sp>
+      <p:sp>
+        <p:nvSpPr>
+          <p:cNvPr id="11" name="テキスト ボックス 10">
+            <a:extLst>
+              <a:ext uri="{FF2B5EF4-FFF2-40B4-BE49-F238E27FC236}">
+                <a16:creationId xmlns:a16="http://schemas.microsoft.com/office/drawing/2014/main" id="{908F5488-4ECA-7B75-1D57-62CAAFCC5949}"/>
+              </a:ext>
+            </a:extLst>
+          </p:cNvPr>
+          <p:cNvSpPr txBox="1"/>
+          <p:nvPr/>
+        </p:nvSpPr>
+        <p:spPr>
+          <a:xfrm>
+            <a:off x="5852861" y="941895"/>
+            <a:ext cx="7303274" cy="400110"/>
+          </a:xfrm>
+          <a:prstGeom prst="rect">
+            <a:avLst/>
+          </a:prstGeom>
+          <a:noFill/>
+        </p:spPr>
+        <p:txBody>
+          <a:bodyPr wrap="square" rtlCol="0">
+            <a:spAutoFit/>
+          </a:bodyPr>
+          <a:lstStyle/>
+          <a:p>
+            <a:r>
+              <a:rPr kumimoji="1" lang="ja-JP" altLang="en-US" sz="2000" dirty="0"/>
+              <a:t>・赤枠の入力欄の中に招待したいユーザ</a:t>
+            </a:r>
+            <a:r>
+              <a:rPr kumimoji="1" lang="en-US" altLang="ja-JP" sz="2000" dirty="0"/>
+              <a:t>ID</a:t>
+            </a:r>
+            <a:r>
+              <a:rPr kumimoji="1" lang="ja-JP" altLang="en-US" sz="2000" dirty="0"/>
+              <a:t>を入力</a:t>
+            </a:r>
+          </a:p>
+        </p:txBody>
+      </p:sp>
+      <p:sp>
+        <p:nvSpPr>
+          <p:cNvPr id="12" name="正方形/長方形 11">
+            <a:extLst>
+              <a:ext uri="{FF2B5EF4-FFF2-40B4-BE49-F238E27FC236}">
+                <a16:creationId xmlns:a16="http://schemas.microsoft.com/office/drawing/2014/main" id="{09ACDD19-14AD-6C02-EF2A-32789BB1F829}"/>
+              </a:ext>
+            </a:extLst>
+          </p:cNvPr>
+          <p:cNvSpPr/>
+          <p:nvPr/>
+        </p:nvSpPr>
+        <p:spPr>
+          <a:xfrm>
+            <a:off x="297913" y="6094961"/>
+            <a:ext cx="5349239" cy="520467"/>
+          </a:xfrm>
+          <a:prstGeom prst="rect">
+            <a:avLst/>
+          </a:prstGeom>
+          <a:noFill/>
+          <a:ln w="76200">
+            <a:solidFill>
+              <a:srgbClr val="0070C0"/>
+            </a:solidFill>
+          </a:ln>
+        </p:spPr>
+        <p:style>
+          <a:lnRef idx="2">
+            <a:schemeClr val="accent1">
+              <a:shade val="50000"/>
+            </a:schemeClr>
+          </a:lnRef>
+          <a:fillRef idx="1">
+            <a:schemeClr val="accent1"/>
+          </a:fillRef>
+          <a:effectRef idx="0">
+            <a:schemeClr val="accent1"/>
+          </a:effectRef>
+          <a:fontRef idx="minor">
+            <a:schemeClr val="lt1"/>
+          </a:fontRef>
+        </p:style>
+        <p:txBody>
+          <a:bodyPr rtlCol="0" anchor="ctr"/>
+          <a:lstStyle/>
+          <a:p>
+            <a:pPr algn="ctr"/>
+            <a:endParaRPr kumimoji="1" lang="ja-JP" altLang="en-US"/>
+          </a:p>
+        </p:txBody>
+      </p:sp>
+      <p:sp>
+        <p:nvSpPr>
+          <p:cNvPr id="13" name="タイトル 1">
+            <a:extLst>
+              <a:ext uri="{FF2B5EF4-FFF2-40B4-BE49-F238E27FC236}">
+                <a16:creationId xmlns:a16="http://schemas.microsoft.com/office/drawing/2014/main" id="{A8BC9D21-8267-D67C-056E-AE961D5FA41C}"/>
+              </a:ext>
+            </a:extLst>
+          </p:cNvPr>
+          <p:cNvSpPr txBox="1">
+            <a:spLocks/>
+          </p:cNvSpPr>
+          <p:nvPr/>
+        </p:nvSpPr>
+        <p:spPr>
+          <a:xfrm>
+            <a:off x="1788311" y="5577830"/>
+            <a:ext cx="3260361" cy="520467"/>
+          </a:xfrm>
+          <a:prstGeom prst="rect">
+            <a:avLst/>
+          </a:prstGeom>
+        </p:spPr>
+        <p:txBody>
+          <a:bodyPr vert="horz" lIns="91440" tIns="45720" rIns="91440" bIns="45720" rtlCol="0" anchor="t">
+            <a:normAutofit fontScale="85000" lnSpcReduction="10000"/>
+          </a:bodyPr>
+          <a:lstStyle>
+            <a:lvl1pPr algn="l" defTabSz="914400" rtl="0" eaLnBrk="1" latinLnBrk="0" hangingPunct="1">
+              <a:lnSpc>
+                <a:spcPct val="90000"/>
+              </a:lnSpc>
+              <a:spcBef>
+                <a:spcPct val="0"/>
+              </a:spcBef>
+              <a:buNone/>
+              <a:defRPr kumimoji="1" sz="5100" kern="1200" cap="all" spc="200" baseline="0">
+                <a:solidFill>
+                  <a:schemeClr val="tx2"/>
+                </a:solidFill>
+                <a:latin typeface="+mj-lt"/>
+                <a:ea typeface="+mj-ea"/>
+                <a:cs typeface="+mj-cs"/>
+              </a:defRPr>
+            </a:lvl1pPr>
+          </a:lstStyle>
+          <a:p>
+            <a:r>
+              <a:rPr lang="ja-JP" altLang="en-US" sz="3600" b="1" dirty="0">
+                <a:solidFill>
+                  <a:srgbClr val="0070C0"/>
+                </a:solidFill>
+              </a:rPr>
+              <a:t>ここをクリック</a:t>
+            </a:r>
+          </a:p>
+        </p:txBody>
+      </p:sp>
+      <p:cxnSp>
+        <p:nvCxnSpPr>
+          <p:cNvPr id="14" name="直線矢印コネクタ 13">
+            <a:extLst>
+              <a:ext uri="{FF2B5EF4-FFF2-40B4-BE49-F238E27FC236}">
+                <a16:creationId xmlns:a16="http://schemas.microsoft.com/office/drawing/2014/main" id="{C69609A9-EFFA-A8C0-CD8D-0AB7973B29F5}"/>
+              </a:ext>
+            </a:extLst>
+          </p:cNvPr>
+          <p:cNvCxnSpPr>
+            <a:cxnSpLocks/>
+          </p:cNvCxnSpPr>
+          <p:nvPr/>
+        </p:nvCxnSpPr>
+        <p:spPr>
+          <a:xfrm>
+            <a:off x="3025724" y="3168766"/>
+            <a:ext cx="0" cy="757003"/>
+          </a:xfrm>
+          <a:prstGeom prst="straightConnector1">
+            <a:avLst/>
+          </a:prstGeom>
+          <a:ln w="57150">
+            <a:solidFill>
+              <a:schemeClr val="tx1"/>
+            </a:solidFill>
+            <a:tailEnd type="triangle"/>
+          </a:ln>
+        </p:spPr>
+        <p:style>
+          <a:lnRef idx="1">
+            <a:schemeClr val="dk1"/>
+          </a:lnRef>
+          <a:fillRef idx="0">
+            <a:schemeClr val="dk1"/>
+          </a:fillRef>
+          <a:effectRef idx="0">
+            <a:schemeClr val="dk1"/>
+          </a:effectRef>
+          <a:fontRef idx="minor">
+            <a:schemeClr val="tx1"/>
+          </a:fontRef>
+        </p:style>
+      </p:cxnSp>
+      <p:sp>
+        <p:nvSpPr>
+          <p:cNvPr id="16" name="テキスト ボックス 15">
+            <a:extLst>
+              <a:ext uri="{FF2B5EF4-FFF2-40B4-BE49-F238E27FC236}">
+                <a16:creationId xmlns:a16="http://schemas.microsoft.com/office/drawing/2014/main" id="{DA581EE4-97CB-3DEF-86BE-C38FE455CC5A}"/>
+              </a:ext>
+            </a:extLst>
+          </p:cNvPr>
+          <p:cNvSpPr txBox="1"/>
+          <p:nvPr/>
+        </p:nvSpPr>
+        <p:spPr>
+          <a:xfrm>
+            <a:off x="5852861" y="234009"/>
+            <a:ext cx="3262432" cy="707886"/>
+          </a:xfrm>
+          <a:prstGeom prst="rect">
+            <a:avLst/>
+          </a:prstGeom>
+          <a:noFill/>
+        </p:spPr>
+        <p:txBody>
+          <a:bodyPr wrap="none" rtlCol="0">
+            <a:spAutoFit/>
+          </a:bodyPr>
+          <a:lstStyle/>
+          <a:p>
+            <a:r>
+              <a:rPr kumimoji="1" lang="ja-JP" altLang="en-US" sz="4000" dirty="0"/>
+              <a:t>ユーザを招待</a:t>
+            </a:r>
+          </a:p>
+        </p:txBody>
+      </p:sp>
+      <p:sp>
+        <p:nvSpPr>
+          <p:cNvPr id="17" name="テキスト ボックス 16">
+            <a:extLst>
+              <a:ext uri="{FF2B5EF4-FFF2-40B4-BE49-F238E27FC236}">
+                <a16:creationId xmlns:a16="http://schemas.microsoft.com/office/drawing/2014/main" id="{9EB5A7C9-6C74-F8DD-52D4-6B2C4FB954C3}"/>
+              </a:ext>
+            </a:extLst>
+          </p:cNvPr>
+          <p:cNvSpPr txBox="1"/>
+          <p:nvPr/>
+        </p:nvSpPr>
+        <p:spPr>
+          <a:xfrm>
+            <a:off x="5852861" y="1420552"/>
+            <a:ext cx="7303274" cy="707886"/>
+          </a:xfrm>
+          <a:prstGeom prst="rect">
+            <a:avLst/>
+          </a:prstGeom>
+          <a:noFill/>
+        </p:spPr>
+        <p:txBody>
+          <a:bodyPr wrap="square" rtlCol="0">
+            <a:spAutoFit/>
+          </a:bodyPr>
+          <a:lstStyle/>
+          <a:p>
+            <a:r>
+              <a:rPr kumimoji="1" lang="ja-JP" altLang="en-US" sz="2000" dirty="0"/>
+              <a:t>・入力欄の下にユーザの候補が出てくるので</a:t>
+            </a:r>
+            <a:endParaRPr kumimoji="1" lang="en-US" altLang="ja-JP" sz="2000" dirty="0"/>
+          </a:p>
+          <a:p>
+            <a:r>
+              <a:rPr kumimoji="1" lang="ja-JP" altLang="en-US" sz="2000" dirty="0"/>
+              <a:t>　その中から招待したいユーザを選択</a:t>
+            </a:r>
+          </a:p>
+        </p:txBody>
+      </p:sp>
+      <p:sp>
+        <p:nvSpPr>
+          <p:cNvPr id="18" name="テキスト ボックス 17">
+            <a:extLst>
+              <a:ext uri="{FF2B5EF4-FFF2-40B4-BE49-F238E27FC236}">
+                <a16:creationId xmlns:a16="http://schemas.microsoft.com/office/drawing/2014/main" id="{20D5A256-92B5-7A88-08A0-303FB65EBCA1}"/>
+              </a:ext>
+            </a:extLst>
+          </p:cNvPr>
+          <p:cNvSpPr txBox="1"/>
+          <p:nvPr/>
+        </p:nvSpPr>
+        <p:spPr>
+          <a:xfrm>
+            <a:off x="5852861" y="2206985"/>
+            <a:ext cx="7303274" cy="400110"/>
+          </a:xfrm>
+          <a:prstGeom prst="rect">
+            <a:avLst/>
+          </a:prstGeom>
+          <a:noFill/>
+        </p:spPr>
+        <p:txBody>
+          <a:bodyPr wrap="square" rtlCol="0">
+            <a:spAutoFit/>
+          </a:bodyPr>
+          <a:lstStyle/>
+          <a:p>
+            <a:r>
+              <a:rPr kumimoji="1" lang="ja-JP" altLang="en-US" sz="2000" dirty="0"/>
+              <a:t>・その後、青枠のボタンをクリックで招待</a:t>
+            </a:r>
+            <a:endParaRPr kumimoji="1" lang="en-US" altLang="ja-JP" sz="2000" dirty="0"/>
+          </a:p>
+        </p:txBody>
+      </p:sp>
+    </p:spTree>
+    <p:extLst>
+      <p:ext uri="{BB962C8B-B14F-4D97-AF65-F5344CB8AC3E}">
+        <p14:creationId xmlns:p14="http://schemas.microsoft.com/office/powerpoint/2010/main" val="470961405"/>
+      </p:ext>
+    </p:extLst>
+  </p:cSld>
+  <p:clrMapOvr>
+    <a:masterClrMapping/>
+  </p:clrMapOvr>
+</p:sld>
+</file>
+
+<file path=ppt/slides/slide31.xml><?xml version="1.0" encoding="utf-8"?>
+<p:sld xmlns:a="http://schemas.openxmlformats.org/drawingml/2006/main" xmlns:r="http://schemas.openxmlformats.org/officeDocument/2006/relationships" xmlns:p="http://schemas.openxmlformats.org/presentationml/2006/main">
+  <p:cSld>
+    <p:spTree>
+      <p:nvGrpSpPr>
+        <p:cNvPr id="1" name=""/>
+        <p:cNvGrpSpPr/>
+        <p:nvPr/>
+      </p:nvGrpSpPr>
+      <p:grpSpPr>
+        <a:xfrm>
+          <a:off x="0" y="0"/>
+          <a:ext cx="0" cy="0"/>
+          <a:chOff x="0" y="0"/>
+          <a:chExt cx="0" cy="0"/>
+        </a:xfrm>
+      </p:grpSpPr>
+      <p:sp>
+        <p:nvSpPr>
+          <p:cNvPr id="9" name="テキスト ボックス 8">
+            <a:extLst>
+              <a:ext uri="{FF2B5EF4-FFF2-40B4-BE49-F238E27FC236}">
+                <a16:creationId xmlns:a16="http://schemas.microsoft.com/office/drawing/2014/main" id="{F50CF7C2-B47F-C280-4DBC-E542359807C5}"/>
+              </a:ext>
+            </a:extLst>
+          </p:cNvPr>
+          <p:cNvSpPr txBox="1"/>
+          <p:nvPr/>
+        </p:nvSpPr>
+        <p:spPr>
+          <a:xfrm>
+            <a:off x="996048" y="435614"/>
+            <a:ext cx="6019349" cy="707886"/>
+          </a:xfrm>
+          <a:prstGeom prst="rect">
+            <a:avLst/>
+          </a:prstGeom>
+          <a:noFill/>
+        </p:spPr>
+        <p:txBody>
+          <a:bodyPr wrap="square" rtlCol="0">
+            <a:spAutoFit/>
+          </a:bodyPr>
+          <a:lstStyle/>
+          <a:p>
+            <a:r>
+              <a:rPr kumimoji="1" lang="ja-JP" altLang="en-US" sz="2000" dirty="0"/>
+              <a:t>・招待したユーザが赤枠のボタンをクリックするとメールが届いている</a:t>
+            </a:r>
+          </a:p>
+        </p:txBody>
+      </p:sp>
+      <p:sp>
+        <p:nvSpPr>
+          <p:cNvPr id="4" name="正方形/長方形 3">
+            <a:extLst>
+              <a:ext uri="{FF2B5EF4-FFF2-40B4-BE49-F238E27FC236}">
+                <a16:creationId xmlns:a16="http://schemas.microsoft.com/office/drawing/2014/main" id="{B4D2044F-2503-0A15-1619-FD9F37943C1C}"/>
+              </a:ext>
+            </a:extLst>
+          </p:cNvPr>
+          <p:cNvSpPr/>
+          <p:nvPr/>
+        </p:nvSpPr>
+        <p:spPr>
+          <a:xfrm>
+            <a:off x="7473729" y="6029328"/>
+            <a:ext cx="1295517" cy="520466"/>
+          </a:xfrm>
+          <a:prstGeom prst="rect">
+            <a:avLst/>
+          </a:prstGeom>
+          <a:noFill/>
+          <a:ln w="76200">
+            <a:solidFill>
+              <a:srgbClr val="FF0000"/>
+            </a:solidFill>
+          </a:ln>
+        </p:spPr>
+        <p:style>
+          <a:lnRef idx="2">
+            <a:schemeClr val="accent1">
+              <a:shade val="50000"/>
+            </a:schemeClr>
+          </a:lnRef>
+          <a:fillRef idx="1">
+            <a:schemeClr val="accent1"/>
+          </a:fillRef>
+          <a:effectRef idx="0">
+            <a:schemeClr val="accent1"/>
+          </a:effectRef>
+          <a:fontRef idx="minor">
+            <a:schemeClr val="lt1"/>
+          </a:fontRef>
+        </p:style>
+        <p:txBody>
+          <a:bodyPr rtlCol="0" anchor="ctr"/>
+          <a:lstStyle/>
+          <a:p>
+            <a:pPr algn="ctr"/>
+            <a:endParaRPr kumimoji="1" lang="ja-JP" altLang="en-US"/>
+          </a:p>
+        </p:txBody>
+      </p:sp>
+      <p:sp>
+        <p:nvSpPr>
+          <p:cNvPr id="6" name="タイトル 1">
+            <a:extLst>
+              <a:ext uri="{FF2B5EF4-FFF2-40B4-BE49-F238E27FC236}">
+                <a16:creationId xmlns:a16="http://schemas.microsoft.com/office/drawing/2014/main" id="{8DD45417-6E5C-7CF1-5CFF-2CDE2C2D1032}"/>
+              </a:ext>
+            </a:extLst>
+          </p:cNvPr>
+          <p:cNvSpPr txBox="1">
+            <a:spLocks/>
+          </p:cNvSpPr>
+          <p:nvPr/>
+        </p:nvSpPr>
+        <p:spPr>
+          <a:xfrm>
+            <a:off x="8769246" y="6000040"/>
+            <a:ext cx="3260361" cy="520467"/>
+          </a:xfrm>
+          <a:prstGeom prst="rect">
+            <a:avLst/>
+          </a:prstGeom>
+        </p:spPr>
+        <p:txBody>
+          <a:bodyPr vert="horz" lIns="91440" tIns="45720" rIns="91440" bIns="45720" rtlCol="0" anchor="t">
+            <a:normAutofit fontScale="85000" lnSpcReduction="10000"/>
+          </a:bodyPr>
+          <a:lstStyle>
+            <a:lvl1pPr algn="l" defTabSz="914400" rtl="0" eaLnBrk="1" latinLnBrk="0" hangingPunct="1">
+              <a:lnSpc>
+                <a:spcPct val="90000"/>
+              </a:lnSpc>
+              <a:spcBef>
+                <a:spcPct val="0"/>
+              </a:spcBef>
+              <a:buNone/>
+              <a:defRPr kumimoji="1" sz="5100" kern="1200" cap="all" spc="200" baseline="0">
+                <a:solidFill>
+                  <a:schemeClr val="tx2"/>
+                </a:solidFill>
+                <a:latin typeface="+mj-lt"/>
+                <a:ea typeface="+mj-ea"/>
+                <a:cs typeface="+mj-cs"/>
+              </a:defRPr>
+            </a:lvl1pPr>
+          </a:lstStyle>
+          <a:p>
+            <a:r>
+              <a:rPr lang="ja-JP" altLang="en-US" sz="3600" b="1" dirty="0">
+                <a:solidFill>
+                  <a:srgbClr val="FF0000"/>
+                </a:solidFill>
+              </a:rPr>
+              <a:t>ここをクリック</a:t>
+            </a:r>
+          </a:p>
+        </p:txBody>
+      </p:sp>
+      <p:sp>
+        <p:nvSpPr>
+          <p:cNvPr id="5" name="テキスト ボックス 4">
+            <a:extLst>
+              <a:ext uri="{FF2B5EF4-FFF2-40B4-BE49-F238E27FC236}">
+                <a16:creationId xmlns:a16="http://schemas.microsoft.com/office/drawing/2014/main" id="{14F6631D-EB96-9AA3-E04F-602F10ABB3A7}"/>
+              </a:ext>
+            </a:extLst>
+          </p:cNvPr>
+          <p:cNvSpPr txBox="1"/>
+          <p:nvPr/>
+        </p:nvSpPr>
+        <p:spPr>
+          <a:xfrm>
+            <a:off x="3049172" y="3247851"/>
+            <a:ext cx="6098344" cy="369332"/>
+          </a:xfrm>
+          <a:prstGeom prst="rect">
+            <a:avLst/>
+          </a:prstGeom>
+          <a:noFill/>
+        </p:spPr>
+        <p:txBody>
+          <a:bodyPr wrap="square">
+            <a:spAutoFit/>
+          </a:bodyPr>
+          <a:lstStyle/>
+          <a:p>
+            <a:endParaRPr lang="ja-JP" altLang="en-US" dirty="0"/>
+          </a:p>
+        </p:txBody>
+      </p:sp>
+    </p:spTree>
+    <p:extLst>
+      <p:ext uri="{BB962C8B-B14F-4D97-AF65-F5344CB8AC3E}">
+        <p14:creationId xmlns:p14="http://schemas.microsoft.com/office/powerpoint/2010/main" val="2576003155"/>
       </p:ext>
     </p:extLst>
   </p:cSld>
@@ -10627,4 +16666,299 @@
     </a:ext>
   </a:extLst>
 </a:theme>
+</file>
+
+<file path=ppt/theme/theme2.xml><?xml version="1.0" encoding="utf-8"?>
+<a:theme xmlns:a="http://schemas.openxmlformats.org/drawingml/2006/main" name="Office テーマ">
+  <a:themeElements>
+    <a:clrScheme name="Office">
+      <a:dk1>
+        <a:sysClr val="windowText" lastClr="000000"/>
+      </a:dk1>
+      <a:lt1>
+        <a:sysClr val="window" lastClr="FFFFFF"/>
+      </a:lt1>
+      <a:dk2>
+        <a:srgbClr val="44546A"/>
+      </a:dk2>
+      <a:lt2>
+        <a:srgbClr val="E7E6E6"/>
+      </a:lt2>
+      <a:accent1>
+        <a:srgbClr val="4472C4"/>
+      </a:accent1>
+      <a:accent2>
+        <a:srgbClr val="ED7D31"/>
+      </a:accent2>
+      <a:accent3>
+        <a:srgbClr val="A5A5A5"/>
+      </a:accent3>
+      <a:accent4>
+        <a:srgbClr val="FFC000"/>
+      </a:accent4>
+      <a:accent5>
+        <a:srgbClr val="5B9BD5"/>
+      </a:accent5>
+      <a:accent6>
+        <a:srgbClr val="70AD47"/>
+      </a:accent6>
+      <a:hlink>
+        <a:srgbClr val="0563C1"/>
+      </a:hlink>
+      <a:folHlink>
+        <a:srgbClr val="954F72"/>
+      </a:folHlink>
+    </a:clrScheme>
+    <a:fontScheme name="Office">
+      <a:majorFont>
+        <a:latin typeface="游ゴシック Light" panose="020F0302020204030204"/>
+        <a:ea typeface=""/>
+        <a:cs typeface=""/>
+        <a:font script="Jpan" typeface="游ゴシック Light"/>
+        <a:font script="Hang" typeface="맑은 고딕"/>
+        <a:font script="Hans" typeface="等线 Light"/>
+        <a:font script="Hant" typeface="新細明體"/>
+        <a:font script="Arab" typeface="Times New Roman"/>
+        <a:font script="Hebr" typeface="Times New Roman"/>
+        <a:font script="Thai" typeface="Angsana New"/>
+        <a:font script="Ethi" typeface="Nyala"/>
+        <a:font script="Beng" typeface="Vrinda"/>
+        <a:font script="Gujr" typeface="Shruti"/>
+        <a:font script="Khmr" typeface="MoolBoran"/>
+        <a:font script="Knda" typeface="Tunga"/>
+        <a:font script="Guru" typeface="Raavi"/>
+        <a:font script="Cans" typeface="Euphemia"/>
+        <a:font script="Cher" typeface="Plantagenet Cherokee"/>
+        <a:font script="Yiii" typeface="Microsoft Yi Baiti"/>
+        <a:font script="Tibt" typeface="Microsoft Himalaya"/>
+        <a:font script="Thaa" typeface="MV Boli"/>
+        <a:font script="Deva" typeface="Mangal"/>
+        <a:font script="Telu" typeface="Gautami"/>
+        <a:font script="Taml" typeface="Latha"/>
+        <a:font script="Syrc" typeface="Estrangelo Edessa"/>
+        <a:font script="Orya" typeface="Kalinga"/>
+        <a:font script="Mlym" typeface="Kartika"/>
+        <a:font script="Laoo" typeface="DokChampa"/>
+        <a:font script="Sinh" typeface="Iskoola Pota"/>
+        <a:font script="Mong" typeface="Mongolian Baiti"/>
+        <a:font script="Viet" typeface="Times New Roman"/>
+        <a:font script="Uigh" typeface="Microsoft Uighur"/>
+        <a:font script="Geor" typeface="Sylfaen"/>
+        <a:font script="Armn" typeface="Arial"/>
+        <a:font script="Bugi" typeface="Leelawadee UI"/>
+        <a:font script="Bopo" typeface="Microsoft JhengHei"/>
+        <a:font script="Java" typeface="Javanese Text"/>
+        <a:font script="Lisu" typeface="Segoe UI"/>
+        <a:font script="Mymr" typeface="Myanmar Text"/>
+        <a:font script="Nkoo" typeface="Ebrima"/>
+        <a:font script="Olck" typeface="Nirmala UI"/>
+        <a:font script="Osma" typeface="Ebrima"/>
+        <a:font script="Phag" typeface="Phagspa"/>
+        <a:font script="Syrn" typeface="Estrangelo Edessa"/>
+        <a:font script="Syrj" typeface="Estrangelo Edessa"/>
+        <a:font script="Syre" typeface="Estrangelo Edessa"/>
+        <a:font script="Sora" typeface="Nirmala UI"/>
+        <a:font script="Tale" typeface="Microsoft Tai Le"/>
+        <a:font script="Talu" typeface="Microsoft New Tai Lue"/>
+        <a:font script="Tfng" typeface="Ebrima"/>
+      </a:majorFont>
+      <a:minorFont>
+        <a:latin typeface="游ゴシック" panose="020F0502020204030204"/>
+        <a:ea typeface=""/>
+        <a:cs typeface=""/>
+        <a:font script="Jpan" typeface="游ゴシック"/>
+        <a:font script="Hang" typeface="맑은 고딕"/>
+        <a:font script="Hans" typeface="等线"/>
+        <a:font script="Hant" typeface="新細明體"/>
+        <a:font script="Arab" typeface="Arial"/>
+        <a:font script="Hebr" typeface="Arial"/>
+        <a:font script="Thai" typeface="Cordia New"/>
+        <a:font script="Ethi" typeface="Nyala"/>
+        <a:font script="Beng" typeface="Vrinda"/>
+        <a:font script="Gujr" typeface="Shruti"/>
+        <a:font script="Khmr" typeface="DaunPenh"/>
+        <a:font script="Knda" typeface="Tunga"/>
+        <a:font script="Guru" typeface="Raavi"/>
+        <a:font script="Cans" typeface="Euphemia"/>
+        <a:font script="Cher" typeface="Plantagenet Cherokee"/>
+        <a:font script="Yiii" typeface="Microsoft Yi Baiti"/>
+        <a:font script="Tibt" typeface="Microsoft Himalaya"/>
+        <a:font script="Thaa" typeface="MV Boli"/>
+        <a:font script="Deva" typeface="Mangal"/>
+        <a:font script="Telu" typeface="Gautami"/>
+        <a:font script="Taml" typeface="Latha"/>
+        <a:font script="Syrc" typeface="Estrangelo Edessa"/>
+        <a:font script="Orya" typeface="Kalinga"/>
+        <a:font script="Mlym" typeface="Kartika"/>
+        <a:font script="Laoo" typeface="DokChampa"/>
+        <a:font script="Sinh" typeface="Iskoola Pota"/>
+        <a:font script="Mong" typeface="Mongolian Baiti"/>
+        <a:font script="Viet" typeface="Arial"/>
+        <a:font script="Uigh" typeface="Microsoft Uighur"/>
+        <a:font script="Geor" typeface="Sylfaen"/>
+        <a:font script="Armn" typeface="Arial"/>
+        <a:font script="Bugi" typeface="Leelawadee UI"/>
+        <a:font script="Bopo" typeface="Microsoft JhengHei"/>
+        <a:font script="Java" typeface="Javanese Text"/>
+        <a:font script="Lisu" typeface="Segoe UI"/>
+        <a:font script="Mymr" typeface="Myanmar Text"/>
+        <a:font script="Nkoo" typeface="Ebrima"/>
+        <a:font script="Olck" typeface="Nirmala UI"/>
+        <a:font script="Osma" typeface="Ebrima"/>
+        <a:font script="Phag" typeface="Phagspa"/>
+        <a:font script="Syrn" typeface="Estrangelo Edessa"/>
+        <a:font script="Syrj" typeface="Estrangelo Edessa"/>
+        <a:font script="Syre" typeface="Estrangelo Edessa"/>
+        <a:font script="Sora" typeface="Nirmala UI"/>
+        <a:font script="Tale" typeface="Microsoft Tai Le"/>
+        <a:font script="Talu" typeface="Microsoft New Tai Lue"/>
+        <a:font script="Tfng" typeface="Ebrima"/>
+      </a:minorFont>
+    </a:fontScheme>
+    <a:fmtScheme name="Office">
+      <a:fillStyleLst>
+        <a:solidFill>
+          <a:schemeClr val="phClr"/>
+        </a:solidFill>
+        <a:gradFill rotWithShape="1">
+          <a:gsLst>
+            <a:gs pos="0">
+              <a:schemeClr val="phClr">
+                <a:lumMod val="110000"/>
+                <a:satMod val="105000"/>
+                <a:tint val="67000"/>
+              </a:schemeClr>
+            </a:gs>
+            <a:gs pos="50000">
+              <a:schemeClr val="phClr">
+                <a:lumMod val="105000"/>
+                <a:satMod val="103000"/>
+                <a:tint val="73000"/>
+              </a:schemeClr>
+            </a:gs>
+            <a:gs pos="100000">
+              <a:schemeClr val="phClr">
+                <a:lumMod val="105000"/>
+                <a:satMod val="109000"/>
+                <a:tint val="81000"/>
+              </a:schemeClr>
+            </a:gs>
+          </a:gsLst>
+          <a:lin ang="5400000" scaled="0"/>
+        </a:gradFill>
+        <a:gradFill rotWithShape="1">
+          <a:gsLst>
+            <a:gs pos="0">
+              <a:schemeClr val="phClr">
+                <a:satMod val="103000"/>
+                <a:lumMod val="102000"/>
+                <a:tint val="94000"/>
+              </a:schemeClr>
+            </a:gs>
+            <a:gs pos="50000">
+              <a:schemeClr val="phClr">
+                <a:satMod val="110000"/>
+                <a:lumMod val="100000"/>
+                <a:shade val="100000"/>
+              </a:schemeClr>
+            </a:gs>
+            <a:gs pos="100000">
+              <a:schemeClr val="phClr">
+                <a:lumMod val="99000"/>
+                <a:satMod val="120000"/>
+                <a:shade val="78000"/>
+              </a:schemeClr>
+            </a:gs>
+          </a:gsLst>
+          <a:lin ang="5400000" scaled="0"/>
+        </a:gradFill>
+      </a:fillStyleLst>
+      <a:lnStyleLst>
+        <a:ln w="6350" cap="flat" cmpd="sng" algn="ctr">
+          <a:solidFill>
+            <a:schemeClr val="phClr"/>
+          </a:solidFill>
+          <a:prstDash val="solid"/>
+          <a:miter lim="800000"/>
+        </a:ln>
+        <a:ln w="12700" cap="flat" cmpd="sng" algn="ctr">
+          <a:solidFill>
+            <a:schemeClr val="phClr"/>
+          </a:solidFill>
+          <a:prstDash val="solid"/>
+          <a:miter lim="800000"/>
+        </a:ln>
+        <a:ln w="19050" cap="flat" cmpd="sng" algn="ctr">
+          <a:solidFill>
+            <a:schemeClr val="phClr"/>
+          </a:solidFill>
+          <a:prstDash val="solid"/>
+          <a:miter lim="800000"/>
+        </a:ln>
+      </a:lnStyleLst>
+      <a:effectStyleLst>
+        <a:effectStyle>
+          <a:effectLst/>
+        </a:effectStyle>
+        <a:effectStyle>
+          <a:effectLst/>
+        </a:effectStyle>
+        <a:effectStyle>
+          <a:effectLst>
+            <a:outerShdw blurRad="57150" dist="19050" dir="5400000" algn="ctr" rotWithShape="0">
+              <a:srgbClr val="000000">
+                <a:alpha val="63000"/>
+              </a:srgbClr>
+            </a:outerShdw>
+          </a:effectLst>
+        </a:effectStyle>
+      </a:effectStyleLst>
+      <a:bgFillStyleLst>
+        <a:solidFill>
+          <a:schemeClr val="phClr"/>
+        </a:solidFill>
+        <a:solidFill>
+          <a:schemeClr val="phClr">
+            <a:tint val="95000"/>
+            <a:satMod val="170000"/>
+          </a:schemeClr>
+        </a:solidFill>
+        <a:gradFill rotWithShape="1">
+          <a:gsLst>
+            <a:gs pos="0">
+              <a:schemeClr val="phClr">
+                <a:tint val="93000"/>
+                <a:satMod val="150000"/>
+                <a:shade val="98000"/>
+                <a:lumMod val="102000"/>
+              </a:schemeClr>
+            </a:gs>
+            <a:gs pos="50000">
+              <a:schemeClr val="phClr">
+                <a:tint val="98000"/>
+                <a:satMod val="130000"/>
+                <a:shade val="90000"/>
+                <a:lumMod val="103000"/>
+              </a:schemeClr>
+            </a:gs>
+            <a:gs pos="100000">
+              <a:schemeClr val="phClr">
+                <a:shade val="63000"/>
+                <a:satMod val="120000"/>
+              </a:schemeClr>
+            </a:gs>
+          </a:gsLst>
+          <a:lin ang="5400000" scaled="0"/>
+        </a:gradFill>
+      </a:bgFillStyleLst>
+    </a:fmtScheme>
+  </a:themeElements>
+  <a:objectDefaults/>
+  <a:extraClrSchemeLst/>
+  <a:extLst>
+    <a:ext uri="{05A4C25C-085E-4340-85A3-A5531E510DB2}">
+      <thm15:themeFamily xmlns:thm15="http://schemas.microsoft.com/office/thememl/2012/main" name="Office Theme" id="{62F939B6-93AF-4DB8-9C6B-D6C7DFDC589F}" vid="{4A3C46E8-61CC-4603-A589-7422A47A8E4A}"/>
+    </a:ext>
+  </a:extLst>
+</a:theme>
 </file>
--- a/gitについて_加藤.pptx
+++ b/gitについて_加藤.pptx
@@ -5,7 +5,7 @@
     <p:sldMasterId id="2147483660" r:id="rId1"/>
   </p:sldMasterIdLst>
   <p:notesMasterIdLst>
-    <p:notesMasterId r:id="rId33"/>
+    <p:notesMasterId r:id="rId35"/>
   </p:notesMasterIdLst>
   <p:sldIdLst>
     <p:sldId id="256" r:id="rId2"/>
@@ -39,6 +39,8 @@
     <p:sldId id="292" r:id="rId30"/>
     <p:sldId id="293" r:id="rId31"/>
     <p:sldId id="294" r:id="rId32"/>
+    <p:sldId id="295" r:id="rId33"/>
+    <p:sldId id="296" r:id="rId34"/>
   </p:sldIdLst>
   <p:sldSz cx="12192000" cy="6858000"/>
   <p:notesSz cx="6858000" cy="9144000"/>
@@ -15139,6 +15141,71 @@
           <a:chExt cx="0" cy="0"/>
         </a:xfrm>
       </p:grpSpPr>
+      <p:pic>
+        <p:nvPicPr>
+          <p:cNvPr id="3" name="図 2" descr="グラフィカル ユーザー インターフェイス, テキスト, アプリケーション, メール&#10;&#10;自動的に生成された説明">
+            <a:extLst>
+              <a:ext uri="{FF2B5EF4-FFF2-40B4-BE49-F238E27FC236}">
+                <a16:creationId xmlns:a16="http://schemas.microsoft.com/office/drawing/2014/main" id="{025ADE73-A6F7-7B13-66F4-773677F475CB}"/>
+              </a:ext>
+            </a:extLst>
+          </p:cNvPr>
+          <p:cNvPicPr>
+            <a:picLocks noChangeAspect="1"/>
+          </p:cNvPicPr>
+          <p:nvPr/>
+        </p:nvPicPr>
+        <p:blipFill rotWithShape="1">
+          <a:blip r:embed="rId2">
+            <a:extLst>
+              <a:ext uri="{28A0092B-C50C-407E-A947-70E740481C1C}">
+                <a14:useLocalDpi xmlns:a14="http://schemas.microsoft.com/office/drawing/2010/main" val="0"/>
+              </a:ext>
+            </a:extLst>
+          </a:blip>
+          <a:srcRect l="28760" t="14513" b="28374"/>
+          <a:stretch/>
+        </p:blipFill>
+        <p:spPr>
+          <a:xfrm>
+            <a:off x="996047" y="1326380"/>
+            <a:ext cx="10443837" cy="4413238"/>
+          </a:xfrm>
+          <a:prstGeom prst="rect">
+            <a:avLst/>
+          </a:prstGeom>
+          <a:solidFill>
+            <a:srgbClr val="FFFFFF">
+              <a:shade val="85000"/>
+            </a:srgbClr>
+          </a:solidFill>
+          <a:ln w="88900" cap="sq">
+            <a:solidFill>
+              <a:srgbClr val="FFFFFF"/>
+            </a:solidFill>
+            <a:miter lim="800000"/>
+          </a:ln>
+          <a:effectLst>
+            <a:outerShdw blurRad="55000" dist="18000" dir="5400000" algn="tl" rotWithShape="0">
+              <a:srgbClr val="000000">
+                <a:alpha val="40000"/>
+              </a:srgbClr>
+            </a:outerShdw>
+          </a:effectLst>
+          <a:scene3d>
+            <a:camera prst="orthographicFront"/>
+            <a:lightRig rig="twoPt" dir="t">
+              <a:rot lat="0" lon="0" rev="7200000"/>
+            </a:lightRig>
+          </a:scene3d>
+          <a:sp3d>
+            <a:bevelT w="25400" h="19050"/>
+            <a:contourClr>
+              <a:srgbClr val="FFFFFF"/>
+            </a:contourClr>
+          </a:sp3d>
+        </p:spPr>
+      </p:pic>
       <p:sp>
         <p:nvSpPr>
           <p:cNvPr id="9" name="テキスト ボックス 8">
@@ -15153,8 +15220,8 @@
         </p:nvSpPr>
         <p:spPr>
           <a:xfrm>
-            <a:off x="996048" y="435614"/>
-            <a:ext cx="6019349" cy="707886"/>
+            <a:off x="855371" y="805632"/>
+            <a:ext cx="8443374" cy="400110"/>
           </a:xfrm>
           <a:prstGeom prst="rect">
             <a:avLst/>
@@ -15169,7 +15236,15 @@
           <a:p>
             <a:r>
               <a:rPr kumimoji="1" lang="ja-JP" altLang="en-US" sz="2000" dirty="0"/>
-              <a:t>・招待したユーザが赤枠のボタンをクリックするとメールが届いている</a:t>
+              <a:t>・招待されたユーザが</a:t>
+            </a:r>
+            <a:r>
+              <a:rPr kumimoji="1" lang="en-US" altLang="ja-JP" sz="2000" dirty="0"/>
+              <a:t>Git Hub</a:t>
+            </a:r>
+            <a:r>
+              <a:rPr kumimoji="1" lang="ja-JP" altLang="en-US" sz="2000" dirty="0"/>
+              <a:t>の赤枠のボタンをクリックする</a:t>
             </a:r>
           </a:p>
         </p:txBody>
@@ -15188,8 +15263,8 @@
         </p:nvSpPr>
         <p:spPr>
           <a:xfrm>
-            <a:off x="7473729" y="6029328"/>
-            <a:ext cx="1295517" cy="520466"/>
+            <a:off x="10185009" y="1382652"/>
+            <a:ext cx="675249" cy="520466"/>
           </a:xfrm>
           <a:prstGeom prst="rect">
             <a:avLst/>
@@ -15242,7 +15317,7 @@
         </p:nvSpPr>
         <p:spPr>
           <a:xfrm>
-            <a:off x="8769246" y="6000040"/>
+            <a:off x="8051793" y="2085998"/>
             <a:ext cx="3260361" cy="520467"/>
           </a:xfrm>
           <a:prstGeom prst="rect">
@@ -15320,6 +15395,566 @@
     <p:extLst>
       <p:ext uri="{BB962C8B-B14F-4D97-AF65-F5344CB8AC3E}">
         <p14:creationId xmlns:p14="http://schemas.microsoft.com/office/powerpoint/2010/main" val="2576003155"/>
+      </p:ext>
+    </p:extLst>
+  </p:cSld>
+  <p:clrMapOvr>
+    <a:masterClrMapping/>
+  </p:clrMapOvr>
+</p:sld>
+</file>
+
+<file path=ppt/slides/slide32.xml><?xml version="1.0" encoding="utf-8"?>
+<p:sld xmlns:a="http://schemas.openxmlformats.org/drawingml/2006/main" xmlns:r="http://schemas.openxmlformats.org/officeDocument/2006/relationships" xmlns:p="http://schemas.openxmlformats.org/presentationml/2006/main">
+  <p:cSld>
+    <p:spTree>
+      <p:nvGrpSpPr>
+        <p:cNvPr id="1" name=""/>
+        <p:cNvGrpSpPr/>
+        <p:nvPr/>
+      </p:nvGrpSpPr>
+      <p:grpSpPr>
+        <a:xfrm>
+          <a:off x="0" y="0"/>
+          <a:ext cx="0" cy="0"/>
+          <a:chOff x="0" y="0"/>
+          <a:chExt cx="0" cy="0"/>
+        </a:xfrm>
+      </p:grpSpPr>
+      <p:pic>
+        <p:nvPicPr>
+          <p:cNvPr id="7" name="図 6" descr="グラフィカル ユーザー インターフェイス, テキスト, アプリケーション, メール&#10;&#10;自動的に生成された説明">
+            <a:extLst>
+              <a:ext uri="{FF2B5EF4-FFF2-40B4-BE49-F238E27FC236}">
+                <a16:creationId xmlns:a16="http://schemas.microsoft.com/office/drawing/2014/main" id="{193A3948-37DF-BA38-9B66-023614126CAB}"/>
+              </a:ext>
+            </a:extLst>
+          </p:cNvPr>
+          <p:cNvPicPr>
+            <a:picLocks noChangeAspect="1"/>
+          </p:cNvPicPr>
+          <p:nvPr/>
+        </p:nvPicPr>
+        <p:blipFill rotWithShape="1">
+          <a:blip r:embed="rId2">
+            <a:extLst>
+              <a:ext uri="{28A0092B-C50C-407E-A947-70E740481C1C}">
+                <a14:useLocalDpi xmlns:a14="http://schemas.microsoft.com/office/drawing/2010/main" val="0"/>
+              </a:ext>
+            </a:extLst>
+          </a:blip>
+          <a:srcRect l="16926" t="47850" r="33461" b="11491"/>
+          <a:stretch/>
+        </p:blipFill>
+        <p:spPr>
+          <a:xfrm>
+            <a:off x="1022771" y="1425781"/>
+            <a:ext cx="10146458" cy="4382804"/>
+          </a:xfrm>
+          <a:prstGeom prst="rect">
+            <a:avLst/>
+          </a:prstGeom>
+          <a:solidFill>
+            <a:srgbClr val="FFFFFF">
+              <a:shade val="85000"/>
+            </a:srgbClr>
+          </a:solidFill>
+          <a:ln w="88900" cap="sq">
+            <a:solidFill>
+              <a:srgbClr val="FFFFFF"/>
+            </a:solidFill>
+            <a:miter lim="800000"/>
+          </a:ln>
+          <a:effectLst>
+            <a:outerShdw blurRad="55000" dist="18000" dir="5400000" algn="tl" rotWithShape="0">
+              <a:srgbClr val="000000">
+                <a:alpha val="40000"/>
+              </a:srgbClr>
+            </a:outerShdw>
+          </a:effectLst>
+          <a:scene3d>
+            <a:camera prst="orthographicFront"/>
+            <a:lightRig rig="twoPt" dir="t">
+              <a:rot lat="0" lon="0" rev="7200000"/>
+            </a:lightRig>
+          </a:scene3d>
+          <a:sp3d>
+            <a:bevelT w="25400" h="19050"/>
+            <a:contourClr>
+              <a:srgbClr val="FFFFFF"/>
+            </a:contourClr>
+          </a:sp3d>
+        </p:spPr>
+      </p:pic>
+      <p:sp>
+        <p:nvSpPr>
+          <p:cNvPr id="9" name="テキスト ボックス 8">
+            <a:extLst>
+              <a:ext uri="{FF2B5EF4-FFF2-40B4-BE49-F238E27FC236}">
+                <a16:creationId xmlns:a16="http://schemas.microsoft.com/office/drawing/2014/main" id="{F50CF7C2-B47F-C280-4DBC-E542359807C5}"/>
+              </a:ext>
+            </a:extLst>
+          </p:cNvPr>
+          <p:cNvSpPr txBox="1"/>
+          <p:nvPr/>
+        </p:nvSpPr>
+        <p:spPr>
+          <a:xfrm>
+            <a:off x="855371" y="805632"/>
+            <a:ext cx="10313858" cy="400110"/>
+          </a:xfrm>
+          <a:prstGeom prst="rect">
+            <a:avLst/>
+          </a:prstGeom>
+          <a:noFill/>
+        </p:spPr>
+        <p:txBody>
+          <a:bodyPr wrap="square" rtlCol="0">
+            <a:spAutoFit/>
+          </a:bodyPr>
+          <a:lstStyle/>
+          <a:p>
+            <a:r>
+              <a:rPr kumimoji="1" lang="ja-JP" altLang="en-US" sz="2000" dirty="0"/>
+              <a:t>・招待したユーザの名前とリポジトリ名でメールが届いているのでそこをクリック</a:t>
+            </a:r>
+            <a:endParaRPr kumimoji="1" lang="en-US" altLang="ja-JP" sz="2000" dirty="0"/>
+          </a:p>
+        </p:txBody>
+      </p:sp>
+      <p:sp>
+        <p:nvSpPr>
+          <p:cNvPr id="4" name="正方形/長方形 3">
+            <a:extLst>
+              <a:ext uri="{FF2B5EF4-FFF2-40B4-BE49-F238E27FC236}">
+                <a16:creationId xmlns:a16="http://schemas.microsoft.com/office/drawing/2014/main" id="{B4D2044F-2503-0A15-1619-FD9F37943C1C}"/>
+              </a:ext>
+            </a:extLst>
+          </p:cNvPr>
+          <p:cNvSpPr/>
+          <p:nvPr/>
+        </p:nvSpPr>
+        <p:spPr>
+          <a:xfrm>
+            <a:off x="1196870" y="2126192"/>
+            <a:ext cx="6989187" cy="1121659"/>
+          </a:xfrm>
+          <a:prstGeom prst="rect">
+            <a:avLst/>
+          </a:prstGeom>
+          <a:noFill/>
+          <a:ln w="76200">
+            <a:solidFill>
+              <a:srgbClr val="FF0000"/>
+            </a:solidFill>
+          </a:ln>
+        </p:spPr>
+        <p:style>
+          <a:lnRef idx="2">
+            <a:schemeClr val="accent1">
+              <a:shade val="50000"/>
+            </a:schemeClr>
+          </a:lnRef>
+          <a:fillRef idx="1">
+            <a:schemeClr val="accent1"/>
+          </a:fillRef>
+          <a:effectRef idx="0">
+            <a:schemeClr val="accent1"/>
+          </a:effectRef>
+          <a:fontRef idx="minor">
+            <a:schemeClr val="lt1"/>
+          </a:fontRef>
+        </p:style>
+        <p:txBody>
+          <a:bodyPr rtlCol="0" anchor="ctr"/>
+          <a:lstStyle/>
+          <a:p>
+            <a:pPr algn="ctr"/>
+            <a:endParaRPr kumimoji="1" lang="ja-JP" altLang="en-US"/>
+          </a:p>
+        </p:txBody>
+      </p:sp>
+      <p:sp>
+        <p:nvSpPr>
+          <p:cNvPr id="6" name="タイトル 1">
+            <a:extLst>
+              <a:ext uri="{FF2B5EF4-FFF2-40B4-BE49-F238E27FC236}">
+                <a16:creationId xmlns:a16="http://schemas.microsoft.com/office/drawing/2014/main" id="{8DD45417-6E5C-7CF1-5CFF-2CDE2C2D1032}"/>
+              </a:ext>
+            </a:extLst>
+          </p:cNvPr>
+          <p:cNvSpPr txBox="1">
+            <a:spLocks/>
+          </p:cNvSpPr>
+          <p:nvPr/>
+        </p:nvSpPr>
+        <p:spPr>
+          <a:xfrm>
+            <a:off x="8186057" y="2166554"/>
+            <a:ext cx="3260361" cy="520467"/>
+          </a:xfrm>
+          <a:prstGeom prst="rect">
+            <a:avLst/>
+          </a:prstGeom>
+        </p:spPr>
+        <p:txBody>
+          <a:bodyPr vert="horz" lIns="91440" tIns="45720" rIns="91440" bIns="45720" rtlCol="0" anchor="t">
+            <a:normAutofit fontScale="85000" lnSpcReduction="10000"/>
+          </a:bodyPr>
+          <a:lstStyle>
+            <a:lvl1pPr algn="l" defTabSz="914400" rtl="0" eaLnBrk="1" latinLnBrk="0" hangingPunct="1">
+              <a:lnSpc>
+                <a:spcPct val="90000"/>
+              </a:lnSpc>
+              <a:spcBef>
+                <a:spcPct val="0"/>
+              </a:spcBef>
+              <a:buNone/>
+              <a:defRPr kumimoji="1" sz="5100" kern="1200" cap="all" spc="200" baseline="0">
+                <a:solidFill>
+                  <a:schemeClr val="tx2"/>
+                </a:solidFill>
+                <a:latin typeface="+mj-lt"/>
+                <a:ea typeface="+mj-ea"/>
+                <a:cs typeface="+mj-cs"/>
+              </a:defRPr>
+            </a:lvl1pPr>
+          </a:lstStyle>
+          <a:p>
+            <a:r>
+              <a:rPr lang="ja-JP" altLang="en-US" sz="3600" b="1" dirty="0">
+                <a:solidFill>
+                  <a:srgbClr val="FF0000"/>
+                </a:solidFill>
+              </a:rPr>
+              <a:t>ここをクリック</a:t>
+            </a:r>
+          </a:p>
+        </p:txBody>
+      </p:sp>
+      <p:sp>
+        <p:nvSpPr>
+          <p:cNvPr id="5" name="テキスト ボックス 4">
+            <a:extLst>
+              <a:ext uri="{FF2B5EF4-FFF2-40B4-BE49-F238E27FC236}">
+                <a16:creationId xmlns:a16="http://schemas.microsoft.com/office/drawing/2014/main" id="{14F6631D-EB96-9AA3-E04F-602F10ABB3A7}"/>
+              </a:ext>
+            </a:extLst>
+          </p:cNvPr>
+          <p:cNvSpPr txBox="1"/>
+          <p:nvPr/>
+        </p:nvSpPr>
+        <p:spPr>
+          <a:xfrm>
+            <a:off x="3049172" y="3247851"/>
+            <a:ext cx="6098344" cy="369332"/>
+          </a:xfrm>
+          <a:prstGeom prst="rect">
+            <a:avLst/>
+          </a:prstGeom>
+          <a:noFill/>
+        </p:spPr>
+        <p:txBody>
+          <a:bodyPr wrap="square">
+            <a:spAutoFit/>
+          </a:bodyPr>
+          <a:lstStyle/>
+          <a:p>
+            <a:endParaRPr lang="ja-JP" altLang="en-US" dirty="0"/>
+          </a:p>
+        </p:txBody>
+      </p:sp>
+    </p:spTree>
+    <p:extLst>
+      <p:ext uri="{BB962C8B-B14F-4D97-AF65-F5344CB8AC3E}">
+        <p14:creationId xmlns:p14="http://schemas.microsoft.com/office/powerpoint/2010/main" val="2550178860"/>
+      </p:ext>
+    </p:extLst>
+  </p:cSld>
+  <p:clrMapOvr>
+    <a:masterClrMapping/>
+  </p:clrMapOvr>
+</p:sld>
+</file>
+
+<file path=ppt/slides/slide33.xml><?xml version="1.0" encoding="utf-8"?>
+<p:sld xmlns:a="http://schemas.openxmlformats.org/drawingml/2006/main" xmlns:r="http://schemas.openxmlformats.org/officeDocument/2006/relationships" xmlns:p="http://schemas.openxmlformats.org/presentationml/2006/main">
+  <p:cSld>
+    <p:spTree>
+      <p:nvGrpSpPr>
+        <p:cNvPr id="1" name=""/>
+        <p:cNvGrpSpPr/>
+        <p:nvPr/>
+      </p:nvGrpSpPr>
+      <p:grpSpPr>
+        <a:xfrm>
+          <a:off x="0" y="0"/>
+          <a:ext cx="0" cy="0"/>
+          <a:chOff x="0" y="0"/>
+          <a:chExt cx="0" cy="0"/>
+        </a:xfrm>
+      </p:grpSpPr>
+      <p:pic>
+        <p:nvPicPr>
+          <p:cNvPr id="3" name="図 2" descr="グラフィカル ユーザー インターフェイス, テキスト, アプリケーション, メール&#10;&#10;自動的に生成された説明">
+            <a:extLst>
+              <a:ext uri="{FF2B5EF4-FFF2-40B4-BE49-F238E27FC236}">
+                <a16:creationId xmlns:a16="http://schemas.microsoft.com/office/drawing/2014/main" id="{69A673E3-6E25-E963-CFFE-70B2E880D52D}"/>
+              </a:ext>
+            </a:extLst>
+          </p:cNvPr>
+          <p:cNvPicPr>
+            <a:picLocks noChangeAspect="1"/>
+          </p:cNvPicPr>
+          <p:nvPr/>
+        </p:nvPicPr>
+        <p:blipFill rotWithShape="1">
+          <a:blip r:embed="rId2">
+            <a:extLst>
+              <a:ext uri="{28A0092B-C50C-407E-A947-70E740481C1C}">
+                <a14:useLocalDpi xmlns:a14="http://schemas.microsoft.com/office/drawing/2010/main" val="0"/>
+              </a:ext>
+            </a:extLst>
+          </a:blip>
+          <a:srcRect l="30953" t="12971" r="32857"/>
+          <a:stretch/>
+        </p:blipFill>
+        <p:spPr>
+          <a:xfrm>
+            <a:off x="638628" y="145127"/>
+            <a:ext cx="5181600" cy="6567746"/>
+          </a:xfrm>
+          <a:prstGeom prst="rect">
+            <a:avLst/>
+          </a:prstGeom>
+        </p:spPr>
+      </p:pic>
+      <p:sp>
+        <p:nvSpPr>
+          <p:cNvPr id="4" name="正方形/長方形 3">
+            <a:extLst>
+              <a:ext uri="{FF2B5EF4-FFF2-40B4-BE49-F238E27FC236}">
+                <a16:creationId xmlns:a16="http://schemas.microsoft.com/office/drawing/2014/main" id="{B4D2044F-2503-0A15-1619-FD9F37943C1C}"/>
+              </a:ext>
+            </a:extLst>
+          </p:cNvPr>
+          <p:cNvSpPr/>
+          <p:nvPr/>
+        </p:nvSpPr>
+        <p:spPr>
+          <a:xfrm>
+            <a:off x="1908070" y="2882684"/>
+            <a:ext cx="1764043" cy="560830"/>
+          </a:xfrm>
+          <a:prstGeom prst="rect">
+            <a:avLst/>
+          </a:prstGeom>
+          <a:noFill/>
+          <a:ln w="76200">
+            <a:solidFill>
+              <a:srgbClr val="FF0000"/>
+            </a:solidFill>
+          </a:ln>
+        </p:spPr>
+        <p:style>
+          <a:lnRef idx="2">
+            <a:schemeClr val="accent1">
+              <a:shade val="50000"/>
+            </a:schemeClr>
+          </a:lnRef>
+          <a:fillRef idx="1">
+            <a:schemeClr val="accent1"/>
+          </a:fillRef>
+          <a:effectRef idx="0">
+            <a:schemeClr val="accent1"/>
+          </a:effectRef>
+          <a:fontRef idx="minor">
+            <a:schemeClr val="lt1"/>
+          </a:fontRef>
+        </p:style>
+        <p:txBody>
+          <a:bodyPr rtlCol="0" anchor="ctr"/>
+          <a:lstStyle/>
+          <a:p>
+            <a:pPr algn="ctr"/>
+            <a:endParaRPr kumimoji="1" lang="ja-JP" altLang="en-US"/>
+          </a:p>
+        </p:txBody>
+      </p:sp>
+      <p:sp>
+        <p:nvSpPr>
+          <p:cNvPr id="6" name="タイトル 1">
+            <a:extLst>
+              <a:ext uri="{FF2B5EF4-FFF2-40B4-BE49-F238E27FC236}">
+                <a16:creationId xmlns:a16="http://schemas.microsoft.com/office/drawing/2014/main" id="{8DD45417-6E5C-7CF1-5CFF-2CDE2C2D1032}"/>
+              </a:ext>
+            </a:extLst>
+          </p:cNvPr>
+          <p:cNvSpPr txBox="1">
+            <a:spLocks/>
+          </p:cNvSpPr>
+          <p:nvPr/>
+        </p:nvSpPr>
+        <p:spPr>
+          <a:xfrm>
+            <a:off x="2041932" y="3617183"/>
+            <a:ext cx="3260361" cy="520467"/>
+          </a:xfrm>
+          <a:prstGeom prst="rect">
+            <a:avLst/>
+          </a:prstGeom>
+        </p:spPr>
+        <p:txBody>
+          <a:bodyPr vert="horz" lIns="91440" tIns="45720" rIns="91440" bIns="45720" rtlCol="0" anchor="t">
+            <a:normAutofit fontScale="85000" lnSpcReduction="10000"/>
+          </a:bodyPr>
+          <a:lstStyle>
+            <a:lvl1pPr algn="l" defTabSz="914400" rtl="0" eaLnBrk="1" latinLnBrk="0" hangingPunct="1">
+              <a:lnSpc>
+                <a:spcPct val="90000"/>
+              </a:lnSpc>
+              <a:spcBef>
+                <a:spcPct val="0"/>
+              </a:spcBef>
+              <a:buNone/>
+              <a:defRPr kumimoji="1" sz="5100" kern="1200" cap="all" spc="200" baseline="0">
+                <a:solidFill>
+                  <a:schemeClr val="tx2"/>
+                </a:solidFill>
+                <a:latin typeface="+mj-lt"/>
+                <a:ea typeface="+mj-ea"/>
+                <a:cs typeface="+mj-cs"/>
+              </a:defRPr>
+            </a:lvl1pPr>
+          </a:lstStyle>
+          <a:p>
+            <a:r>
+              <a:rPr lang="ja-JP" altLang="en-US" sz="3600" b="1" dirty="0">
+                <a:solidFill>
+                  <a:srgbClr val="FF0000"/>
+                </a:solidFill>
+              </a:rPr>
+              <a:t>ここをクリック</a:t>
+            </a:r>
+          </a:p>
+        </p:txBody>
+      </p:sp>
+      <p:sp>
+        <p:nvSpPr>
+          <p:cNvPr id="5" name="テキスト ボックス 4">
+            <a:extLst>
+              <a:ext uri="{FF2B5EF4-FFF2-40B4-BE49-F238E27FC236}">
+                <a16:creationId xmlns:a16="http://schemas.microsoft.com/office/drawing/2014/main" id="{14F6631D-EB96-9AA3-E04F-602F10ABB3A7}"/>
+              </a:ext>
+            </a:extLst>
+          </p:cNvPr>
+          <p:cNvSpPr txBox="1"/>
+          <p:nvPr/>
+        </p:nvSpPr>
+        <p:spPr>
+          <a:xfrm>
+            <a:off x="3049172" y="3247851"/>
+            <a:ext cx="6098344" cy="369332"/>
+          </a:xfrm>
+          <a:prstGeom prst="rect">
+            <a:avLst/>
+          </a:prstGeom>
+          <a:noFill/>
+        </p:spPr>
+        <p:txBody>
+          <a:bodyPr wrap="square">
+            <a:spAutoFit/>
+          </a:bodyPr>
+          <a:lstStyle/>
+          <a:p>
+            <a:endParaRPr lang="ja-JP" altLang="en-US" dirty="0"/>
+          </a:p>
+        </p:txBody>
+      </p:sp>
+      <p:sp>
+        <p:nvSpPr>
+          <p:cNvPr id="8" name="テキスト ボックス 7">
+            <a:extLst>
+              <a:ext uri="{FF2B5EF4-FFF2-40B4-BE49-F238E27FC236}">
+                <a16:creationId xmlns:a16="http://schemas.microsoft.com/office/drawing/2014/main" id="{ED5CC403-4BE0-FDBB-7DF7-6D90A07C7ADF}"/>
+              </a:ext>
+            </a:extLst>
+          </p:cNvPr>
+          <p:cNvSpPr txBox="1"/>
+          <p:nvPr/>
+        </p:nvSpPr>
+        <p:spPr>
+          <a:xfrm>
+            <a:off x="5820228" y="413746"/>
+            <a:ext cx="4021429" cy="400110"/>
+          </a:xfrm>
+          <a:prstGeom prst="rect">
+            <a:avLst/>
+          </a:prstGeom>
+          <a:noFill/>
+        </p:spPr>
+        <p:txBody>
+          <a:bodyPr wrap="square" rtlCol="0">
+            <a:spAutoFit/>
+          </a:bodyPr>
+          <a:lstStyle/>
+          <a:p>
+            <a:r>
+              <a:rPr kumimoji="1" lang="ja-JP" altLang="en-US" sz="2000" dirty="0"/>
+              <a:t>・</a:t>
+            </a:r>
+            <a:r>
+              <a:rPr kumimoji="1" lang="en-US" altLang="ja-JP" sz="2000" dirty="0"/>
+              <a:t>[Accept invitation]</a:t>
+            </a:r>
+            <a:r>
+              <a:rPr kumimoji="1" lang="ja-JP" altLang="en-US" sz="2000" dirty="0"/>
+              <a:t>をクリック</a:t>
+            </a:r>
+            <a:endParaRPr kumimoji="1" lang="en-US" altLang="ja-JP" sz="2000" dirty="0"/>
+          </a:p>
+        </p:txBody>
+      </p:sp>
+      <p:sp>
+        <p:nvSpPr>
+          <p:cNvPr id="10" name="テキスト ボックス 9">
+            <a:extLst>
+              <a:ext uri="{FF2B5EF4-FFF2-40B4-BE49-F238E27FC236}">
+                <a16:creationId xmlns:a16="http://schemas.microsoft.com/office/drawing/2014/main" id="{9CA7B5F3-697B-5C67-73A4-24A39BEF6BE4}"/>
+              </a:ext>
+            </a:extLst>
+          </p:cNvPr>
+          <p:cNvSpPr txBox="1"/>
+          <p:nvPr/>
+        </p:nvSpPr>
+        <p:spPr>
+          <a:xfrm>
+            <a:off x="5820227" y="1082475"/>
+            <a:ext cx="5936344" cy="400110"/>
+          </a:xfrm>
+          <a:prstGeom prst="rect">
+            <a:avLst/>
+          </a:prstGeom>
+          <a:noFill/>
+        </p:spPr>
+        <p:txBody>
+          <a:bodyPr wrap="square" rtlCol="0">
+            <a:spAutoFit/>
+          </a:bodyPr>
+          <a:lstStyle/>
+          <a:p>
+            <a:r>
+              <a:rPr kumimoji="1" lang="ja-JP" altLang="en-US" sz="2000" dirty="0"/>
+              <a:t>・これで共同作業ができるようになりました！</a:t>
+            </a:r>
+            <a:endParaRPr kumimoji="1" lang="en-US" altLang="ja-JP" sz="2000" dirty="0"/>
+          </a:p>
+        </p:txBody>
+      </p:sp>
+    </p:spTree>
+    <p:extLst>
+      <p:ext uri="{BB962C8B-B14F-4D97-AF65-F5344CB8AC3E}">
+        <p14:creationId xmlns:p14="http://schemas.microsoft.com/office/powerpoint/2010/main" val="4239217756"/>
       </p:ext>
     </p:extLst>
   </p:cSld>
